--- a/Pang_slide.pptx
+++ b/Pang_slide.pptx
@@ -9005,7 +9005,7 @@
         </p:nvSpPr>
         <p:spPr>
           <a:xfrm>
-            <a:off x="283100" y="134075"/>
+            <a:off x="288300" y="113350"/>
             <a:ext cx="8779200" cy="5009400"/>
           </a:xfrm>
           <a:prstGeom prst="rect">
@@ -9076,7 +9076,7 @@
             </a:r>
             <a:r>
               <a:rPr lang="en" sz="2166"/>
-              <a:t> by 5% in XGBoost Model, comparing to using to using only academic and </a:t>
+              <a:t> by 5% in XGBoost Model, comparing to using only academic and </a:t>
             </a:r>
             <a:r>
               <a:rPr lang="en" sz="2166"/>
@@ -9256,7 +9256,7 @@
             </a:pPr>
             <a:r>
               <a:rPr lang="en" sz="1740"/>
-              <a:t>Refocus on the feature space and features rather than algorithms used.</a:t>
+              <a:t>Refocuses on the feature space and features rather than algorithms used.</a:t>
             </a:r>
             <a:endParaRPr sz="1740"/>
           </a:p>
@@ -9289,7 +9289,7 @@
             </a:pPr>
             <a:r>
               <a:rPr lang="en" sz="1740"/>
-              <a:t>Demonstrate that r</a:t>
+              <a:t>Demonstrates that r</a:t>
             </a:r>
             <a:r>
               <a:rPr lang="en" sz="1740"/>
@@ -9334,7 +9334,7 @@
             </a:pPr>
             <a:r>
               <a:rPr lang="en" sz="1740"/>
-              <a:t>Contribute to study of use of AI Fairness and ML-based decision making in Dropout Prediction and informed decision in the use of sensitive features in dropout prediction.</a:t>
+              <a:t>Contributes to study of use of AI Fairness and ML-based decision making in Dropout Prediction and informed decision in the use of sensitive features in dropout prediction.</a:t>
             </a:r>
             <a:endParaRPr sz="1740"/>
           </a:p>
@@ -9502,7 +9502,7 @@
             </a:pPr>
             <a:r>
               <a:rPr lang="en" sz="2100"/>
-              <a:t>The target of the dataset is three classe, whereas all of the studies reviewed are binary </a:t>
+              <a:t>The target of the dataset is three-class, whereas all of the studies reviewed are binary </a:t>
             </a:r>
             <a:r>
               <a:rPr lang="en" sz="2100"/>
@@ -9549,7 +9549,7 @@
             </a:r>
             <a:r>
               <a:rPr lang="en" sz="2100"/>
-              <a:t>methodology: three models, 5 subsets and three classes. A simpler approach (two subset and 2 class models) would be easier to understand and execute.</a:t>
+              <a:t>methodology: three models, 5 subsets and three classes. A simpler approach (two subset and a binary models) would be easier to understand and execute.</a:t>
             </a:r>
             <a:endParaRPr sz="2100"/>
           </a:p>
@@ -9799,7 +9799,7 @@
                 <a:cs typeface="Lato"/>
                 <a:sym typeface="Lato"/>
               </a:rPr>
-              <a:t>degrees</a:t>
+              <a:t>degree</a:t>
             </a:r>
             <a:r>
               <a:rPr lang="en" sz="1700">
@@ -9848,7 +9848,7 @@
                 <a:cs typeface="Lato"/>
                 <a:sym typeface="Lato"/>
               </a:rPr>
-              <a:t>expectancy between degree holder and non degree holders</a:t>
+              <a:t>expectancy between degree holders and non degree holders</a:t>
             </a:r>
             <a:r>
               <a:rPr lang="en" sz="1700">
@@ -10841,7 +10841,7 @@
               <a:buChar char="➔"/>
             </a:pPr>
             <a:r>
-              <a:rPr b="1" lang="en" sz="6059">
+              <a:rPr b="1" lang="en" sz="5659">
                 <a:solidFill>
                   <a:schemeClr val="lt2"/>
                 </a:solidFill>
@@ -10853,7 +10853,7 @@
               <a:t>Protected attribute </a:t>
             </a:r>
             <a:br>
-              <a:rPr lang="en" sz="6059">
+              <a:rPr lang="en" sz="5659">
                 <a:latin typeface="Raleway"/>
                 <a:ea typeface="Raleway"/>
                 <a:cs typeface="Raleway"/>
@@ -10861,7 +10861,7 @@
               </a:rPr>
             </a:br>
             <a:r>
-              <a:rPr lang="en" sz="5859">
+              <a:rPr lang="en" sz="5459">
                 <a:latin typeface="Raleway"/>
                 <a:ea typeface="Raleway"/>
                 <a:cs typeface="Raleway"/>
@@ -10870,7 +10870,7 @@
               <a:t>Binary = Male, Female, High Income / </a:t>
             </a:r>
             <a:r>
-              <a:rPr lang="en" sz="5859">
+              <a:rPr lang="en" sz="5459">
                 <a:latin typeface="Raleway"/>
                 <a:ea typeface="Raleway"/>
                 <a:cs typeface="Raleway"/>
@@ -10878,7 +10878,7 @@
               </a:rPr>
               <a:t>Low Income, etc</a:t>
             </a:r>
-            <a:endParaRPr sz="5859">
+            <a:endParaRPr sz="5459">
               <a:latin typeface="Raleway"/>
               <a:ea typeface="Raleway"/>
               <a:cs typeface="Raleway"/>
@@ -10901,7 +10901,7 @@
               <a:buChar char="➔"/>
             </a:pPr>
             <a:r>
-              <a:rPr b="1" lang="en" sz="6059">
+              <a:rPr b="1" lang="en" sz="5659">
                 <a:solidFill>
                   <a:schemeClr val="lt2"/>
                 </a:solidFill>
@@ -10913,7 +10913,7 @@
               <a:t>Privileged</a:t>
             </a:r>
             <a:r>
-              <a:rPr b="1" lang="en" sz="6059">
+              <a:rPr b="1" lang="en" sz="5659">
                 <a:solidFill>
                   <a:schemeClr val="lt2"/>
                 </a:solidFill>
@@ -10925,7 +10925,7 @@
               <a:t> Class </a:t>
             </a:r>
             <a:br>
-              <a:rPr lang="en" sz="6059">
+              <a:rPr lang="en" sz="5659">
                 <a:latin typeface="Raleway"/>
                 <a:ea typeface="Raleway"/>
                 <a:cs typeface="Raleway"/>
@@ -10933,7 +10933,7 @@
               </a:rPr>
             </a:br>
             <a:r>
-              <a:rPr lang="en" sz="5859">
+              <a:rPr lang="en" sz="5459">
                 <a:latin typeface="Raleway"/>
                 <a:ea typeface="Raleway"/>
                 <a:cs typeface="Raleway"/>
@@ -10941,7 +10941,7 @@
               </a:rPr>
               <a:t>Male vs Female</a:t>
             </a:r>
-            <a:endParaRPr sz="5859">
+            <a:endParaRPr sz="5459">
               <a:latin typeface="Raleway"/>
               <a:ea typeface="Raleway"/>
               <a:cs typeface="Raleway"/>
@@ -10964,7 +10964,7 @@
               <a:buChar char="➔"/>
             </a:pPr>
             <a:r>
-              <a:rPr b="1" lang="en" sz="6059">
+              <a:rPr b="1" lang="en" sz="5659">
                 <a:solidFill>
                   <a:schemeClr val="lt2"/>
                 </a:solidFill>
@@ -10976,7 +10976,7 @@
               <a:t>Favorite</a:t>
             </a:r>
             <a:r>
-              <a:rPr b="1" lang="en" sz="6059">
+              <a:rPr b="1" lang="en" sz="5659">
                 <a:solidFill>
                   <a:schemeClr val="lt2"/>
                 </a:solidFill>
@@ -10988,7 +10988,7 @@
               <a:t> Outcome</a:t>
             </a:r>
             <a:br>
-              <a:rPr lang="en" sz="6059">
+              <a:rPr lang="en" sz="5659">
                 <a:latin typeface="Raleway"/>
                 <a:ea typeface="Raleway"/>
                 <a:cs typeface="Raleway"/>
@@ -10996,7 +10996,7 @@
               </a:rPr>
             </a:br>
             <a:r>
-              <a:rPr lang="en" sz="5859">
+              <a:rPr lang="en" sz="5459">
                 <a:latin typeface="Raleway"/>
                 <a:ea typeface="Raleway"/>
                 <a:cs typeface="Raleway"/>
@@ -11005,7 +11005,7 @@
               <a:t>Likely to Dropout / </a:t>
             </a:r>
             <a:r>
-              <a:rPr lang="en" sz="5859">
+              <a:rPr lang="en" sz="5459">
                 <a:latin typeface="Raleway"/>
                 <a:ea typeface="Raleway"/>
                 <a:cs typeface="Raleway"/>
@@ -11014,7 +11014,7 @@
               <a:t>Graduate</a:t>
             </a:r>
             <a:r>
-              <a:rPr lang="en" sz="5859">
+              <a:rPr lang="en" sz="5459">
                 <a:latin typeface="Raleway"/>
                 <a:ea typeface="Raleway"/>
                 <a:cs typeface="Raleway"/>
@@ -11022,7 +11022,7 @@
               </a:rPr>
               <a:t> </a:t>
             </a:r>
-            <a:endParaRPr sz="5859">
+            <a:endParaRPr sz="5459">
               <a:latin typeface="Raleway"/>
               <a:ea typeface="Raleway"/>
               <a:cs typeface="Raleway"/>
@@ -11045,7 +11045,7 @@
               <a:buChar char="➔"/>
             </a:pPr>
             <a:r>
-              <a:rPr b="1" lang="en" sz="6059">
+              <a:rPr b="1" lang="en" sz="5659">
                 <a:solidFill>
                   <a:schemeClr val="lt2"/>
                 </a:solidFill>
@@ -11057,22 +11057,14 @@
               <a:t>Comparison Based on Blind and Aware Dateses</a:t>
             </a:r>
             <a:br>
-              <a:rPr lang="en" sz="4059">
+              <a:rPr lang="en" sz="3659">
                 <a:latin typeface="Raleway"/>
                 <a:ea typeface="Raleway"/>
                 <a:cs typeface="Raleway"/>
                 <a:sym typeface="Raleway"/>
               </a:rPr>
             </a:br>
-            <a:br>
-              <a:rPr lang="en" sz="3246">
-                <a:latin typeface="Raleway"/>
-                <a:ea typeface="Raleway"/>
-                <a:cs typeface="Raleway"/>
-                <a:sym typeface="Raleway"/>
-              </a:rPr>
-            </a:br>
-            <a:endParaRPr sz="3046">
+            <a:endParaRPr sz="2846">
               <a:latin typeface="Raleway"/>
               <a:ea typeface="Raleway"/>
               <a:cs typeface="Raleway"/>
@@ -11105,7 +11097,7 @@
                 <a:cs typeface="Raleway"/>
                 <a:sym typeface="Raleway"/>
               </a:rPr>
-              <a:t>considered as isolation instance, rather than part of a cluster.</a:t>
+              <a:t>considered as isolation instances, rather than part of a cluster.</a:t>
             </a:r>
             <a:endParaRPr sz="5128">
               <a:latin typeface="Raleway"/>
@@ -11131,7 +11123,7 @@
                 <a:cs typeface="Raleway"/>
                 <a:sym typeface="Raleway"/>
               </a:rPr>
-              <a:t>Up to  4 features are excluded in these two studies and both study show no significant difference in model performance.</a:t>
+              <a:t>Up to  4 features are excluded in these two studies and both show no significant difference in model performance.</a:t>
             </a:r>
             <a:endParaRPr sz="5128">
               <a:latin typeface="Raleway"/>
@@ -11969,7 +11961,7 @@
             </a:pPr>
             <a:r>
               <a:rPr lang="en" sz="2200"/>
-              <a:t>Algorithms Selection: Cross validation with TV set (Random Forest n=10, RF n=100, Support Vector Machine, SVC kernel linear, Gradient Boosting, XGB Booster)</a:t>
+              <a:t>Algorithm Selection: Cross validation with TV set (Random Forest n=10, RF n=100, Support Vector Machine, SVC kernel linear, Gradient Boosting, XGB Booster)</a:t>
             </a:r>
             <a:endParaRPr sz="2200"/>
           </a:p>

--- a/Pang_slide.pptx
+++ b/Pang_slide.pptx
@@ -2,45 +2,55 @@
 <file path=ppt/presentation.xml><?xml version="1.0" encoding="utf-8"?>
 <p:presentation xmlns:a="http://schemas.openxmlformats.org/drawingml/2006/main" xmlns:r="http://schemas.openxmlformats.org/officeDocument/2006/relationships" xmlns:mc="http://schemas.openxmlformats.org/markup-compatibility/2006" xmlns:mv="urn:schemas-microsoft-com:mac:vml" xmlns:p="http://schemas.openxmlformats.org/presentationml/2006/main" xmlns:c="http://schemas.openxmlformats.org/drawingml/2006/chart" xmlns:dgm="http://schemas.openxmlformats.org/drawingml/2006/diagram" xmlns:o="urn:schemas-microsoft-com:office:office" xmlns:v="urn:schemas-microsoft-com:vml" xmlns:pvml="urn:schemas-microsoft-com:office:powerpoint" xmlns:com="http://schemas.openxmlformats.org/drawingml/2006/compatibility" xmlns:p14="http://schemas.microsoft.com/office/powerpoint/2010/main" xmlns:p15="http://schemas.microsoft.com/office/powerpoint/2012/main" xmlns:ahyp="http://schemas.microsoft.com/office/drawing/2018/hyperlinkcolor" autoCompressPictures="0" embedTrueTypeFonts="1" strictFirstAndLastChars="0" saveSubsetFonts="1">
   <p:sldMasterIdLst>
-    <p:sldMasterId id="2147483659" r:id="rId4"/>
+    <p:sldMasterId id="2147483659" r:id="rId5"/>
   </p:sldMasterIdLst>
   <p:notesMasterIdLst>
-    <p:notesMasterId r:id="rId5"/>
+    <p:notesMasterId r:id="rId6"/>
   </p:notesMasterIdLst>
   <p:sldIdLst>
-    <p:sldId id="256" r:id="rId6"/>
-    <p:sldId id="257" r:id="rId7"/>
-    <p:sldId id="258" r:id="rId8"/>
-    <p:sldId id="259" r:id="rId9"/>
-    <p:sldId id="260" r:id="rId10"/>
-    <p:sldId id="261" r:id="rId11"/>
-    <p:sldId id="262" r:id="rId12"/>
-    <p:sldId id="263" r:id="rId13"/>
-    <p:sldId id="264" r:id="rId14"/>
-    <p:sldId id="265" r:id="rId15"/>
-    <p:sldId id="266" r:id="rId16"/>
-    <p:sldId id="267" r:id="rId17"/>
-    <p:sldId id="268" r:id="rId18"/>
-    <p:sldId id="269" r:id="rId19"/>
-    <p:sldId id="270" r:id="rId20"/>
-    <p:sldId id="271" r:id="rId21"/>
+    <p:sldId id="256" r:id="rId7"/>
+    <p:sldId id="257" r:id="rId8"/>
+    <p:sldId id="258" r:id="rId9"/>
+    <p:sldId id="259" r:id="rId10"/>
+    <p:sldId id="260" r:id="rId11"/>
+    <p:sldId id="261" r:id="rId12"/>
+    <p:sldId id="262" r:id="rId13"/>
+    <p:sldId id="263" r:id="rId14"/>
+    <p:sldId id="264" r:id="rId15"/>
+    <p:sldId id="265" r:id="rId16"/>
+    <p:sldId id="266" r:id="rId17"/>
+    <p:sldId id="267" r:id="rId18"/>
+    <p:sldId id="268" r:id="rId19"/>
+    <p:sldId id="269" r:id="rId20"/>
+    <p:sldId id="270" r:id="rId21"/>
+    <p:sldId id="271" r:id="rId22"/>
+    <p:sldId id="272" r:id="rId23"/>
+    <p:sldId id="273" r:id="rId24"/>
+    <p:sldId id="274" r:id="rId25"/>
   </p:sldIdLst>
   <p:sldSz cy="5143500" cx="9144000"/>
   <p:notesSz cx="6858000" cy="9144000"/>
   <p:embeddedFontLst>
     <p:embeddedFont>
       <p:font typeface="Raleway"/>
-      <p:regular r:id="rId22"/>
-      <p:bold r:id="rId23"/>
-      <p:italic r:id="rId24"/>
-      <p:boldItalic r:id="rId25"/>
-    </p:embeddedFont>
-    <p:embeddedFont>
-      <p:font typeface="Lato"/>
       <p:regular r:id="rId26"/>
       <p:bold r:id="rId27"/>
       <p:italic r:id="rId28"/>
       <p:boldItalic r:id="rId29"/>
+    </p:embeddedFont>
+    <p:embeddedFont>
+      <p:font typeface="Raleway SemiBold"/>
+      <p:regular r:id="rId30"/>
+      <p:bold r:id="rId31"/>
+      <p:italic r:id="rId32"/>
+      <p:boldItalic r:id="rId33"/>
+    </p:embeddedFont>
+    <p:embeddedFont>
+      <p:font typeface="Lato"/>
+      <p:regular r:id="rId34"/>
+      <p:bold r:id="rId35"/>
+      <p:italic r:id="rId36"/>
+      <p:boldItalic r:id="rId37"/>
     </p:embeddedFont>
   </p:embeddedFontLst>
   <p:defaultTextStyle>
@@ -802,6 +812,42 @@
               <a:buNone/>
             </a:pPr>
             <a:r>
+              <a:rPr lang="en"/>
+              <a:t>Good Afternoon, my name is Bryan Pang and the title of my </a:t>
+            </a:r>
+            <a:r>
+              <a:rPr lang="en"/>
+              <a:t>project is Balancing Act: Sensitive Data and Accuracy in University Dropout Prediction.</a:t>
+            </a:r>
+            <a:endParaRPr/>
+          </a:p>
+          <a:p>
+            <a:pPr indent="0" lvl="0" marL="0" rtl="0" algn="l">
+              <a:spcBef>
+                <a:spcPts val="0"/>
+              </a:spcBef>
+              <a:spcAft>
+                <a:spcPts val="0"/>
+              </a:spcAft>
+              <a:buNone/>
+            </a:pPr>
+            <a:r>
+              <a:rPr lang="en"/>
+              <a:t>WHY STUDY STUDENT DROPOUT</a:t>
+            </a:r>
+            <a:endParaRPr/>
+          </a:p>
+          <a:p>
+            <a:pPr indent="0" lvl="0" marL="0" rtl="0" algn="l">
+              <a:spcBef>
+                <a:spcPts val="0"/>
+              </a:spcBef>
+              <a:spcAft>
+                <a:spcPts val="0"/>
+              </a:spcAft>
+              <a:buNone/>
+            </a:pPr>
+            <a:r>
               <a:t/>
             </a:r>
             <a:endParaRPr/>
@@ -821,7 +867,7 @@
   <p:cSld>
     <p:spTree>
       <p:nvGrpSpPr>
-        <p:cNvPr id="128" name="Shape 128"/>
+        <p:cNvPr id="129" name="Shape 129"/>
         <p:cNvGrpSpPr/>
         <p:nvPr/>
       </p:nvGrpSpPr>
@@ -835,7 +881,7 @@
       </p:grpSpPr>
       <p:sp>
         <p:nvSpPr>
-          <p:cNvPr id="129" name="Google Shape;129;ge965474a9_3_50:notes"/>
+          <p:cNvPr id="130" name="Google Shape;130;ge965474a9_3_50:notes"/>
           <p:cNvSpPr/>
           <p:nvPr>
             <p:ph idx="2" type="sldImg"/>
@@ -870,7 +916,7 @@
       </p:sp>
       <p:sp>
         <p:nvSpPr>
-          <p:cNvPr id="130" name="Google Shape;130;ge965474a9_3_50:notes"/>
+          <p:cNvPr id="131" name="Google Shape;131;ge965474a9_3_50:notes"/>
           <p:cNvSpPr txBox="1"/>
           <p:nvPr>
             <p:ph idx="1" type="body"/>
@@ -898,12 +944,238 @@
               <a:spcAft>
                 <a:spcPts val="0"/>
               </a:spcAft>
+              <a:buClr>
+                <a:schemeClr val="dk1"/>
+              </a:buClr>
+              <a:buSzPts val="1100"/>
+              <a:buFont typeface="Arial"/>
+              <a:buNone/>
+            </a:pPr>
+            <a:r>
+              <a:rPr lang="en">
+                <a:solidFill>
+                  <a:schemeClr val="dk1"/>
+                </a:solidFill>
+              </a:rPr>
+              <a:t>(2 Random Forest, Support Vector Machine, SVC Kernel, Gradien bososting and XGBoost)</a:t>
+            </a:r>
+            <a:endParaRPr>
+              <a:solidFill>
+                <a:schemeClr val="dk1"/>
+              </a:solidFill>
+            </a:endParaRPr>
+          </a:p>
+          <a:p>
+            <a:pPr indent="0" lvl="0" marL="0" rtl="0" algn="l">
+              <a:spcBef>
+                <a:spcPts val="0"/>
+              </a:spcBef>
+              <a:spcAft>
+                <a:spcPts val="0"/>
+              </a:spcAft>
+              <a:buClr>
+                <a:schemeClr val="dk1"/>
+              </a:buClr>
+              <a:buSzPts val="1100"/>
+              <a:buFont typeface="Arial"/>
               <a:buNone/>
             </a:pPr>
             <a:r>
               <a:t/>
             </a:r>
-            <a:endParaRPr/>
+            <a:endParaRPr>
+              <a:solidFill>
+                <a:schemeClr val="dk1"/>
+              </a:solidFill>
+            </a:endParaRPr>
+          </a:p>
+          <a:p>
+            <a:pPr indent="0" lvl="0" marL="0" rtl="0" algn="l">
+              <a:spcBef>
+                <a:spcPts val="0"/>
+              </a:spcBef>
+              <a:spcAft>
+                <a:spcPts val="0"/>
+              </a:spcAft>
+              <a:buClr>
+                <a:schemeClr val="dk1"/>
+              </a:buClr>
+              <a:buSzPts val="1100"/>
+              <a:buFont typeface="Arial"/>
+              <a:buNone/>
+            </a:pPr>
+            <a:r>
+              <a:rPr lang="en">
+                <a:solidFill>
+                  <a:schemeClr val="dk1"/>
+                </a:solidFill>
+              </a:rPr>
+              <a:t>Dataset is split into train validation set and test set (80% and 20%)</a:t>
+            </a:r>
+            <a:endParaRPr>
+              <a:solidFill>
+                <a:schemeClr val="dk1"/>
+              </a:solidFill>
+            </a:endParaRPr>
+          </a:p>
+          <a:p>
+            <a:pPr indent="0" lvl="0" marL="0" rtl="0" algn="l">
+              <a:spcBef>
+                <a:spcPts val="0"/>
+              </a:spcBef>
+              <a:spcAft>
+                <a:spcPts val="0"/>
+              </a:spcAft>
+              <a:buClr>
+                <a:schemeClr val="dk1"/>
+              </a:buClr>
+              <a:buSzPts val="1100"/>
+              <a:buFont typeface="Arial"/>
+              <a:buNone/>
+            </a:pPr>
+            <a:r>
+              <a:t/>
+            </a:r>
+            <a:endParaRPr>
+              <a:solidFill>
+                <a:schemeClr val="dk1"/>
+              </a:solidFill>
+            </a:endParaRPr>
+          </a:p>
+          <a:p>
+            <a:pPr indent="0" lvl="0" marL="0" rtl="0" algn="l">
+              <a:spcBef>
+                <a:spcPts val="0"/>
+              </a:spcBef>
+              <a:spcAft>
+                <a:spcPts val="0"/>
+              </a:spcAft>
+              <a:buClr>
+                <a:schemeClr val="dk1"/>
+              </a:buClr>
+              <a:buSzPts val="1100"/>
+              <a:buFont typeface="Arial"/>
+              <a:buNone/>
+            </a:pPr>
+            <a:r>
+              <a:rPr lang="en">
+                <a:solidFill>
+                  <a:schemeClr val="dk1"/>
+                </a:solidFill>
+              </a:rPr>
+              <a:t>6 potential model are consider uisg CV with the trainist set. </a:t>
+            </a:r>
+            <a:endParaRPr>
+              <a:solidFill>
+                <a:schemeClr val="dk1"/>
+              </a:solidFill>
+            </a:endParaRPr>
+          </a:p>
+          <a:p>
+            <a:pPr indent="0" lvl="0" marL="0" rtl="0" algn="l">
+              <a:spcBef>
+                <a:spcPts val="0"/>
+              </a:spcBef>
+              <a:spcAft>
+                <a:spcPts val="0"/>
+              </a:spcAft>
+              <a:buClr>
+                <a:schemeClr val="dk1"/>
+              </a:buClr>
+              <a:buSzPts val="1100"/>
+              <a:buFont typeface="Arial"/>
+              <a:buNone/>
+            </a:pPr>
+            <a:r>
+              <a:rPr lang="en">
+                <a:solidFill>
+                  <a:schemeClr val="dk1"/>
+                </a:solidFill>
+              </a:rPr>
+              <a:t>2 random forest, Support Vector Machine, SVC Kernel, Gradien Boosting and XGBoost.</a:t>
+            </a:r>
+            <a:endParaRPr>
+              <a:solidFill>
+                <a:schemeClr val="dk1"/>
+              </a:solidFill>
+            </a:endParaRPr>
+          </a:p>
+          <a:p>
+            <a:pPr indent="0" lvl="0" marL="0" rtl="0" algn="l">
+              <a:spcBef>
+                <a:spcPts val="0"/>
+              </a:spcBef>
+              <a:spcAft>
+                <a:spcPts val="0"/>
+              </a:spcAft>
+              <a:buClr>
+                <a:schemeClr val="dk1"/>
+              </a:buClr>
+              <a:buSzPts val="1100"/>
+              <a:buFont typeface="Arial"/>
+              <a:buNone/>
+            </a:pPr>
+            <a:r>
+              <a:t/>
+            </a:r>
+            <a:endParaRPr>
+              <a:solidFill>
+                <a:schemeClr val="dk1"/>
+              </a:solidFill>
+            </a:endParaRPr>
+          </a:p>
+          <a:p>
+            <a:pPr indent="0" lvl="0" marL="0" rtl="0" algn="l">
+              <a:spcBef>
+                <a:spcPts val="0"/>
+              </a:spcBef>
+              <a:spcAft>
+                <a:spcPts val="0"/>
+              </a:spcAft>
+              <a:buNone/>
+            </a:pPr>
+            <a:r>
+              <a:rPr lang="en">
+                <a:solidFill>
+                  <a:schemeClr val="dk1"/>
+                </a:solidFill>
+              </a:rPr>
+              <a:t>The 3 model with the highest F1 and accuracy are selected.</a:t>
+            </a:r>
+            <a:endParaRPr>
+              <a:solidFill>
+                <a:schemeClr val="dk1"/>
+              </a:solidFill>
+            </a:endParaRPr>
+          </a:p>
+          <a:p>
+            <a:pPr indent="0" lvl="0" marL="0" rtl="0" algn="l">
+              <a:spcBef>
+                <a:spcPts val="0"/>
+              </a:spcBef>
+              <a:spcAft>
+                <a:spcPts val="0"/>
+              </a:spcAft>
+              <a:buClr>
+                <a:schemeClr val="dk1"/>
+              </a:buClr>
+              <a:buSzPts val="1100"/>
+              <a:buFont typeface="Arial"/>
+              <a:buNone/>
+            </a:pPr>
+            <a:r>
+              <a:rPr lang="en">
+                <a:solidFill>
+                  <a:schemeClr val="dk1"/>
+                </a:solidFill>
+              </a:rPr>
+              <a:t>And they are Random Forest, Gradient Boosting and XGBoost Classier. </a:t>
+            </a:r>
+            <a:endParaRPr>
+              <a:solidFill>
+                <a:schemeClr val="dk1"/>
+              </a:solidFill>
+            </a:endParaRPr>
           </a:p>
         </p:txBody>
       </p:sp>
@@ -920,7 +1192,7 @@
   <p:cSld>
     <p:spTree>
       <p:nvGrpSpPr>
-        <p:cNvPr id="134" name="Shape 134"/>
+        <p:cNvPr id="135" name="Shape 135"/>
         <p:cNvGrpSpPr/>
         <p:nvPr/>
       </p:nvGrpSpPr>
@@ -934,7 +1206,7 @@
       </p:grpSpPr>
       <p:sp>
         <p:nvSpPr>
-          <p:cNvPr id="135" name="Google Shape;135;g2a231410b00_0_349:notes"/>
+          <p:cNvPr id="136" name="Google Shape;136;g26319c15bad_0_5:notes"/>
           <p:cNvSpPr/>
           <p:nvPr>
             <p:ph idx="2" type="sldImg"/>
@@ -969,7 +1241,7 @@
       </p:sp>
       <p:sp>
         <p:nvSpPr>
-          <p:cNvPr id="136" name="Google Shape;136;g2a231410b00_0_349:notes"/>
+          <p:cNvPr id="137" name="Google Shape;137;g26319c15bad_0_5:notes"/>
           <p:cNvSpPr txBox="1"/>
           <p:nvPr>
             <p:ph idx="1" type="body"/>
@@ -1000,6 +1272,151 @@
               <a:buNone/>
             </a:pPr>
             <a:r>
+              <a:rPr lang="en"/>
+              <a:t>Here are the accuray of of training set and test set with these three model.</a:t>
+            </a:r>
+            <a:endParaRPr/>
+          </a:p>
+          <a:p>
+            <a:pPr indent="0" lvl="0" marL="0" rtl="0" algn="l">
+              <a:spcBef>
+                <a:spcPts val="0"/>
+              </a:spcBef>
+              <a:spcAft>
+                <a:spcPts val="0"/>
+              </a:spcAft>
+              <a:buNone/>
+            </a:pPr>
+            <a:r>
+              <a:rPr lang="en"/>
+              <a:t>As you can see, they are very </a:t>
+            </a:r>
+            <a:r>
+              <a:rPr lang="en"/>
+              <a:t>similar so I will use the test set data  to explain our finding.</a:t>
+            </a:r>
+            <a:endParaRPr/>
+          </a:p>
+          <a:p>
+            <a:pPr indent="0" lvl="0" marL="0" rtl="0" algn="l">
+              <a:spcBef>
+                <a:spcPts val="0"/>
+              </a:spcBef>
+              <a:spcAft>
+                <a:spcPts val="0"/>
+              </a:spcAft>
+              <a:buNone/>
+            </a:pPr>
+            <a:r>
+              <a:t/>
+            </a:r>
+            <a:endParaRPr/>
+          </a:p>
+          <a:p>
+            <a:pPr indent="0" lvl="0" marL="0" rtl="0" algn="l">
+              <a:spcBef>
+                <a:spcPts val="0"/>
+              </a:spcBef>
+              <a:spcAft>
+                <a:spcPts val="0"/>
+              </a:spcAft>
+              <a:buNone/>
+            </a:pPr>
+            <a:r>
+              <a:t/>
+            </a:r>
+            <a:endParaRPr/>
+          </a:p>
+          <a:p>
+            <a:pPr indent="0" lvl="0" marL="0" rtl="0" algn="l">
+              <a:spcBef>
+                <a:spcPts val="0"/>
+              </a:spcBef>
+              <a:spcAft>
+                <a:spcPts val="0"/>
+              </a:spcAft>
+              <a:buNone/>
+            </a:pPr>
+            <a:r>
+              <a:rPr lang="en"/>
+              <a:t>Which is on righ hand side and I will ues the XGBoost model. </a:t>
+            </a:r>
+            <a:endParaRPr/>
+          </a:p>
+          <a:p>
+            <a:pPr indent="0" lvl="0" marL="0" rtl="0" algn="l">
+              <a:spcBef>
+                <a:spcPts val="0"/>
+              </a:spcBef>
+              <a:spcAft>
+                <a:spcPts val="0"/>
+              </a:spcAft>
+              <a:buNone/>
+            </a:pPr>
+            <a:r>
+              <a:t/>
+            </a:r>
+            <a:endParaRPr/>
+          </a:p>
+          <a:p>
+            <a:pPr indent="0" lvl="0" marL="0" rtl="0" algn="l">
+              <a:spcBef>
+                <a:spcPts val="0"/>
+              </a:spcBef>
+              <a:spcAft>
+                <a:spcPts val="0"/>
+              </a:spcAft>
+              <a:buNone/>
+            </a:pPr>
+            <a:r>
+              <a:rPr lang="en"/>
+              <a:t>Our baseline with academic and macroeconmi data, perform really well with 75 accuracy. (s1)</a:t>
+            </a:r>
+            <a:endParaRPr/>
+          </a:p>
+          <a:p>
+            <a:pPr indent="0" lvl="0" marL="0" rtl="0" algn="l">
+              <a:spcBef>
+                <a:spcPts val="0"/>
+              </a:spcBef>
+              <a:spcAft>
+                <a:spcPts val="0"/>
+              </a:spcAft>
+              <a:buNone/>
+            </a:pPr>
+            <a:r>
+              <a:rPr lang="en"/>
+              <a:t>Adding demographic data on the baseline,  (s2) dosn’t change the accuracy.</a:t>
+            </a:r>
+            <a:endParaRPr/>
+          </a:p>
+          <a:p>
+            <a:pPr indent="0" lvl="0" marL="0" rtl="0" algn="l">
+              <a:spcBef>
+                <a:spcPts val="0"/>
+              </a:spcBef>
+              <a:spcAft>
+                <a:spcPts val="0"/>
+              </a:spcAft>
+              <a:buNone/>
+            </a:pPr>
+            <a:r>
+              <a:rPr lang="en"/>
+              <a:t>S3, base</a:t>
+            </a:r>
+            <a:endParaRPr/>
+          </a:p>
+          <a:p>
+            <a:pPr indent="0" lvl="0" marL="0" rtl="0" algn="l">
+              <a:spcBef>
+                <a:spcPts val="0"/>
+              </a:spcBef>
+              <a:spcAft>
+                <a:spcPts val="0"/>
+              </a:spcAft>
+              <a:buNone/>
+            </a:pPr>
+            <a:r>
               <a:t/>
             </a:r>
             <a:endParaRPr/>
@@ -1019,7 +1436,7 @@
   <p:cSld>
     <p:spTree>
       <p:nvGrpSpPr>
-        <p:cNvPr id="140" name="Shape 140"/>
+        <p:cNvPr id="142" name="Shape 142"/>
         <p:cNvGrpSpPr/>
         <p:nvPr/>
       </p:nvGrpSpPr>
@@ -1033,7 +1450,7 @@
       </p:grpSpPr>
       <p:sp>
         <p:nvSpPr>
-          <p:cNvPr id="141" name="Google Shape;141;g2a231410b00_0_361:notes"/>
+          <p:cNvPr id="143" name="Google Shape;143;g26319c15bad_0_0:notes"/>
           <p:cNvSpPr/>
           <p:nvPr>
             <p:ph idx="2" type="sldImg"/>
@@ -1068,7 +1485,7 @@
       </p:sp>
       <p:sp>
         <p:nvSpPr>
-          <p:cNvPr id="142" name="Google Shape;142;g2a231410b00_0_361:notes"/>
+          <p:cNvPr id="144" name="Google Shape;144;g26319c15bad_0_0:notes"/>
           <p:cNvSpPr txBox="1"/>
           <p:nvPr>
             <p:ph idx="1" type="body"/>
@@ -1096,6 +1513,453 @@
               <a:spcAft>
                 <a:spcPts val="0"/>
               </a:spcAft>
+              <a:buClr>
+                <a:schemeClr val="dk1"/>
+              </a:buClr>
+              <a:buSzPts val="1100"/>
+              <a:buFont typeface="Arial"/>
+              <a:buNone/>
+            </a:pPr>
+            <a:r>
+              <a:rPr lang="en">
+                <a:solidFill>
+                  <a:schemeClr val="dk1"/>
+                </a:solidFill>
+              </a:rPr>
+              <a:t>Results:</a:t>
+            </a:r>
+            <a:endParaRPr>
+              <a:solidFill>
+                <a:schemeClr val="dk1"/>
+              </a:solidFill>
+            </a:endParaRPr>
+          </a:p>
+          <a:p>
+            <a:pPr indent="0" lvl="0" marL="0" rtl="0" algn="l">
+              <a:spcBef>
+                <a:spcPts val="0"/>
+              </a:spcBef>
+              <a:spcAft>
+                <a:spcPts val="0"/>
+              </a:spcAft>
+              <a:buClr>
+                <a:schemeClr val="dk1"/>
+              </a:buClr>
+              <a:buSzPts val="1100"/>
+              <a:buFont typeface="Arial"/>
+              <a:buNone/>
+            </a:pPr>
+            <a:r>
+              <a:t/>
+            </a:r>
+            <a:endParaRPr>
+              <a:solidFill>
+                <a:schemeClr val="dk1"/>
+              </a:solidFill>
+            </a:endParaRPr>
+          </a:p>
+          <a:p>
+            <a:pPr indent="0" lvl="0" marL="0" rtl="0" algn="l">
+              <a:spcBef>
+                <a:spcPts val="0"/>
+              </a:spcBef>
+              <a:spcAft>
+                <a:spcPts val="0"/>
+              </a:spcAft>
+              <a:buClr>
+                <a:schemeClr val="dk1"/>
+              </a:buClr>
+              <a:buSzPts val="1100"/>
+              <a:buFont typeface="Arial"/>
+              <a:buNone/>
+            </a:pPr>
+            <a:r>
+              <a:rPr lang="en">
+                <a:solidFill>
+                  <a:schemeClr val="dk1"/>
+                </a:solidFill>
+              </a:rPr>
+              <a:t>Model trained using Academic and Macroeconomic data (s1) performs well at 74.71 % accuracy. </a:t>
+            </a:r>
+            <a:endParaRPr>
+              <a:solidFill>
+                <a:schemeClr val="dk1"/>
+              </a:solidFill>
+            </a:endParaRPr>
+          </a:p>
+          <a:p>
+            <a:pPr indent="0" lvl="0" marL="0" rtl="0" algn="l">
+              <a:spcBef>
+                <a:spcPts val="0"/>
+              </a:spcBef>
+              <a:spcAft>
+                <a:spcPts val="0"/>
+              </a:spcAft>
+              <a:buClr>
+                <a:schemeClr val="dk1"/>
+              </a:buClr>
+              <a:buSzPts val="1100"/>
+              <a:buFont typeface="Arial"/>
+              <a:buNone/>
+            </a:pPr>
+            <a:r>
+              <a:t/>
+            </a:r>
+            <a:endParaRPr>
+              <a:solidFill>
+                <a:schemeClr val="dk1"/>
+              </a:solidFill>
+            </a:endParaRPr>
+          </a:p>
+          <a:p>
+            <a:pPr indent="0" lvl="0" marL="0" rtl="0" algn="l">
+              <a:spcBef>
+                <a:spcPts val="0"/>
+              </a:spcBef>
+              <a:spcAft>
+                <a:spcPts val="0"/>
+              </a:spcAft>
+              <a:buClr>
+                <a:schemeClr val="dk1"/>
+              </a:buClr>
+              <a:buSzPts val="1100"/>
+              <a:buFont typeface="Arial"/>
+              <a:buNone/>
+            </a:pPr>
+            <a:r>
+              <a:rPr lang="en">
+                <a:solidFill>
+                  <a:schemeClr val="dk1"/>
+                </a:solidFill>
+              </a:rPr>
+              <a:t>Model with additional Demographic data (s2) shows slight improvement at 75.40% accuracy  (0.69 % )</a:t>
+            </a:r>
+            <a:endParaRPr>
+              <a:solidFill>
+                <a:schemeClr val="dk1"/>
+              </a:solidFill>
+            </a:endParaRPr>
+          </a:p>
+          <a:p>
+            <a:pPr indent="0" lvl="0" marL="0" rtl="0" algn="l">
+              <a:spcBef>
+                <a:spcPts val="0"/>
+              </a:spcBef>
+              <a:spcAft>
+                <a:spcPts val="0"/>
+              </a:spcAft>
+              <a:buClr>
+                <a:schemeClr val="dk1"/>
+              </a:buClr>
+              <a:buSzPts val="1100"/>
+              <a:buFont typeface="Arial"/>
+              <a:buNone/>
+            </a:pPr>
+            <a:r>
+              <a:t/>
+            </a:r>
+            <a:endParaRPr>
+              <a:solidFill>
+                <a:schemeClr val="dk1"/>
+              </a:solidFill>
+            </a:endParaRPr>
+          </a:p>
+          <a:p>
+            <a:pPr indent="0" lvl="0" marL="0" rtl="0" algn="l">
+              <a:spcBef>
+                <a:spcPts val="0"/>
+              </a:spcBef>
+              <a:spcAft>
+                <a:spcPts val="0"/>
+              </a:spcAft>
+              <a:buClr>
+                <a:schemeClr val="dk1"/>
+              </a:buClr>
+              <a:buSzPts val="1100"/>
+              <a:buFont typeface="Arial"/>
+              <a:buNone/>
+            </a:pPr>
+            <a:r>
+              <a:rPr lang="en">
+                <a:solidFill>
+                  <a:schemeClr val="dk1"/>
+                </a:solidFill>
+              </a:rPr>
+              <a:t>Model with baseline and additional socioeconomic data (s3) shows (2.65% increase) at 77.36% accuracy.</a:t>
+            </a:r>
+            <a:endParaRPr>
+              <a:solidFill>
+                <a:schemeClr val="dk1"/>
+              </a:solidFill>
+            </a:endParaRPr>
+          </a:p>
+          <a:p>
+            <a:pPr indent="0" lvl="0" marL="0" rtl="0" algn="l">
+              <a:spcBef>
+                <a:spcPts val="0"/>
+              </a:spcBef>
+              <a:spcAft>
+                <a:spcPts val="0"/>
+              </a:spcAft>
+              <a:buClr>
+                <a:schemeClr val="dk1"/>
+              </a:buClr>
+              <a:buSzPts val="1100"/>
+              <a:buFont typeface="Arial"/>
+              <a:buNone/>
+            </a:pPr>
+            <a:r>
+              <a:t/>
+            </a:r>
+            <a:endParaRPr>
+              <a:solidFill>
+                <a:schemeClr val="dk1"/>
+              </a:solidFill>
+            </a:endParaRPr>
+          </a:p>
+          <a:p>
+            <a:pPr indent="0" lvl="0" marL="0" rtl="0" algn="l">
+              <a:spcBef>
+                <a:spcPts val="0"/>
+              </a:spcBef>
+              <a:spcAft>
+                <a:spcPts val="0"/>
+              </a:spcAft>
+              <a:buClr>
+                <a:schemeClr val="dk1"/>
+              </a:buClr>
+              <a:buSzPts val="1100"/>
+              <a:buFont typeface="Arial"/>
+              <a:buNone/>
+            </a:pPr>
+            <a:r>
+              <a:rPr lang="en">
+                <a:solidFill>
+                  <a:schemeClr val="dk1"/>
+                </a:solidFill>
+              </a:rPr>
+              <a:t>Model with all the data (s4) performs the best, with 79.89% accuracy (5.1% increase)</a:t>
+            </a:r>
+            <a:endParaRPr>
+              <a:solidFill>
+                <a:schemeClr val="dk1"/>
+              </a:solidFill>
+            </a:endParaRPr>
+          </a:p>
+          <a:p>
+            <a:pPr indent="0" lvl="0" marL="0" rtl="0" algn="l">
+              <a:spcBef>
+                <a:spcPts val="0"/>
+              </a:spcBef>
+              <a:spcAft>
+                <a:spcPts val="0"/>
+              </a:spcAft>
+              <a:buClr>
+                <a:schemeClr val="dk1"/>
+              </a:buClr>
+              <a:buSzPts val="1100"/>
+              <a:buFont typeface="Arial"/>
+              <a:buNone/>
+            </a:pPr>
+            <a:r>
+              <a:t/>
+            </a:r>
+            <a:endParaRPr>
+              <a:solidFill>
+                <a:schemeClr val="dk1"/>
+              </a:solidFill>
+            </a:endParaRPr>
+          </a:p>
+          <a:p>
+            <a:pPr indent="0" lvl="0" marL="0" rtl="0" algn="l">
+              <a:spcBef>
+                <a:spcPts val="0"/>
+              </a:spcBef>
+              <a:spcAft>
+                <a:spcPts val="0"/>
+              </a:spcAft>
+              <a:buNone/>
+            </a:pPr>
+            <a:r>
+              <a:rPr lang="en">
+                <a:solidFill>
+                  <a:schemeClr val="dk1"/>
+                </a:solidFill>
+              </a:rPr>
+              <a:t>Model with just demographic and socioeconomic data shows the worst performance 57.24% accuracy ( decrease in  17.47%)</a:t>
+            </a:r>
+            <a:endParaRPr>
+              <a:solidFill>
+                <a:schemeClr val="dk1"/>
+              </a:solidFill>
+            </a:endParaRPr>
+          </a:p>
+          <a:p>
+            <a:pPr indent="0" lvl="0" marL="0" rtl="0" algn="l">
+              <a:spcBef>
+                <a:spcPts val="0"/>
+              </a:spcBef>
+              <a:spcAft>
+                <a:spcPts val="0"/>
+              </a:spcAft>
+              <a:buNone/>
+            </a:pPr>
+            <a:r>
+              <a:rPr lang="en">
+                <a:solidFill>
+                  <a:schemeClr val="dk1"/>
+                </a:solidFill>
+              </a:rPr>
+              <a:t>Precision and Recall and Classes</a:t>
+            </a:r>
+            <a:endParaRPr>
+              <a:solidFill>
+                <a:schemeClr val="dk1"/>
+              </a:solidFill>
+            </a:endParaRPr>
+          </a:p>
+          <a:p>
+            <a:pPr indent="0" lvl="0" marL="0" rtl="0" algn="l">
+              <a:spcBef>
+                <a:spcPts val="0"/>
+              </a:spcBef>
+              <a:spcAft>
+                <a:spcPts val="0"/>
+              </a:spcAft>
+              <a:buNone/>
+            </a:pPr>
+            <a:r>
+              <a:t/>
+            </a:r>
+            <a:endParaRPr>
+              <a:solidFill>
+                <a:schemeClr val="dk1"/>
+              </a:solidFill>
+            </a:endParaRPr>
+          </a:p>
+          <a:p>
+            <a:pPr indent="0" lvl="0" marL="0" rtl="0" algn="l">
+              <a:spcBef>
+                <a:spcPts val="0"/>
+              </a:spcBef>
+              <a:spcAft>
+                <a:spcPts val="0"/>
+              </a:spcAft>
+              <a:buNone/>
+            </a:pPr>
+            <a:r>
+              <a:rPr lang="en">
+                <a:solidFill>
+                  <a:schemeClr val="dk1"/>
+                </a:solidFill>
+              </a:rPr>
+              <a:t>Graduate: 80% Precision and 90% in Recall throughout s1-s4</a:t>
+            </a:r>
+            <a:endParaRPr>
+              <a:solidFill>
+                <a:schemeClr val="dk1"/>
+              </a:solidFill>
+            </a:endParaRPr>
+          </a:p>
+          <a:p>
+            <a:pPr indent="0" lvl="0" marL="0" rtl="0" algn="l">
+              <a:spcBef>
+                <a:spcPts val="0"/>
+              </a:spcBef>
+              <a:spcAft>
+                <a:spcPts val="0"/>
+              </a:spcAft>
+              <a:buNone/>
+            </a:pPr>
+            <a:r>
+              <a:rPr lang="en">
+                <a:solidFill>
+                  <a:schemeClr val="dk1"/>
+                </a:solidFill>
+              </a:rPr>
+              <a:t>Dropout: 70-80% both Precision and Recall s1-s4</a:t>
+            </a:r>
+            <a:endParaRPr>
+              <a:solidFill>
+                <a:schemeClr val="dk1"/>
+              </a:solidFill>
+            </a:endParaRPr>
+          </a:p>
+          <a:p>
+            <a:pPr indent="0" lvl="0" marL="0" rtl="0" algn="l">
+              <a:spcBef>
+                <a:spcPts val="0"/>
+              </a:spcBef>
+              <a:spcAft>
+                <a:spcPts val="0"/>
+              </a:spcAft>
+              <a:buNone/>
+            </a:pPr>
+            <a:r>
+              <a:rPr lang="en">
+                <a:solidFill>
+                  <a:schemeClr val="dk1"/>
+                </a:solidFill>
+              </a:rPr>
+              <a:t>Enrolled: 50-65 % Precision, 32-45% in Recall s1-s4</a:t>
+            </a:r>
+            <a:endParaRPr>
+              <a:solidFill>
+                <a:schemeClr val="dk1"/>
+              </a:solidFill>
+            </a:endParaRPr>
+          </a:p>
+          <a:p>
+            <a:pPr indent="0" lvl="0" marL="0" rtl="0" algn="l">
+              <a:spcBef>
+                <a:spcPts val="0"/>
+              </a:spcBef>
+              <a:spcAft>
+                <a:spcPts val="0"/>
+              </a:spcAft>
+              <a:buNone/>
+            </a:pPr>
+            <a:r>
+              <a:t/>
+            </a:r>
+            <a:endParaRPr>
+              <a:solidFill>
+                <a:schemeClr val="dk1"/>
+              </a:solidFill>
+            </a:endParaRPr>
+          </a:p>
+          <a:p>
+            <a:pPr indent="0" lvl="0" marL="0" rtl="0" algn="l">
+              <a:spcBef>
+                <a:spcPts val="0"/>
+              </a:spcBef>
+              <a:spcAft>
+                <a:spcPts val="0"/>
+              </a:spcAft>
+              <a:buClr>
+                <a:schemeClr val="dk1"/>
+              </a:buClr>
+              <a:buSzPts val="1100"/>
+              <a:buFont typeface="Arial"/>
+              <a:buNone/>
+            </a:pPr>
+            <a:r>
+              <a:t/>
+            </a:r>
+            <a:endParaRPr>
+              <a:solidFill>
+                <a:schemeClr val="dk1"/>
+              </a:solidFill>
+            </a:endParaRPr>
+          </a:p>
+          <a:p>
+            <a:pPr indent="0" lvl="0" marL="0" rtl="0" algn="l">
+              <a:spcBef>
+                <a:spcPts val="0"/>
+              </a:spcBef>
+              <a:spcAft>
+                <a:spcPts val="0"/>
+              </a:spcAft>
               <a:buNone/>
             </a:pPr>
             <a:r>
@@ -1118,7 +1982,7 @@
   <p:cSld>
     <p:spTree>
       <p:nvGrpSpPr>
-        <p:cNvPr id="145" name="Shape 145"/>
+        <p:cNvPr id="147" name="Shape 147"/>
         <p:cNvGrpSpPr/>
         <p:nvPr/>
       </p:nvGrpSpPr>
@@ -1132,7 +1996,7 @@
       </p:grpSpPr>
       <p:sp>
         <p:nvSpPr>
-          <p:cNvPr id="146" name="Google Shape;146;g2a24d605c91_0_0:notes"/>
+          <p:cNvPr id="148" name="Google Shape;148;g2a231410b00_0_361:notes"/>
           <p:cNvSpPr/>
           <p:nvPr>
             <p:ph idx="2" type="sldImg"/>
@@ -1167,7 +2031,7 @@
       </p:sp>
       <p:sp>
         <p:nvSpPr>
-          <p:cNvPr id="147" name="Google Shape;147;g2a24d605c91_0_0:notes"/>
+          <p:cNvPr id="149" name="Google Shape;149;g2a231410b00_0_361:notes"/>
           <p:cNvSpPr txBox="1"/>
           <p:nvPr>
             <p:ph idx="1" type="body"/>
@@ -1198,6 +2062,177 @@
               <a:buNone/>
             </a:pPr>
             <a:r>
+              <a:rPr lang="en"/>
+              <a:t>Results:</a:t>
+            </a:r>
+            <a:endParaRPr/>
+          </a:p>
+          <a:p>
+            <a:pPr indent="0" lvl="0" marL="0" rtl="0" algn="l">
+              <a:spcBef>
+                <a:spcPts val="0"/>
+              </a:spcBef>
+              <a:spcAft>
+                <a:spcPts val="0"/>
+              </a:spcAft>
+              <a:buNone/>
+            </a:pPr>
+            <a:r>
+              <a:t/>
+            </a:r>
+            <a:endParaRPr/>
+          </a:p>
+          <a:p>
+            <a:pPr indent="0" lvl="0" marL="0" rtl="0" algn="l">
+              <a:spcBef>
+                <a:spcPts val="0"/>
+              </a:spcBef>
+              <a:spcAft>
+                <a:spcPts val="0"/>
+              </a:spcAft>
+              <a:buNone/>
+            </a:pPr>
+            <a:r>
+              <a:rPr lang="en"/>
+              <a:t>Model trained using Academic and Macroeconomic data (s1) performs well at 74.71 % accuracy. </a:t>
+            </a:r>
+            <a:endParaRPr/>
+          </a:p>
+          <a:p>
+            <a:pPr indent="0" lvl="0" marL="0" rtl="0" algn="l">
+              <a:spcBef>
+                <a:spcPts val="0"/>
+              </a:spcBef>
+              <a:spcAft>
+                <a:spcPts val="0"/>
+              </a:spcAft>
+              <a:buNone/>
+            </a:pPr>
+            <a:r>
+              <a:t/>
+            </a:r>
+            <a:endParaRPr/>
+          </a:p>
+          <a:p>
+            <a:pPr indent="0" lvl="0" marL="0" rtl="0" algn="l">
+              <a:spcBef>
+                <a:spcPts val="0"/>
+              </a:spcBef>
+              <a:spcAft>
+                <a:spcPts val="0"/>
+              </a:spcAft>
+              <a:buNone/>
+            </a:pPr>
+            <a:r>
+              <a:rPr lang="en"/>
+              <a:t>Model with additional Demographic data (s2) shows slight improvement at 75.40% accuracy  (0.69 % )</a:t>
+            </a:r>
+            <a:endParaRPr/>
+          </a:p>
+          <a:p>
+            <a:pPr indent="0" lvl="0" marL="0" rtl="0" algn="l">
+              <a:spcBef>
+                <a:spcPts val="0"/>
+              </a:spcBef>
+              <a:spcAft>
+                <a:spcPts val="0"/>
+              </a:spcAft>
+              <a:buNone/>
+            </a:pPr>
+            <a:r>
+              <a:t/>
+            </a:r>
+            <a:endParaRPr/>
+          </a:p>
+          <a:p>
+            <a:pPr indent="0" lvl="0" marL="0" rtl="0" algn="l">
+              <a:spcBef>
+                <a:spcPts val="0"/>
+              </a:spcBef>
+              <a:spcAft>
+                <a:spcPts val="0"/>
+              </a:spcAft>
+              <a:buNone/>
+            </a:pPr>
+            <a:r>
+              <a:rPr lang="en"/>
+              <a:t>Model with baseline and additional socioeconomic data (s3) shows (2.65% increase) at 77.36% accuracy.</a:t>
+            </a:r>
+            <a:endParaRPr/>
+          </a:p>
+          <a:p>
+            <a:pPr indent="0" lvl="0" marL="0" rtl="0" algn="l">
+              <a:spcBef>
+                <a:spcPts val="0"/>
+              </a:spcBef>
+              <a:spcAft>
+                <a:spcPts val="0"/>
+              </a:spcAft>
+              <a:buNone/>
+            </a:pPr>
+            <a:r>
+              <a:t/>
+            </a:r>
+            <a:endParaRPr/>
+          </a:p>
+          <a:p>
+            <a:pPr indent="0" lvl="0" marL="0" rtl="0" algn="l">
+              <a:spcBef>
+                <a:spcPts val="0"/>
+              </a:spcBef>
+              <a:spcAft>
+                <a:spcPts val="0"/>
+              </a:spcAft>
+              <a:buNone/>
+            </a:pPr>
+            <a:r>
+              <a:rPr lang="en"/>
+              <a:t>Model with all the data (s4) performs the best, with 79.89% accuracy (5.1% increase)</a:t>
+            </a:r>
+            <a:endParaRPr/>
+          </a:p>
+          <a:p>
+            <a:pPr indent="0" lvl="0" marL="0" rtl="0" algn="l">
+              <a:spcBef>
+                <a:spcPts val="0"/>
+              </a:spcBef>
+              <a:spcAft>
+                <a:spcPts val="0"/>
+              </a:spcAft>
+              <a:buNone/>
+            </a:pPr>
+            <a:r>
+              <a:t/>
+            </a:r>
+            <a:endParaRPr/>
+          </a:p>
+          <a:p>
+            <a:pPr indent="0" lvl="0" marL="0" rtl="0" algn="l">
+              <a:spcBef>
+                <a:spcPts val="0"/>
+              </a:spcBef>
+              <a:spcAft>
+                <a:spcPts val="0"/>
+              </a:spcAft>
+              <a:buNone/>
+            </a:pPr>
+            <a:r>
+              <a:rPr lang="en"/>
+              <a:t>Model with just demographic and socioeconomic data shows the worst performance 57.24% accuracy ( decrease in  17.47%)</a:t>
+            </a:r>
+            <a:endParaRPr/>
+          </a:p>
+          <a:p>
+            <a:pPr indent="0" lvl="0" marL="0" rtl="0" algn="l">
+              <a:spcBef>
+                <a:spcPts val="0"/>
+              </a:spcBef>
+              <a:spcAft>
+                <a:spcPts val="0"/>
+              </a:spcAft>
+              <a:buNone/>
+            </a:pPr>
+            <a:r>
               <a:t/>
             </a:r>
             <a:endParaRPr/>
@@ -1217,7 +2252,7 @@
   <p:cSld>
     <p:spTree>
       <p:nvGrpSpPr>
-        <p:cNvPr id="150" name="Shape 150"/>
+        <p:cNvPr id="152" name="Shape 152"/>
         <p:cNvGrpSpPr/>
         <p:nvPr/>
       </p:nvGrpSpPr>
@@ -1231,7 +2266,7 @@
       </p:grpSpPr>
       <p:sp>
         <p:nvSpPr>
-          <p:cNvPr id="151" name="Google Shape;151;g2a24d605c91_0_4:notes"/>
+          <p:cNvPr id="153" name="Google Shape;153;g2a24d605c91_0_0:notes"/>
           <p:cNvSpPr/>
           <p:nvPr>
             <p:ph idx="2" type="sldImg"/>
@@ -1266,7 +2301,7 @@
       </p:sp>
       <p:sp>
         <p:nvSpPr>
-          <p:cNvPr id="152" name="Google Shape;152;g2a24d605c91_0_4:notes"/>
+          <p:cNvPr id="154" name="Google Shape;154;g2a24d605c91_0_0:notes"/>
           <p:cNvSpPr txBox="1"/>
           <p:nvPr>
             <p:ph idx="1" type="body"/>
@@ -1316,7 +2351,7 @@
   <p:cSld>
     <p:spTree>
       <p:nvGrpSpPr>
-        <p:cNvPr id="155" name="Shape 155"/>
+        <p:cNvPr id="157" name="Shape 157"/>
         <p:cNvGrpSpPr/>
         <p:nvPr/>
       </p:nvGrpSpPr>
@@ -1330,7 +2365,7 @@
       </p:grpSpPr>
       <p:sp>
         <p:nvSpPr>
-          <p:cNvPr id="156" name="Google Shape;156;g2a24d605c91_0_12:notes"/>
+          <p:cNvPr id="158" name="Google Shape;158;g2a24d605c91_0_4:notes"/>
           <p:cNvSpPr/>
           <p:nvPr>
             <p:ph idx="2" type="sldImg"/>
@@ -1365,7 +2400,7 @@
       </p:sp>
       <p:sp>
         <p:nvSpPr>
-          <p:cNvPr id="157" name="Google Shape;157;g2a24d605c91_0_12:notes"/>
+          <p:cNvPr id="159" name="Google Shape;159;g2a24d605c91_0_4:notes"/>
           <p:cNvSpPr txBox="1"/>
           <p:nvPr>
             <p:ph idx="1" type="body"/>
@@ -1415,7 +2450,7 @@
   <p:cSld>
     <p:spTree>
       <p:nvGrpSpPr>
-        <p:cNvPr id="160" name="Shape 160"/>
+        <p:cNvPr id="162" name="Shape 162"/>
         <p:cNvGrpSpPr/>
         <p:nvPr/>
       </p:nvGrpSpPr>
@@ -1429,7 +2464,7 @@
       </p:grpSpPr>
       <p:sp>
         <p:nvSpPr>
-          <p:cNvPr id="161" name="Google Shape;161;g2a24d605c91_0_8:notes"/>
+          <p:cNvPr id="163" name="Google Shape;163;g2631bae89c9_0_0:notes"/>
           <p:cNvSpPr/>
           <p:nvPr>
             <p:ph idx="2" type="sldImg"/>
@@ -1464,7 +2499,304 @@
       </p:sp>
       <p:sp>
         <p:nvSpPr>
-          <p:cNvPr id="162" name="Google Shape;162;g2a24d605c91_0_8:notes"/>
+          <p:cNvPr id="164" name="Google Shape;164;g2631bae89c9_0_0:notes"/>
+          <p:cNvSpPr txBox="1"/>
+          <p:nvPr>
+            <p:ph idx="1" type="body"/>
+          </p:nvPr>
+        </p:nvSpPr>
+        <p:spPr>
+          <a:xfrm>
+            <a:off x="685800" y="4343400"/>
+            <a:ext cx="5486400" cy="4114800"/>
+          </a:xfrm>
+          <a:prstGeom prst="rect">
+            <a:avLst/>
+          </a:prstGeom>
+        </p:spPr>
+        <p:txBody>
+          <a:bodyPr anchorCtr="0" anchor="t" bIns="91425" lIns="91425" spcFirstLastPara="1" rIns="91425" wrap="square" tIns="91425">
+            <a:noAutofit/>
+          </a:bodyPr>
+          <a:lstStyle/>
+          <a:p>
+            <a:pPr indent="0" lvl="0" marL="0" rtl="0" algn="l">
+              <a:spcBef>
+                <a:spcPts val="0"/>
+              </a:spcBef>
+              <a:spcAft>
+                <a:spcPts val="0"/>
+              </a:spcAft>
+              <a:buNone/>
+            </a:pPr>
+            <a:r>
+              <a:t/>
+            </a:r>
+            <a:endParaRPr/>
+          </a:p>
+        </p:txBody>
+      </p:sp>
+    </p:spTree>
+  </p:cSld>
+  <p:clrMapOvr>
+    <a:masterClrMapping/>
+  </p:clrMapOvr>
+</p:notes>
+</file>
+
+<file path=ppt/notesSlides/notesSlide17.xml><?xml version="1.0" encoding="utf-8"?>
+<p:notes xmlns:a="http://schemas.openxmlformats.org/drawingml/2006/main" xmlns:r="http://schemas.openxmlformats.org/officeDocument/2006/relationships" xmlns:mc="http://schemas.openxmlformats.org/markup-compatibility/2006" xmlns:mv="urn:schemas-microsoft-com:mac:vml" xmlns:p="http://schemas.openxmlformats.org/presentationml/2006/main" xmlns:c="http://schemas.openxmlformats.org/drawingml/2006/chart" xmlns:dgm="http://schemas.openxmlformats.org/drawingml/2006/diagram" xmlns:o="urn:schemas-microsoft-com:office:office" xmlns:v="urn:schemas-microsoft-com:vml" xmlns:pvml="urn:schemas-microsoft-com:office:powerpoint" xmlns:com="http://schemas.openxmlformats.org/drawingml/2006/compatibility" xmlns:p14="http://schemas.microsoft.com/office/powerpoint/2010/main" xmlns:p15="http://schemas.microsoft.com/office/powerpoint/2012/main" xmlns:ahyp="http://schemas.microsoft.com/office/drawing/2018/hyperlinkcolor" showMasterPhAnim="0" showMasterSp="0">
+  <p:cSld>
+    <p:spTree>
+      <p:nvGrpSpPr>
+        <p:cNvPr id="168" name="Shape 168"/>
+        <p:cNvGrpSpPr/>
+        <p:nvPr/>
+      </p:nvGrpSpPr>
+      <p:grpSpPr>
+        <a:xfrm>
+          <a:off x="0" y="0"/>
+          <a:ext cx="0" cy="0"/>
+          <a:chOff x="0" y="0"/>
+          <a:chExt cx="0" cy="0"/>
+        </a:xfrm>
+      </p:grpSpPr>
+      <p:sp>
+        <p:nvSpPr>
+          <p:cNvPr id="169" name="Google Shape;169;g2a24d605c91_0_12:notes"/>
+          <p:cNvSpPr/>
+          <p:nvPr>
+            <p:ph idx="2" type="sldImg"/>
+          </p:nvPr>
+        </p:nvSpPr>
+        <p:spPr>
+          <a:xfrm>
+            <a:off x="381300" y="685800"/>
+            <a:ext cx="6096000" cy="3429000"/>
+          </a:xfrm>
+          <a:custGeom>
+            <a:rect b="b" l="l" r="r" t="t"/>
+            <a:pathLst>
+              <a:path extrusionOk="0" h="120000" w="120000">
+                <a:moveTo>
+                  <a:pt x="0" y="0"/>
+                </a:moveTo>
+                <a:lnTo>
+                  <a:pt x="120000" y="0"/>
+                </a:lnTo>
+                <a:lnTo>
+                  <a:pt x="120000" y="120000"/>
+                </a:lnTo>
+                <a:lnTo>
+                  <a:pt x="0" y="120000"/>
+                </a:lnTo>
+                <a:close/>
+              </a:path>
+            </a:pathLst>
+          </a:custGeom>
+        </p:spPr>
+      </p:sp>
+      <p:sp>
+        <p:nvSpPr>
+          <p:cNvPr id="170" name="Google Shape;170;g2a24d605c91_0_12:notes"/>
+          <p:cNvSpPr txBox="1"/>
+          <p:nvPr>
+            <p:ph idx="1" type="body"/>
+          </p:nvPr>
+        </p:nvSpPr>
+        <p:spPr>
+          <a:xfrm>
+            <a:off x="685800" y="4343400"/>
+            <a:ext cx="5486400" cy="4114800"/>
+          </a:xfrm>
+          <a:prstGeom prst="rect">
+            <a:avLst/>
+          </a:prstGeom>
+        </p:spPr>
+        <p:txBody>
+          <a:bodyPr anchorCtr="0" anchor="t" bIns="91425" lIns="91425" spcFirstLastPara="1" rIns="91425" wrap="square" tIns="91425">
+            <a:noAutofit/>
+          </a:bodyPr>
+          <a:lstStyle/>
+          <a:p>
+            <a:pPr indent="0" lvl="0" marL="0" rtl="0" algn="l">
+              <a:spcBef>
+                <a:spcPts val="0"/>
+              </a:spcBef>
+              <a:spcAft>
+                <a:spcPts val="0"/>
+              </a:spcAft>
+              <a:buNone/>
+            </a:pPr>
+            <a:r>
+              <a:t/>
+            </a:r>
+            <a:endParaRPr/>
+          </a:p>
+        </p:txBody>
+      </p:sp>
+    </p:spTree>
+  </p:cSld>
+  <p:clrMapOvr>
+    <a:masterClrMapping/>
+  </p:clrMapOvr>
+</p:notes>
+</file>
+
+<file path=ppt/notesSlides/notesSlide18.xml><?xml version="1.0" encoding="utf-8"?>
+<p:notes xmlns:a="http://schemas.openxmlformats.org/drawingml/2006/main" xmlns:r="http://schemas.openxmlformats.org/officeDocument/2006/relationships" xmlns:mc="http://schemas.openxmlformats.org/markup-compatibility/2006" xmlns:mv="urn:schemas-microsoft-com:mac:vml" xmlns:p="http://schemas.openxmlformats.org/presentationml/2006/main" xmlns:c="http://schemas.openxmlformats.org/drawingml/2006/chart" xmlns:dgm="http://schemas.openxmlformats.org/drawingml/2006/diagram" xmlns:o="urn:schemas-microsoft-com:office:office" xmlns:v="urn:schemas-microsoft-com:vml" xmlns:pvml="urn:schemas-microsoft-com:office:powerpoint" xmlns:com="http://schemas.openxmlformats.org/drawingml/2006/compatibility" xmlns:p14="http://schemas.microsoft.com/office/powerpoint/2010/main" xmlns:p15="http://schemas.microsoft.com/office/powerpoint/2012/main" xmlns:ahyp="http://schemas.microsoft.com/office/drawing/2018/hyperlinkcolor" showMasterPhAnim="0" showMasterSp="0">
+  <p:cSld>
+    <p:spTree>
+      <p:nvGrpSpPr>
+        <p:cNvPr id="173" name="Shape 173"/>
+        <p:cNvGrpSpPr/>
+        <p:nvPr/>
+      </p:nvGrpSpPr>
+      <p:grpSpPr>
+        <a:xfrm>
+          <a:off x="0" y="0"/>
+          <a:ext cx="0" cy="0"/>
+          <a:chOff x="0" y="0"/>
+          <a:chExt cx="0" cy="0"/>
+        </a:xfrm>
+      </p:grpSpPr>
+      <p:sp>
+        <p:nvSpPr>
+          <p:cNvPr id="174" name="Google Shape;174;g2a24d605c91_0_8:notes"/>
+          <p:cNvSpPr/>
+          <p:nvPr>
+            <p:ph idx="2" type="sldImg"/>
+          </p:nvPr>
+        </p:nvSpPr>
+        <p:spPr>
+          <a:xfrm>
+            <a:off x="381300" y="685800"/>
+            <a:ext cx="6096000" cy="3429000"/>
+          </a:xfrm>
+          <a:custGeom>
+            <a:rect b="b" l="l" r="r" t="t"/>
+            <a:pathLst>
+              <a:path extrusionOk="0" h="120000" w="120000">
+                <a:moveTo>
+                  <a:pt x="0" y="0"/>
+                </a:moveTo>
+                <a:lnTo>
+                  <a:pt x="120000" y="0"/>
+                </a:lnTo>
+                <a:lnTo>
+                  <a:pt x="120000" y="120000"/>
+                </a:lnTo>
+                <a:lnTo>
+                  <a:pt x="0" y="120000"/>
+                </a:lnTo>
+                <a:close/>
+              </a:path>
+            </a:pathLst>
+          </a:custGeom>
+        </p:spPr>
+      </p:sp>
+      <p:sp>
+        <p:nvSpPr>
+          <p:cNvPr id="175" name="Google Shape;175;g2a24d605c91_0_8:notes"/>
+          <p:cNvSpPr txBox="1"/>
+          <p:nvPr>
+            <p:ph idx="1" type="body"/>
+          </p:nvPr>
+        </p:nvSpPr>
+        <p:spPr>
+          <a:xfrm>
+            <a:off x="685800" y="4343400"/>
+            <a:ext cx="5486400" cy="4114800"/>
+          </a:xfrm>
+          <a:prstGeom prst="rect">
+            <a:avLst/>
+          </a:prstGeom>
+        </p:spPr>
+        <p:txBody>
+          <a:bodyPr anchorCtr="0" anchor="t" bIns="91425" lIns="91425" spcFirstLastPara="1" rIns="91425" wrap="square" tIns="91425">
+            <a:noAutofit/>
+          </a:bodyPr>
+          <a:lstStyle/>
+          <a:p>
+            <a:pPr indent="0" lvl="0" marL="0" rtl="0" algn="l">
+              <a:spcBef>
+                <a:spcPts val="0"/>
+              </a:spcBef>
+              <a:spcAft>
+                <a:spcPts val="0"/>
+              </a:spcAft>
+              <a:buNone/>
+            </a:pPr>
+            <a:r>
+              <a:t/>
+            </a:r>
+            <a:endParaRPr/>
+          </a:p>
+        </p:txBody>
+      </p:sp>
+    </p:spTree>
+  </p:cSld>
+  <p:clrMapOvr>
+    <a:masterClrMapping/>
+  </p:clrMapOvr>
+</p:notes>
+</file>
+
+<file path=ppt/notesSlides/notesSlide19.xml><?xml version="1.0" encoding="utf-8"?>
+<p:notes xmlns:a="http://schemas.openxmlformats.org/drawingml/2006/main" xmlns:r="http://schemas.openxmlformats.org/officeDocument/2006/relationships" xmlns:mc="http://schemas.openxmlformats.org/markup-compatibility/2006" xmlns:mv="urn:schemas-microsoft-com:mac:vml" xmlns:p="http://schemas.openxmlformats.org/presentationml/2006/main" xmlns:c="http://schemas.openxmlformats.org/drawingml/2006/chart" xmlns:dgm="http://schemas.openxmlformats.org/drawingml/2006/diagram" xmlns:o="urn:schemas-microsoft-com:office:office" xmlns:v="urn:schemas-microsoft-com:vml" xmlns:pvml="urn:schemas-microsoft-com:office:powerpoint" xmlns:com="http://schemas.openxmlformats.org/drawingml/2006/compatibility" xmlns:p14="http://schemas.microsoft.com/office/powerpoint/2010/main" xmlns:p15="http://schemas.microsoft.com/office/powerpoint/2012/main" xmlns:ahyp="http://schemas.microsoft.com/office/drawing/2018/hyperlinkcolor" showMasterPhAnim="0" showMasterSp="0">
+  <p:cSld>
+    <p:spTree>
+      <p:nvGrpSpPr>
+        <p:cNvPr id="178" name="Shape 178"/>
+        <p:cNvGrpSpPr/>
+        <p:nvPr/>
+      </p:nvGrpSpPr>
+      <p:grpSpPr>
+        <a:xfrm>
+          <a:off x="0" y="0"/>
+          <a:ext cx="0" cy="0"/>
+          <a:chOff x="0" y="0"/>
+          <a:chExt cx="0" cy="0"/>
+        </a:xfrm>
+      </p:grpSpPr>
+      <p:sp>
+        <p:nvSpPr>
+          <p:cNvPr id="179" name="Google Shape;179;g26324b09d8b_8_0:notes"/>
+          <p:cNvSpPr/>
+          <p:nvPr>
+            <p:ph idx="2" type="sldImg"/>
+          </p:nvPr>
+        </p:nvSpPr>
+        <p:spPr>
+          <a:xfrm>
+            <a:off x="381300" y="685800"/>
+            <a:ext cx="6096000" cy="3429000"/>
+          </a:xfrm>
+          <a:custGeom>
+            <a:rect b="b" l="l" r="r" t="t"/>
+            <a:pathLst>
+              <a:path extrusionOk="0" h="120000" w="120000">
+                <a:moveTo>
+                  <a:pt x="0" y="0"/>
+                </a:moveTo>
+                <a:lnTo>
+                  <a:pt x="120000" y="0"/>
+                </a:lnTo>
+                <a:lnTo>
+                  <a:pt x="120000" y="120000"/>
+                </a:lnTo>
+                <a:lnTo>
+                  <a:pt x="0" y="120000"/>
+                </a:lnTo>
+                <a:close/>
+              </a:path>
+            </a:pathLst>
+          </a:custGeom>
+        </p:spPr>
+      </p:sp>
+      <p:sp>
+        <p:nvSpPr>
+          <p:cNvPr id="180" name="Google Shape;180;g26324b09d8b_8_0:notes"/>
           <p:cNvSpPr txBox="1"/>
           <p:nvPr>
             <p:ph idx="1" type="body"/>
@@ -1594,6 +2926,113 @@
               <a:buNone/>
             </a:pPr>
             <a:r>
+              <a:rPr lang="en"/>
+              <a:t>Here are some reasons: </a:t>
+            </a:r>
+            <a:endParaRPr/>
+          </a:p>
+          <a:p>
+            <a:pPr indent="0" lvl="0" marL="0" rtl="0" algn="l">
+              <a:spcBef>
+                <a:spcPts val="0"/>
+              </a:spcBef>
+              <a:spcAft>
+                <a:spcPts val="0"/>
+              </a:spcAft>
+              <a:buNone/>
+            </a:pPr>
+            <a:r>
+              <a:rPr lang="en"/>
+              <a:t>First of all, It is a </a:t>
+            </a:r>
+            <a:r>
+              <a:rPr lang="en"/>
+              <a:t>global</a:t>
+            </a:r>
+            <a:r>
+              <a:rPr lang="en"/>
+              <a:t> </a:t>
+            </a:r>
+            <a:r>
+              <a:rPr lang="en"/>
+              <a:t>phenomenon - ranging from 30% student dropout in OECD to 50.9 % in Costa Rica.</a:t>
+            </a:r>
+            <a:endParaRPr/>
+          </a:p>
+          <a:p>
+            <a:pPr indent="0" lvl="0" marL="0" rtl="0" algn="l">
+              <a:spcBef>
+                <a:spcPts val="0"/>
+              </a:spcBef>
+              <a:spcAft>
+                <a:spcPts val="0"/>
+              </a:spcAft>
+              <a:buNone/>
+            </a:pPr>
+            <a:r>
+              <a:rPr lang="en"/>
+              <a:t>#It affect university administration in terms of resource planification. On the student side,</a:t>
+            </a:r>
+            <a:endParaRPr/>
+          </a:p>
+          <a:p>
+            <a:pPr indent="0" lvl="0" marL="0" rtl="0" algn="l">
+              <a:spcBef>
+                <a:spcPts val="0"/>
+              </a:spcBef>
+              <a:spcAft>
+                <a:spcPts val="0"/>
+              </a:spcAft>
+              <a:buNone/>
+            </a:pPr>
+            <a:r>
+              <a:rPr lang="en"/>
+              <a:t>In a North American context, 20% Canadian students started,univerisy  but  do not finish, and without a degree, they, on average, earn 53% less than someone with a degree.</a:t>
+            </a:r>
+            <a:endParaRPr/>
+          </a:p>
+          <a:p>
+            <a:pPr indent="0" lvl="0" marL="0" rtl="0" algn="l">
+              <a:spcBef>
+                <a:spcPts val="0"/>
+              </a:spcBef>
+              <a:spcAft>
+                <a:spcPts val="0"/>
+              </a:spcAft>
+              <a:buNone/>
+            </a:pPr>
+            <a:r>
+              <a:t/>
+            </a:r>
+            <a:endParaRPr/>
+          </a:p>
+          <a:p>
+            <a:pPr indent="0" lvl="0" marL="0" rtl="0" algn="l">
+              <a:spcBef>
+                <a:spcPts val="0"/>
+              </a:spcBef>
+              <a:spcAft>
+                <a:spcPts val="0"/>
+              </a:spcAft>
+              <a:buNone/>
+            </a:pPr>
+            <a:r>
+              <a:rPr lang="en"/>
+              <a:t>.</a:t>
+            </a:r>
+            <a:endParaRPr/>
+          </a:p>
+          <a:p>
+            <a:pPr indent="0" lvl="0" marL="0" rtl="0" algn="l">
+              <a:spcBef>
+                <a:spcPts val="0"/>
+              </a:spcBef>
+              <a:spcAft>
+                <a:spcPts val="0"/>
+              </a:spcAft>
+              <a:buNone/>
+            </a:pPr>
+            <a:r>
               <a:t/>
             </a:r>
             <a:endParaRPr/>
@@ -1693,6 +3132,53 @@
               <a:buNone/>
             </a:pPr>
             <a:r>
+              <a:rPr lang="en"/>
+              <a:t>In </a:t>
+            </a:r>
+            <a:r>
+              <a:rPr lang="en"/>
+              <a:t>America</a:t>
+            </a:r>
+            <a:r>
+              <a:rPr lang="en"/>
+              <a:t>, on average, someone with a degree lives 8 years longer than </a:t>
+            </a:r>
+            <a:r>
+              <a:rPr lang="en"/>
+              <a:t>someone</a:t>
+            </a:r>
+            <a:r>
+              <a:rPr lang="en"/>
+              <a:t> without a degree (83 vs 75) and this mortality gap is actually widening.</a:t>
+            </a:r>
+            <a:endParaRPr/>
+          </a:p>
+          <a:p>
+            <a:pPr indent="0" lvl="0" marL="0" rtl="0" algn="l">
+              <a:spcBef>
+                <a:spcPts val="0"/>
+              </a:spcBef>
+              <a:spcAft>
+                <a:spcPts val="0"/>
+              </a:spcAft>
+              <a:buNone/>
+            </a:pPr>
+            <a:r>
+              <a:t/>
+            </a:r>
+            <a:endParaRPr/>
+          </a:p>
+          <a:p>
+            <a:pPr indent="0" lvl="0" marL="0" rtl="0" algn="l">
+              <a:spcBef>
+                <a:spcPts val="0"/>
+              </a:spcBef>
+              <a:spcAft>
+                <a:spcPts val="0"/>
+              </a:spcAft>
+              <a:buNone/>
+            </a:pPr>
+            <a:r>
               <a:t/>
             </a:r>
             <a:endParaRPr/>
@@ -1792,6 +3278,264 @@
               <a:buNone/>
             </a:pPr>
             <a:r>
+              <a:rPr lang="en"/>
+              <a:t>Given the importance of having degree and the fact that university </a:t>
+            </a:r>
+            <a:r>
+              <a:rPr lang="en"/>
+              <a:t>routinely</a:t>
+            </a:r>
+            <a:r>
+              <a:rPr lang="en"/>
+              <a:t> collect </a:t>
+            </a:r>
+            <a:r>
+              <a:rPr lang="en"/>
+              <a:t>student’s data, it is not surprising that there are many studies on using machine learning to predict student dropout. </a:t>
+            </a:r>
+            <a:endParaRPr/>
+          </a:p>
+          <a:p>
+            <a:pPr indent="0" lvl="0" marL="0" rtl="0" algn="l">
+              <a:spcBef>
+                <a:spcPts val="0"/>
+              </a:spcBef>
+              <a:spcAft>
+                <a:spcPts val="0"/>
+              </a:spcAft>
+              <a:buNone/>
+            </a:pPr>
+            <a:r>
+              <a:rPr lang="en"/>
+              <a:t>Here are some observation of these studies. </a:t>
+            </a:r>
+            <a:endParaRPr/>
+          </a:p>
+          <a:p>
+            <a:pPr indent="0" lvl="0" marL="0" rtl="0" algn="l">
+              <a:spcBef>
+                <a:spcPts val="0"/>
+              </a:spcBef>
+              <a:spcAft>
+                <a:spcPts val="0"/>
+              </a:spcAft>
+              <a:buNone/>
+            </a:pPr>
+            <a:r>
+              <a:t/>
+            </a:r>
+            <a:endParaRPr/>
+          </a:p>
+          <a:p>
+            <a:pPr indent="0" lvl="0" marL="0" rtl="0" algn="l">
+              <a:spcBef>
+                <a:spcPts val="0"/>
+              </a:spcBef>
+              <a:spcAft>
+                <a:spcPts val="0"/>
+              </a:spcAft>
+              <a:buNone/>
+            </a:pPr>
+            <a:r>
+              <a:t/>
+            </a:r>
+            <a:endParaRPr/>
+          </a:p>
+          <a:p>
+            <a:pPr indent="0" lvl="0" marL="0" rtl="0" algn="l">
+              <a:spcBef>
+                <a:spcPts val="0"/>
+              </a:spcBef>
+              <a:spcAft>
+                <a:spcPts val="0"/>
+              </a:spcAft>
+              <a:buNone/>
+            </a:pPr>
+            <a:r>
+              <a:t/>
+            </a:r>
+            <a:endParaRPr/>
+          </a:p>
+          <a:p>
+            <a:pPr indent="0" lvl="0" marL="0" rtl="0" algn="l">
+              <a:spcBef>
+                <a:spcPts val="0"/>
+              </a:spcBef>
+              <a:spcAft>
+                <a:spcPts val="0"/>
+              </a:spcAft>
+              <a:buNone/>
+            </a:pPr>
+            <a:r>
+              <a:t/>
+            </a:r>
+            <a:endParaRPr/>
+          </a:p>
+          <a:p>
+            <a:pPr indent="0" lvl="0" marL="0" rtl="0" algn="l">
+              <a:spcBef>
+                <a:spcPts val="0"/>
+              </a:spcBef>
+              <a:spcAft>
+                <a:spcPts val="0"/>
+              </a:spcAft>
+              <a:buNone/>
+            </a:pPr>
+            <a:r>
+              <a:rPr lang="en"/>
+              <a:t>There is a consensus that Machine Learning is effective in predicting student dropout.</a:t>
+            </a:r>
+            <a:endParaRPr/>
+          </a:p>
+          <a:p>
+            <a:pPr indent="0" lvl="0" marL="0" rtl="0" algn="l">
+              <a:spcBef>
+                <a:spcPts val="0"/>
+              </a:spcBef>
+              <a:spcAft>
+                <a:spcPts val="0"/>
+              </a:spcAft>
+              <a:buNone/>
+            </a:pPr>
+            <a:r>
+              <a:t/>
+            </a:r>
+            <a:endParaRPr/>
+          </a:p>
+          <a:p>
+            <a:pPr indent="0" lvl="0" marL="0" rtl="0" algn="l">
+              <a:spcBef>
+                <a:spcPts val="0"/>
+              </a:spcBef>
+              <a:spcAft>
+                <a:spcPts val="0"/>
+              </a:spcAft>
+              <a:buNone/>
+            </a:pPr>
+            <a:r>
+              <a:t/>
+            </a:r>
+            <a:endParaRPr/>
+          </a:p>
+          <a:p>
+            <a:pPr indent="0" lvl="0" marL="0" rtl="0" algn="l">
+              <a:spcBef>
+                <a:spcPts val="0"/>
+              </a:spcBef>
+              <a:spcAft>
+                <a:spcPts val="0"/>
+              </a:spcAft>
+              <a:buNone/>
+            </a:pPr>
+            <a:r>
+              <a:rPr lang="en"/>
+              <a:t>However, a majority of these studies focus on the algorithms used, features, themselves,on the other hand,  are often taken a backseat  </a:t>
+            </a:r>
+            <a:endParaRPr/>
+          </a:p>
+          <a:p>
+            <a:pPr indent="0" lvl="0" marL="0" rtl="0" algn="l">
+              <a:spcBef>
+                <a:spcPts val="0"/>
+              </a:spcBef>
+              <a:spcAft>
+                <a:spcPts val="0"/>
+              </a:spcAft>
+              <a:buNone/>
+            </a:pPr>
+            <a:r>
+              <a:t/>
+            </a:r>
+            <a:endParaRPr/>
+          </a:p>
+          <a:p>
+            <a:pPr indent="0" lvl="0" marL="0" rtl="0" algn="l">
+              <a:spcBef>
+                <a:spcPts val="0"/>
+              </a:spcBef>
+              <a:spcAft>
+                <a:spcPts val="0"/>
+              </a:spcAft>
+              <a:buNone/>
+            </a:pPr>
+            <a:r>
+              <a:rPr lang="en"/>
+              <a:t>When the features are mentioned </a:t>
+            </a:r>
+            <a:endParaRPr/>
+          </a:p>
+          <a:p>
+            <a:pPr indent="0" lvl="0" marL="0" rtl="0" algn="l">
+              <a:spcBef>
+                <a:spcPts val="0"/>
+              </a:spcBef>
+              <a:spcAft>
+                <a:spcPts val="0"/>
+              </a:spcAft>
+              <a:buNone/>
+            </a:pPr>
+            <a:r>
+              <a:t/>
+            </a:r>
+            <a:endParaRPr/>
+          </a:p>
+          <a:p>
+            <a:pPr indent="0" lvl="0" marL="0" rtl="0" algn="l">
+              <a:spcBef>
+                <a:spcPts val="0"/>
+              </a:spcBef>
+              <a:spcAft>
+                <a:spcPts val="0"/>
+              </a:spcAft>
+              <a:buNone/>
+            </a:pPr>
+            <a:r>
+              <a:rPr lang="en"/>
+              <a:t>It is in the context of AI fairness, the possibility of discrimination  and the question : is the use of protected feature necessary ?</a:t>
+            </a:r>
+            <a:endParaRPr/>
+          </a:p>
+          <a:p>
+            <a:pPr indent="0" lvl="0" marL="0" rtl="0" algn="l">
+              <a:spcBef>
+                <a:spcPts val="0"/>
+              </a:spcBef>
+              <a:spcAft>
+                <a:spcPts val="0"/>
+              </a:spcAft>
+              <a:buNone/>
+            </a:pPr>
+            <a:r>
+              <a:t/>
+            </a:r>
+            <a:endParaRPr/>
+          </a:p>
+          <a:p>
+            <a:pPr indent="0" lvl="0" marL="0" rtl="0" algn="l">
+              <a:spcBef>
+                <a:spcPts val="0"/>
+              </a:spcBef>
+              <a:spcAft>
+                <a:spcPts val="0"/>
+              </a:spcAft>
+              <a:buNone/>
+            </a:pPr>
+            <a:r>
+              <a:t/>
+            </a:r>
+            <a:endParaRPr/>
+          </a:p>
+          <a:p>
+            <a:pPr indent="0" lvl="0" marL="0" rtl="0" algn="l">
+              <a:spcBef>
+                <a:spcPts val="0"/>
+              </a:spcBef>
+              <a:spcAft>
+                <a:spcPts val="0"/>
+              </a:spcAft>
+              <a:buNone/>
+            </a:pPr>
+            <a:r>
               <a:t/>
             </a:r>
             <a:endParaRPr/>
@@ -1825,7 +3569,7 @@
       </p:grpSpPr>
       <p:sp>
         <p:nvSpPr>
-          <p:cNvPr id="100" name="Google Shape;100;g723630543_3_0:notes"/>
+          <p:cNvPr id="100" name="Google Shape;100;g2a34a90191c_0_3:notes"/>
           <p:cNvSpPr/>
           <p:nvPr>
             <p:ph idx="2" type="sldImg"/>
@@ -1860,7 +3604,7 @@
       </p:sp>
       <p:sp>
         <p:nvSpPr>
-          <p:cNvPr id="101" name="Google Shape;101;g723630543_3_0:notes"/>
+          <p:cNvPr id="101" name="Google Shape;101;g2a34a90191c_0_3:notes"/>
           <p:cNvSpPr txBox="1"/>
           <p:nvPr>
             <p:ph idx="1" type="body"/>
@@ -1891,6 +3635,157 @@
               <a:buNone/>
             </a:pPr>
             <a:r>
+              <a:rPr lang="en"/>
+              <a:t>We have come across two studies that focus </a:t>
+            </a:r>
+            <a:r>
+              <a:rPr lang="en"/>
+              <a:t>sensitive</a:t>
+            </a:r>
+            <a:r>
+              <a:rPr lang="en"/>
+              <a:t> features and model </a:t>
+            </a:r>
+            <a:r>
+              <a:rPr lang="en"/>
+              <a:t>performance</a:t>
+            </a:r>
+            <a:r>
+              <a:rPr lang="en"/>
+              <a:t>.</a:t>
+            </a:r>
+            <a:endParaRPr/>
+          </a:p>
+          <a:p>
+            <a:pPr indent="0" lvl="0" marL="0" rtl="0" algn="l">
+              <a:spcBef>
+                <a:spcPts val="0"/>
+              </a:spcBef>
+              <a:spcAft>
+                <a:spcPts val="0"/>
+              </a:spcAft>
+              <a:buNone/>
+            </a:pPr>
+            <a:r>
+              <a:rPr lang="en"/>
+              <a:t>In both studies, </a:t>
+            </a:r>
+            <a:r>
+              <a:rPr lang="en"/>
+              <a:t>comparison between</a:t>
+            </a:r>
+            <a:r>
+              <a:rPr lang="en"/>
+              <a:t> two models: </a:t>
+            </a:r>
+            <a:r>
+              <a:rPr lang="en"/>
+              <a:t> </a:t>
+            </a:r>
+            <a:r>
+              <a:rPr lang="en"/>
+              <a:t> one trained with all the </a:t>
+            </a:r>
+            <a:r>
+              <a:rPr lang="en"/>
+              <a:t>features</a:t>
+            </a:r>
+            <a:r>
+              <a:rPr lang="en"/>
+              <a:t>, the aware model, and blind model, in </a:t>
+            </a:r>
+            <a:r>
+              <a:rPr lang="en"/>
+              <a:t>which</a:t>
+            </a:r>
+            <a:r>
+              <a:rPr lang="en"/>
+              <a:t> 4 </a:t>
+            </a:r>
+            <a:r>
+              <a:rPr lang="en"/>
+              <a:t>protected</a:t>
+            </a:r>
+            <a:r>
+              <a:rPr lang="en"/>
+              <a:t> features such as aged, disability removed</a:t>
+            </a:r>
+            <a:endParaRPr/>
+          </a:p>
+          <a:p>
+            <a:pPr indent="0" lvl="0" marL="0" rtl="0" algn="l">
+              <a:spcBef>
+                <a:spcPts val="0"/>
+              </a:spcBef>
+              <a:spcAft>
+                <a:spcPts val="0"/>
+              </a:spcAft>
+              <a:buNone/>
+            </a:pPr>
+            <a:r>
+              <a:rPr lang="en"/>
+              <a:t>In both studies, the findings are that there are no difference in </a:t>
+            </a:r>
+            <a:r>
+              <a:rPr lang="en"/>
+              <a:t>performance</a:t>
+            </a:r>
+            <a:r>
+              <a:rPr lang="en"/>
+              <a:t> between aware and blind model.</a:t>
+            </a:r>
+            <a:endParaRPr/>
+          </a:p>
+          <a:p>
+            <a:pPr indent="0" lvl="0" marL="0" rtl="0" algn="l">
+              <a:spcBef>
+                <a:spcPts val="0"/>
+              </a:spcBef>
+              <a:spcAft>
+                <a:spcPts val="0"/>
+              </a:spcAft>
+              <a:buNone/>
+            </a:pPr>
+            <a:r>
+              <a:t/>
+            </a:r>
+            <a:endParaRPr/>
+          </a:p>
+          <a:p>
+            <a:pPr indent="0" lvl="0" marL="0" rtl="0" algn="l">
+              <a:spcBef>
+                <a:spcPts val="0"/>
+              </a:spcBef>
+              <a:spcAft>
+                <a:spcPts val="0"/>
+              </a:spcAft>
+              <a:buNone/>
+            </a:pPr>
+            <a:r>
+              <a:rPr lang="en"/>
+              <a:t>Suggesting personal information may not be </a:t>
+            </a:r>
+            <a:r>
+              <a:rPr lang="en"/>
+              <a:t>necessary</a:t>
+            </a:r>
+            <a:r>
+              <a:rPr lang="en"/>
+              <a:t> </a:t>
+            </a:r>
+            <a:endParaRPr/>
+          </a:p>
+          <a:p>
+            <a:pPr indent="0" lvl="0" marL="0" rtl="0" algn="l">
+              <a:spcBef>
+                <a:spcPts val="0"/>
+              </a:spcBef>
+              <a:spcAft>
+                <a:spcPts val="0"/>
+              </a:spcAft>
+              <a:buNone/>
+            </a:pPr>
+            <a:r>
               <a:t/>
             </a:r>
             <a:endParaRPr/>
@@ -1910,7 +3805,7 @@
   <p:cSld>
     <p:spTree>
       <p:nvGrpSpPr>
-        <p:cNvPr id="106" name="Shape 106"/>
+        <p:cNvPr id="107" name="Shape 107"/>
         <p:cNvGrpSpPr/>
         <p:nvPr/>
       </p:nvGrpSpPr>
@@ -1924,7 +3819,7 @@
       </p:grpSpPr>
       <p:sp>
         <p:nvSpPr>
-          <p:cNvPr id="107" name="Google Shape;107;gd251bb473_0_600:notes"/>
+          <p:cNvPr id="108" name="Google Shape;108;gd251bb473_0_681:notes"/>
           <p:cNvSpPr/>
           <p:nvPr>
             <p:ph idx="2" type="sldImg"/>
@@ -1959,7 +3854,7 @@
       </p:sp>
       <p:sp>
         <p:nvSpPr>
-          <p:cNvPr id="108" name="Google Shape;108;gd251bb473_0_600:notes"/>
+          <p:cNvPr id="109" name="Google Shape;109;gd251bb473_0_681:notes"/>
           <p:cNvSpPr txBox="1"/>
           <p:nvPr>
             <p:ph idx="1" type="body"/>
@@ -1987,12 +3882,445 @@
               <a:spcAft>
                 <a:spcPts val="0"/>
               </a:spcAft>
+              <a:buClr>
+                <a:schemeClr val="dk1"/>
+              </a:buClr>
+              <a:buSzPts val="1100"/>
+              <a:buFont typeface="Arial"/>
+              <a:buNone/>
+            </a:pPr>
+            <a:r>
+              <a:rPr lang="en">
+                <a:solidFill>
+                  <a:schemeClr val="dk1"/>
+                </a:solidFill>
+              </a:rPr>
+              <a:t>We ask yourself, can we follow this line of inquiry and expand them: and instead of just excluding 4 features only can we exclude all the demographic and socioeconomic  data and still have models that are effective.</a:t>
+            </a:r>
+            <a:endParaRPr>
+              <a:solidFill>
+                <a:schemeClr val="dk1"/>
+              </a:solidFill>
+            </a:endParaRPr>
+          </a:p>
+          <a:p>
+            <a:pPr indent="0" lvl="0" marL="0" rtl="0" algn="l">
+              <a:spcBef>
+                <a:spcPts val="0"/>
+              </a:spcBef>
+              <a:spcAft>
+                <a:spcPts val="0"/>
+              </a:spcAft>
+              <a:buClr>
+                <a:schemeClr val="dk1"/>
+              </a:buClr>
+              <a:buSzPts val="1100"/>
+              <a:buFont typeface="Arial"/>
               <a:buNone/>
             </a:pPr>
             <a:r>
               <a:t/>
             </a:r>
-            <a:endParaRPr/>
+            <a:endParaRPr>
+              <a:solidFill>
+                <a:schemeClr val="dk1"/>
+              </a:solidFill>
+            </a:endParaRPr>
+          </a:p>
+          <a:p>
+            <a:pPr indent="0" lvl="0" marL="0" rtl="0" algn="l">
+              <a:spcBef>
+                <a:spcPts val="0"/>
+              </a:spcBef>
+              <a:spcAft>
+                <a:spcPts val="0"/>
+              </a:spcAft>
+              <a:buClr>
+                <a:schemeClr val="dk1"/>
+              </a:buClr>
+              <a:buSzPts val="1100"/>
+              <a:buFont typeface="Arial"/>
+              <a:buNone/>
+            </a:pPr>
+            <a:r>
+              <a:rPr lang="en">
+                <a:solidFill>
+                  <a:schemeClr val="dk1"/>
+                </a:solidFill>
+              </a:rPr>
+              <a:t>In order to do that, we classify feature into 4 categories. Demographic soceniom, macrocenomi and academic</a:t>
+            </a:r>
+            <a:endParaRPr>
+              <a:solidFill>
+                <a:schemeClr val="dk1"/>
+              </a:solidFill>
+            </a:endParaRPr>
+          </a:p>
+          <a:p>
+            <a:pPr indent="0" lvl="0" marL="0" rtl="0" algn="l">
+              <a:spcBef>
+                <a:spcPts val="0"/>
+              </a:spcBef>
+              <a:spcAft>
+                <a:spcPts val="0"/>
+              </a:spcAft>
+              <a:buClr>
+                <a:schemeClr val="dk1"/>
+              </a:buClr>
+              <a:buSzPts val="1100"/>
+              <a:buFont typeface="Arial"/>
+              <a:buNone/>
+            </a:pPr>
+            <a:r>
+              <a:t/>
+            </a:r>
+            <a:endParaRPr>
+              <a:solidFill>
+                <a:schemeClr val="dk1"/>
+              </a:solidFill>
+            </a:endParaRPr>
+          </a:p>
+          <a:p>
+            <a:pPr indent="0" lvl="0" marL="0" rtl="0" algn="l">
+              <a:spcBef>
+                <a:spcPts val="0"/>
+              </a:spcBef>
+              <a:spcAft>
+                <a:spcPts val="0"/>
+              </a:spcAft>
+              <a:buClr>
+                <a:schemeClr val="dk1"/>
+              </a:buClr>
+              <a:buSzPts val="1100"/>
+              <a:buFont typeface="Arial"/>
+              <a:buNone/>
+            </a:pPr>
+            <a:r>
+              <a:rPr lang="en">
+                <a:solidFill>
+                  <a:schemeClr val="dk1"/>
+                </a:solidFill>
+              </a:rPr>
+              <a:t>We constructed 5 subset of data, varying the class of feature they contain. </a:t>
+            </a:r>
+            <a:endParaRPr>
+              <a:solidFill>
+                <a:schemeClr val="dk1"/>
+              </a:solidFill>
+            </a:endParaRPr>
+          </a:p>
+          <a:p>
+            <a:pPr indent="0" lvl="0" marL="0" rtl="0" algn="l">
+              <a:spcBef>
+                <a:spcPts val="0"/>
+              </a:spcBef>
+              <a:spcAft>
+                <a:spcPts val="0"/>
+              </a:spcAft>
+              <a:buClr>
+                <a:schemeClr val="dk1"/>
+              </a:buClr>
+              <a:buSzPts val="1100"/>
+              <a:buFont typeface="Arial"/>
+              <a:buNone/>
+            </a:pPr>
+            <a:r>
+              <a:t/>
+            </a:r>
+            <a:endParaRPr>
+              <a:solidFill>
+                <a:schemeClr val="dk1"/>
+              </a:solidFill>
+            </a:endParaRPr>
+          </a:p>
+          <a:p>
+            <a:pPr indent="0" lvl="0" marL="0" rtl="0" algn="l">
+              <a:spcBef>
+                <a:spcPts val="0"/>
+              </a:spcBef>
+              <a:spcAft>
+                <a:spcPts val="0"/>
+              </a:spcAft>
+              <a:buClr>
+                <a:schemeClr val="dk1"/>
+              </a:buClr>
+              <a:buSzPts val="1100"/>
+              <a:buFont typeface="Arial"/>
+              <a:buNone/>
+            </a:pPr>
+            <a:r>
+              <a:rPr lang="en">
+                <a:solidFill>
+                  <a:schemeClr val="dk1"/>
+                </a:solidFill>
+              </a:rPr>
+              <a:t>Baseline, S1, contain macroeconomic and academy data. </a:t>
+            </a:r>
+            <a:endParaRPr>
+              <a:solidFill>
+                <a:schemeClr val="dk1"/>
+              </a:solidFill>
+            </a:endParaRPr>
+          </a:p>
+          <a:p>
+            <a:pPr indent="0" lvl="0" marL="0" rtl="0" algn="l">
+              <a:spcBef>
+                <a:spcPts val="0"/>
+              </a:spcBef>
+              <a:spcAft>
+                <a:spcPts val="0"/>
+              </a:spcAft>
+              <a:buClr>
+                <a:schemeClr val="dk1"/>
+              </a:buClr>
+              <a:buSzPts val="1100"/>
+              <a:buFont typeface="Arial"/>
+              <a:buNone/>
+            </a:pPr>
+            <a:r>
+              <a:t/>
+            </a:r>
+            <a:endParaRPr>
+              <a:solidFill>
+                <a:schemeClr val="dk1"/>
+              </a:solidFill>
+            </a:endParaRPr>
+          </a:p>
+          <a:p>
+            <a:pPr indent="0" lvl="0" marL="0" rtl="0" algn="l">
+              <a:spcBef>
+                <a:spcPts val="0"/>
+              </a:spcBef>
+              <a:spcAft>
+                <a:spcPts val="0"/>
+              </a:spcAft>
+              <a:buClr>
+                <a:schemeClr val="dk1"/>
+              </a:buClr>
+              <a:buSzPts val="1100"/>
+              <a:buFont typeface="Arial"/>
+              <a:buNone/>
+            </a:pPr>
+            <a:r>
+              <a:rPr lang="en">
+                <a:solidFill>
+                  <a:schemeClr val="dk1"/>
+                </a:solidFill>
+              </a:rPr>
+              <a:t>Set 2, demographic data is added to the baseline,</a:t>
+            </a:r>
+            <a:endParaRPr>
+              <a:solidFill>
+                <a:schemeClr val="dk1"/>
+              </a:solidFill>
+            </a:endParaRPr>
+          </a:p>
+          <a:p>
+            <a:pPr indent="0" lvl="0" marL="0" rtl="0" algn="l">
+              <a:spcBef>
+                <a:spcPts val="0"/>
+              </a:spcBef>
+              <a:spcAft>
+                <a:spcPts val="0"/>
+              </a:spcAft>
+              <a:buClr>
+                <a:schemeClr val="dk1"/>
+              </a:buClr>
+              <a:buSzPts val="1100"/>
+              <a:buFont typeface="Arial"/>
+              <a:buNone/>
+            </a:pPr>
+            <a:r>
+              <a:t/>
+            </a:r>
+            <a:endParaRPr>
+              <a:solidFill>
+                <a:schemeClr val="dk1"/>
+              </a:solidFill>
+            </a:endParaRPr>
+          </a:p>
+          <a:p>
+            <a:pPr indent="0" lvl="0" marL="0" rtl="0" algn="l">
+              <a:spcBef>
+                <a:spcPts val="0"/>
+              </a:spcBef>
+              <a:spcAft>
+                <a:spcPts val="0"/>
+              </a:spcAft>
+              <a:buClr>
+                <a:schemeClr val="dk1"/>
+              </a:buClr>
+              <a:buSzPts val="1100"/>
+              <a:buFont typeface="Arial"/>
+              <a:buNone/>
+            </a:pPr>
+            <a:r>
+              <a:rPr lang="en">
+                <a:solidFill>
+                  <a:schemeClr val="dk1"/>
+                </a:solidFill>
+              </a:rPr>
+              <a:t>Set3, socioeconomic data add to the baseline,</a:t>
+            </a:r>
+            <a:endParaRPr>
+              <a:solidFill>
+                <a:schemeClr val="dk1"/>
+              </a:solidFill>
+            </a:endParaRPr>
+          </a:p>
+          <a:p>
+            <a:pPr indent="0" lvl="0" marL="0" rtl="0" algn="l">
+              <a:spcBef>
+                <a:spcPts val="0"/>
+              </a:spcBef>
+              <a:spcAft>
+                <a:spcPts val="0"/>
+              </a:spcAft>
+              <a:buClr>
+                <a:schemeClr val="dk1"/>
+              </a:buClr>
+              <a:buSzPts val="1100"/>
+              <a:buFont typeface="Arial"/>
+              <a:buNone/>
+            </a:pPr>
+            <a:r>
+              <a:t/>
+            </a:r>
+            <a:endParaRPr>
+              <a:solidFill>
+                <a:schemeClr val="dk1"/>
+              </a:solidFill>
+            </a:endParaRPr>
+          </a:p>
+          <a:p>
+            <a:pPr indent="0" lvl="0" marL="0" rtl="0" algn="l">
+              <a:spcBef>
+                <a:spcPts val="0"/>
+              </a:spcBef>
+              <a:spcAft>
+                <a:spcPts val="0"/>
+              </a:spcAft>
+              <a:buClr>
+                <a:schemeClr val="dk1"/>
+              </a:buClr>
+              <a:buSzPts val="1100"/>
+              <a:buFont typeface="Arial"/>
+              <a:buNone/>
+            </a:pPr>
+            <a:r>
+              <a:rPr lang="en">
+                <a:solidFill>
+                  <a:schemeClr val="dk1"/>
+                </a:solidFill>
+              </a:rPr>
+              <a:t>S4, with all the feature.</a:t>
+            </a:r>
+            <a:endParaRPr>
+              <a:solidFill>
+                <a:schemeClr val="dk1"/>
+              </a:solidFill>
+            </a:endParaRPr>
+          </a:p>
+          <a:p>
+            <a:pPr indent="0" lvl="0" marL="0" rtl="0" algn="l">
+              <a:spcBef>
+                <a:spcPts val="0"/>
+              </a:spcBef>
+              <a:spcAft>
+                <a:spcPts val="0"/>
+              </a:spcAft>
+              <a:buClr>
+                <a:schemeClr val="dk1"/>
+              </a:buClr>
+              <a:buSzPts val="1100"/>
+              <a:buFont typeface="Arial"/>
+              <a:buNone/>
+            </a:pPr>
+            <a:r>
+              <a:t/>
+            </a:r>
+            <a:endParaRPr>
+              <a:solidFill>
+                <a:schemeClr val="dk1"/>
+              </a:solidFill>
+            </a:endParaRPr>
+          </a:p>
+          <a:p>
+            <a:pPr indent="0" lvl="0" marL="0" rtl="0" algn="l">
+              <a:spcBef>
+                <a:spcPts val="0"/>
+              </a:spcBef>
+              <a:spcAft>
+                <a:spcPts val="0"/>
+              </a:spcAft>
+              <a:buClr>
+                <a:schemeClr val="dk1"/>
+              </a:buClr>
+              <a:buSzPts val="1100"/>
+              <a:buFont typeface="Arial"/>
+              <a:buNone/>
+            </a:pPr>
+            <a:r>
+              <a:rPr lang="en">
+                <a:solidFill>
+                  <a:schemeClr val="dk1"/>
+                </a:solidFill>
+              </a:rPr>
+              <a:t>S5, with only demographic and socioeconomic data.</a:t>
+            </a:r>
+            <a:endParaRPr>
+              <a:solidFill>
+                <a:schemeClr val="dk1"/>
+              </a:solidFill>
+            </a:endParaRPr>
+          </a:p>
+          <a:p>
+            <a:pPr indent="0" lvl="0" marL="0" rtl="0" algn="l">
+              <a:spcBef>
+                <a:spcPts val="0"/>
+              </a:spcBef>
+              <a:spcAft>
+                <a:spcPts val="0"/>
+              </a:spcAft>
+              <a:buClr>
+                <a:schemeClr val="dk1"/>
+              </a:buClr>
+              <a:buSzPts val="1100"/>
+              <a:buFont typeface="Arial"/>
+              <a:buNone/>
+            </a:pPr>
+            <a:r>
+              <a:t/>
+            </a:r>
+            <a:endParaRPr>
+              <a:solidFill>
+                <a:schemeClr val="dk1"/>
+              </a:solidFill>
+            </a:endParaRPr>
+          </a:p>
+          <a:p>
+            <a:pPr indent="0" lvl="0" marL="0" rtl="0" algn="l">
+              <a:spcBef>
+                <a:spcPts val="0"/>
+              </a:spcBef>
+              <a:spcAft>
+                <a:spcPts val="0"/>
+              </a:spcAft>
+              <a:buClr>
+                <a:schemeClr val="dk1"/>
+              </a:buClr>
+              <a:buSzPts val="1100"/>
+              <a:buFont typeface="Arial"/>
+              <a:buNone/>
+            </a:pPr>
+            <a:r>
+              <a:t/>
+            </a:r>
+            <a:endParaRPr>
+              <a:solidFill>
+                <a:schemeClr val="dk1"/>
+              </a:solidFill>
+            </a:endParaRPr>
           </a:p>
         </p:txBody>
       </p:sp>
@@ -2009,7 +4337,7 @@
   <p:cSld>
     <p:spTree>
       <p:nvGrpSpPr>
-        <p:cNvPr id="111" name="Shape 111"/>
+        <p:cNvPr id="113" name="Shape 113"/>
         <p:cNvGrpSpPr/>
         <p:nvPr/>
       </p:nvGrpSpPr>
@@ -2023,7 +4351,7 @@
       </p:grpSpPr>
       <p:sp>
         <p:nvSpPr>
-          <p:cNvPr id="112" name="Google Shape;112;gd251bb473_0_681:notes"/>
+          <p:cNvPr id="114" name="Google Shape;114;gd251bb473_0_600:notes"/>
           <p:cNvSpPr/>
           <p:nvPr>
             <p:ph idx="2" type="sldImg"/>
@@ -2058,7 +4386,7 @@
       </p:sp>
       <p:sp>
         <p:nvSpPr>
-          <p:cNvPr id="113" name="Google Shape;113;gd251bb473_0_681:notes"/>
+          <p:cNvPr id="115" name="Google Shape;115;gd251bb473_0_600:notes"/>
           <p:cNvSpPr txBox="1"/>
           <p:nvPr>
             <p:ph idx="1" type="body"/>
@@ -2089,6 +4417,68 @@
               <a:buNone/>
             </a:pPr>
             <a:r>
+              <a:rPr lang="en"/>
+              <a:t>How do different types of attributes impact the performance of student dropout prediction models?</a:t>
+            </a:r>
+            <a:endParaRPr/>
+          </a:p>
+          <a:p>
+            <a:pPr indent="0" lvl="0" marL="0" rtl="0" algn="l">
+              <a:spcBef>
+                <a:spcPts val="0"/>
+              </a:spcBef>
+              <a:spcAft>
+                <a:spcPts val="0"/>
+              </a:spcAft>
+              <a:buNone/>
+            </a:pPr>
+            <a:r>
+              <a:t/>
+            </a:r>
+            <a:endParaRPr/>
+          </a:p>
+          <a:p>
+            <a:pPr indent="0" lvl="0" marL="0" rtl="0" algn="l">
+              <a:spcBef>
+                <a:spcPts val="0"/>
+              </a:spcBef>
+              <a:spcAft>
+                <a:spcPts val="0"/>
+              </a:spcAft>
+              <a:buNone/>
+            </a:pPr>
+            <a:r>
+              <a:rPr lang="en"/>
+              <a:t>What are the consequences of including or excluding specific classes of features on the accuracy of student dropout predictions?</a:t>
+            </a:r>
+            <a:endParaRPr/>
+          </a:p>
+          <a:p>
+            <a:pPr indent="0" lvl="0" marL="0" rtl="0" algn="l">
+              <a:spcBef>
+                <a:spcPts val="0"/>
+              </a:spcBef>
+              <a:spcAft>
+                <a:spcPts val="0"/>
+              </a:spcAft>
+              <a:buNone/>
+            </a:pPr>
+            <a:r>
+              <a:t/>
+            </a:r>
+            <a:endParaRPr/>
+          </a:p>
+          <a:p>
+            <a:pPr indent="0" lvl="0" marL="0" rtl="0" algn="l">
+              <a:spcBef>
+                <a:spcPts val="0"/>
+              </a:spcBef>
+              <a:spcAft>
+                <a:spcPts val="0"/>
+              </a:spcAft>
+              <a:buNone/>
+            </a:pPr>
+            <a:r>
               <a:t/>
             </a:r>
             <a:endParaRPr/>
@@ -2108,7 +4498,7 @@
   <p:cSld>
     <p:spTree>
       <p:nvGrpSpPr>
-        <p:cNvPr id="117" name="Shape 117"/>
+        <p:cNvPr id="118" name="Shape 118"/>
         <p:cNvGrpSpPr/>
         <p:nvPr/>
       </p:nvGrpSpPr>
@@ -2122,7 +4512,7 @@
       </p:grpSpPr>
       <p:sp>
         <p:nvSpPr>
-          <p:cNvPr id="118" name="Google Shape;118;g2a231410b00_0_265:notes"/>
+          <p:cNvPr id="119" name="Google Shape;119;g2a231410b00_0_265:notes"/>
           <p:cNvSpPr/>
           <p:nvPr>
             <p:ph idx="2" type="sldImg"/>
@@ -2157,7 +4547,7 @@
       </p:sp>
       <p:sp>
         <p:nvSpPr>
-          <p:cNvPr id="119" name="Google Shape;119;g2a231410b00_0_265:notes"/>
+          <p:cNvPr id="120" name="Google Shape;120;g2a231410b00_0_265:notes"/>
           <p:cNvSpPr txBox="1"/>
           <p:nvPr>
             <p:ph idx="1" type="body"/>
@@ -2188,7 +4578,118 @@
               <a:buNone/>
             </a:pPr>
             <a:r>
+              <a:rPr lang="en"/>
+              <a:t>We have used Realinho’s dataset which 4424 students and 35 features. Which is </a:t>
+            </a:r>
+            <a:r>
+              <a:rPr lang="en"/>
+              <a:t>available</a:t>
+            </a:r>
+            <a:r>
+              <a:rPr lang="en"/>
+              <a:t> in UC Irving Machine Learnig Reposinbery </a:t>
+            </a:r>
+            <a:endParaRPr/>
+          </a:p>
+          <a:p>
+            <a:pPr indent="0" lvl="0" marL="0" rtl="0" algn="l">
+              <a:spcBef>
+                <a:spcPts val="0"/>
+              </a:spcBef>
+              <a:spcAft>
+                <a:spcPts val="0"/>
+              </a:spcAft>
+              <a:buNone/>
+            </a:pPr>
+            <a:r>
               <a:t/>
+            </a:r>
+            <a:endParaRPr/>
+          </a:p>
+          <a:p>
+            <a:pPr indent="0" lvl="0" marL="0" rtl="0" algn="l">
+              <a:spcBef>
+                <a:spcPts val="0"/>
+              </a:spcBef>
+              <a:spcAft>
+                <a:spcPts val="0"/>
+              </a:spcAft>
+              <a:buNone/>
+            </a:pPr>
+            <a:r>
+              <a:rPr lang="en"/>
+              <a:t>We have selected </a:t>
+            </a:r>
+            <a:r>
+              <a:rPr lang="en"/>
+              <a:t>because</a:t>
+            </a:r>
+            <a:r>
+              <a:rPr lang="en"/>
+              <a:t> it is rich in the 4 classes of feature.</a:t>
+            </a:r>
+            <a:endParaRPr/>
+          </a:p>
+          <a:p>
+            <a:pPr indent="0" lvl="0" marL="0" rtl="0" algn="l">
+              <a:spcBef>
+                <a:spcPts val="0"/>
+              </a:spcBef>
+              <a:spcAft>
+                <a:spcPts val="0"/>
+              </a:spcAft>
+              <a:buNone/>
+            </a:pPr>
+            <a:r>
+              <a:t/>
+            </a:r>
+            <a:endParaRPr/>
+          </a:p>
+          <a:p>
+            <a:pPr indent="0" lvl="0" marL="0" rtl="0" algn="l">
+              <a:spcBef>
+                <a:spcPts val="0"/>
+              </a:spcBef>
+              <a:spcAft>
+                <a:spcPts val="0"/>
+              </a:spcAft>
+              <a:buNone/>
+            </a:pPr>
+            <a:r>
+              <a:rPr lang="en"/>
+              <a:t>And Target is </a:t>
+            </a:r>
+            <a:r>
+              <a:rPr lang="en"/>
+              <a:t>defined</a:t>
+            </a:r>
+            <a:r>
+              <a:rPr lang="en"/>
+              <a:t> at the end of year three, do the student dropout, enrolled and graduate.</a:t>
+            </a:r>
+            <a:endParaRPr/>
+          </a:p>
+          <a:p>
+            <a:pPr indent="0" lvl="0" marL="0" rtl="0" algn="l">
+              <a:spcBef>
+                <a:spcPts val="0"/>
+              </a:spcBef>
+              <a:spcAft>
+                <a:spcPts val="0"/>
+              </a:spcAft>
+              <a:buNone/>
+            </a:pPr>
+            <a:r>
+              <a:rPr lang="en"/>
+              <a:t>There is also a target in </a:t>
+            </a:r>
+            <a:r>
+              <a:rPr lang="en"/>
+              <a:t>imbalance</a:t>
+            </a:r>
+            <a:r>
+              <a:rPr lang="en"/>
+              <a:t>, 32% 18% and 50%</a:t>
             </a:r>
             <a:endParaRPr/>
           </a:p>
@@ -2207,7 +4708,7 @@
   <p:cSld>
     <p:spTree>
       <p:nvGrpSpPr>
-        <p:cNvPr id="123" name="Shape 123"/>
+        <p:cNvPr id="124" name="Shape 124"/>
         <p:cNvGrpSpPr/>
         <p:nvPr/>
       </p:nvGrpSpPr>
@@ -2221,7 +4722,7 @@
       </p:grpSpPr>
       <p:sp>
         <p:nvSpPr>
-          <p:cNvPr id="124" name="Google Shape;124;g2a231410b00_0_271:notes"/>
+          <p:cNvPr id="125" name="Google Shape;125;g2a231410b00_0_271:notes"/>
           <p:cNvSpPr/>
           <p:nvPr>
             <p:ph idx="2" type="sldImg"/>
@@ -2256,7 +4757,7 @@
       </p:sp>
       <p:sp>
         <p:nvSpPr>
-          <p:cNvPr id="125" name="Google Shape;125;g2a231410b00_0_271:notes"/>
+          <p:cNvPr id="126" name="Google Shape;126;g2a231410b00_0_271:notes"/>
           <p:cNvSpPr txBox="1"/>
           <p:nvPr>
             <p:ph idx="1" type="body"/>
@@ -2276,6 +4777,153 @@
             <a:noAutofit/>
           </a:bodyPr>
           <a:lstStyle/>
+          <a:p>
+            <a:pPr indent="0" lvl="0" marL="0" rtl="0" algn="l">
+              <a:spcBef>
+                <a:spcPts val="0"/>
+              </a:spcBef>
+              <a:spcAft>
+                <a:spcPts val="0"/>
+              </a:spcAft>
+              <a:buNone/>
+            </a:pPr>
+            <a:r>
+              <a:rPr lang="en"/>
+              <a:t>Dataset is split into train validation set and test </a:t>
+            </a:r>
+            <a:r>
+              <a:rPr lang="en"/>
+              <a:t>set (80% and 20%)</a:t>
+            </a:r>
+            <a:endParaRPr/>
+          </a:p>
+          <a:p>
+            <a:pPr indent="0" lvl="0" marL="0" rtl="0" algn="l">
+              <a:spcBef>
+                <a:spcPts val="0"/>
+              </a:spcBef>
+              <a:spcAft>
+                <a:spcPts val="0"/>
+              </a:spcAft>
+              <a:buNone/>
+            </a:pPr>
+            <a:r>
+              <a:t/>
+            </a:r>
+            <a:endParaRPr/>
+          </a:p>
+          <a:p>
+            <a:pPr indent="0" lvl="0" marL="0" rtl="0" algn="l">
+              <a:spcBef>
+                <a:spcPts val="0"/>
+              </a:spcBef>
+              <a:spcAft>
+                <a:spcPts val="0"/>
+              </a:spcAft>
+              <a:buNone/>
+            </a:pPr>
+            <a:r>
+              <a:rPr lang="en"/>
+              <a:t>6 </a:t>
+            </a:r>
+            <a:r>
+              <a:rPr lang="en"/>
+              <a:t>potential model are considered using 10-fold cross validation </a:t>
+            </a:r>
+            <a:endParaRPr/>
+          </a:p>
+          <a:p>
+            <a:pPr indent="0" lvl="0" marL="0" rtl="0" algn="l">
+              <a:spcBef>
+                <a:spcPts val="0"/>
+              </a:spcBef>
+              <a:spcAft>
+                <a:spcPts val="0"/>
+              </a:spcAft>
+              <a:buNone/>
+            </a:pPr>
+            <a:r>
+              <a:rPr lang="en"/>
+              <a:t>2 random forest, Support Vector Machine, SVC Kernel, Gradien Boosting and XGBooster.</a:t>
+            </a:r>
+            <a:endParaRPr/>
+          </a:p>
+          <a:p>
+            <a:pPr indent="0" lvl="0" marL="0" rtl="0" algn="l">
+              <a:spcBef>
+                <a:spcPts val="0"/>
+              </a:spcBef>
+              <a:spcAft>
+                <a:spcPts val="0"/>
+              </a:spcAft>
+              <a:buNone/>
+            </a:pPr>
+            <a:r>
+              <a:t/>
+            </a:r>
+            <a:endParaRPr/>
+          </a:p>
+          <a:p>
+            <a:pPr indent="0" lvl="0" marL="0" rtl="0" algn="l">
+              <a:spcBef>
+                <a:spcPts val="0"/>
+              </a:spcBef>
+              <a:spcAft>
+                <a:spcPts val="0"/>
+              </a:spcAft>
+              <a:buNone/>
+            </a:pPr>
+            <a:r>
+              <a:rPr lang="en"/>
+              <a:t>The 3 model with the highest F1 and accuracy are selected.</a:t>
+            </a:r>
+            <a:endParaRPr/>
+          </a:p>
+          <a:p>
+            <a:pPr indent="0" lvl="0" marL="0" rtl="0" algn="l">
+              <a:spcBef>
+                <a:spcPts val="0"/>
+              </a:spcBef>
+              <a:spcAft>
+                <a:spcPts val="0"/>
+              </a:spcAft>
+              <a:buNone/>
+            </a:pPr>
+            <a:r>
+              <a:t/>
+            </a:r>
+            <a:endParaRPr/>
+          </a:p>
+          <a:p>
+            <a:pPr indent="0" lvl="0" marL="0" rtl="0" algn="l">
+              <a:spcBef>
+                <a:spcPts val="0"/>
+              </a:spcBef>
+              <a:spcAft>
+                <a:spcPts val="0"/>
+              </a:spcAft>
+              <a:buNone/>
+            </a:pPr>
+            <a:r>
+              <a:t/>
+            </a:r>
+            <a:endParaRPr/>
+          </a:p>
+          <a:p>
+            <a:pPr indent="0" lvl="0" marL="0" rtl="0" algn="l">
+              <a:spcBef>
+                <a:spcPts val="0"/>
+              </a:spcBef>
+              <a:spcAft>
+                <a:spcPts val="0"/>
+              </a:spcAft>
+              <a:buNone/>
+            </a:pPr>
+            <a:r>
+              <a:t/>
+            </a:r>
+            <a:endParaRPr/>
+          </a:p>
           <a:p>
             <a:pPr indent="0" lvl="0" marL="0" rtl="0" algn="l">
               <a:spcBef>
@@ -8383,7 +11031,7 @@
     </p:bg>
     <p:spTree>
       <p:nvGrpSpPr>
-        <p:cNvPr id="131" name="Shape 131"/>
+        <p:cNvPr id="132" name="Shape 132"/>
         <p:cNvGrpSpPr/>
         <p:nvPr/>
       </p:nvGrpSpPr>
@@ -8397,7 +11045,7 @@
       </p:grpSpPr>
       <p:sp>
         <p:nvSpPr>
-          <p:cNvPr id="132" name="Google Shape;132;p22"/>
+          <p:cNvPr id="133" name="Google Shape;133;p22"/>
           <p:cNvSpPr txBox="1"/>
           <p:nvPr>
             <p:ph type="title"/>
@@ -8440,7 +11088,7 @@
       </p:sp>
       <p:pic>
         <p:nvPicPr>
-          <p:cNvPr id="133" name="Google Shape;133;p22"/>
+          <p:cNvPr id="134" name="Google Shape;134;p22"/>
           <p:cNvPicPr preferRelativeResize="0"/>
           <p:nvPr/>
         </p:nvPicPr>
@@ -8479,7 +11127,7 @@
   <p:cSld>
     <p:spTree>
       <p:nvGrpSpPr>
-        <p:cNvPr id="137" name="Shape 137"/>
+        <p:cNvPr id="138" name="Shape 138"/>
         <p:cNvGrpSpPr/>
         <p:nvPr/>
       </p:nvGrpSpPr>
@@ -8493,7 +11141,7 @@
       </p:grpSpPr>
       <p:sp>
         <p:nvSpPr>
-          <p:cNvPr id="138" name="Google Shape;138;p23"/>
+          <p:cNvPr id="139" name="Google Shape;139;p23"/>
           <p:cNvSpPr txBox="1"/>
           <p:nvPr>
             <p:ph type="title"/>
@@ -8501,8 +11149,8 @@
         </p:nvSpPr>
         <p:spPr>
           <a:xfrm>
-            <a:off x="128900" y="146950"/>
-            <a:ext cx="8894700" cy="4924500"/>
+            <a:off x="283101" y="712150"/>
+            <a:ext cx="4288800" cy="3835500"/>
           </a:xfrm>
           <a:prstGeom prst="rect">
             <a:avLst/>
@@ -8532,7 +11180,7 @@
       </p:sp>
       <p:pic>
         <p:nvPicPr>
-          <p:cNvPr id="139" name="Google Shape;139;p23"/>
+          <p:cNvPr id="140" name="Google Shape;140;p23"/>
           <p:cNvPicPr preferRelativeResize="0"/>
           <p:nvPr/>
         </p:nvPicPr>
@@ -8546,8 +11194,36 @@
         </p:blipFill>
         <p:spPr>
           <a:xfrm>
-            <a:off x="128900" y="146950"/>
-            <a:ext cx="8894699" cy="4924501"/>
+            <a:off x="125000" y="169950"/>
+            <a:ext cx="4447001" cy="4651726"/>
+          </a:xfrm>
+          <a:prstGeom prst="rect">
+            <a:avLst/>
+          </a:prstGeom>
+          <a:noFill/>
+          <a:ln>
+            <a:noFill/>
+          </a:ln>
+        </p:spPr>
+      </p:pic>
+      <p:pic>
+        <p:nvPicPr>
+          <p:cNvPr id="141" name="Google Shape;141;p23"/>
+          <p:cNvPicPr preferRelativeResize="0"/>
+          <p:nvPr/>
+        </p:nvPicPr>
+        <p:blipFill>
+          <a:blip r:embed="rId4">
+            <a:alphaModFix/>
+          </a:blip>
+          <a:stretch>
+            <a:fillRect/>
+          </a:stretch>
+        </p:blipFill>
+        <p:spPr>
+          <a:xfrm>
+            <a:off x="4572000" y="169950"/>
+            <a:ext cx="4571999" cy="4651726"/>
           </a:xfrm>
           <a:prstGeom prst="rect">
             <a:avLst/>
@@ -8571,7 +11247,60 @@
   <p:cSld>
     <p:spTree>
       <p:nvGrpSpPr>
-        <p:cNvPr id="143" name="Shape 143"/>
+        <p:cNvPr id="145" name="Shape 145"/>
+        <p:cNvGrpSpPr/>
+        <p:nvPr/>
+      </p:nvGrpSpPr>
+      <p:grpSpPr>
+        <a:xfrm>
+          <a:off x="0" y="0"/>
+          <a:ext cx="0" cy="0"/>
+          <a:chOff x="0" y="0"/>
+          <a:chExt cx="0" cy="0"/>
+        </a:xfrm>
+      </p:grpSpPr>
+      <p:pic>
+        <p:nvPicPr>
+          <p:cNvPr id="146" name="Google Shape;146;p24"/>
+          <p:cNvPicPr preferRelativeResize="0"/>
+          <p:nvPr/>
+        </p:nvPicPr>
+        <p:blipFill>
+          <a:blip r:embed="rId3">
+            <a:alphaModFix/>
+          </a:blip>
+          <a:stretch>
+            <a:fillRect/>
+          </a:stretch>
+        </p:blipFill>
+        <p:spPr>
+          <a:xfrm>
+            <a:off x="0" y="0"/>
+            <a:ext cx="9211425" cy="5143499"/>
+          </a:xfrm>
+          <a:prstGeom prst="rect">
+            <a:avLst/>
+          </a:prstGeom>
+          <a:noFill/>
+          <a:ln>
+            <a:noFill/>
+          </a:ln>
+        </p:spPr>
+      </p:pic>
+    </p:spTree>
+  </p:cSld>
+  <p:clrMapOvr>
+    <a:masterClrMapping/>
+  </p:clrMapOvr>
+</p:sld>
+</file>
+
+<file path=ppt/slides/slide13.xml><?xml version="1.0" encoding="utf-8"?>
+<p:sld xmlns:a="http://schemas.openxmlformats.org/drawingml/2006/main" xmlns:r="http://schemas.openxmlformats.org/officeDocument/2006/relationships" xmlns:mc="http://schemas.openxmlformats.org/markup-compatibility/2006" xmlns:mv="urn:schemas-microsoft-com:mac:vml" xmlns:p="http://schemas.openxmlformats.org/presentationml/2006/main" xmlns:c="http://schemas.openxmlformats.org/drawingml/2006/chart" xmlns:dgm="http://schemas.openxmlformats.org/drawingml/2006/diagram" xmlns:o="urn:schemas-microsoft-com:office:office" xmlns:v="urn:schemas-microsoft-com:vml" xmlns:pvml="urn:schemas-microsoft-com:office:powerpoint" xmlns:com="http://schemas.openxmlformats.org/drawingml/2006/compatibility" xmlns:p14="http://schemas.microsoft.com/office/powerpoint/2010/main" xmlns:p15="http://schemas.microsoft.com/office/powerpoint/2012/main" xmlns:ahyp="http://schemas.microsoft.com/office/drawing/2018/hyperlinkcolor">
+  <p:cSld>
+    <p:spTree>
+      <p:nvGrpSpPr>
+        <p:cNvPr id="150" name="Shape 150"/>
         <p:cNvGrpSpPr/>
         <p:nvPr/>
       </p:nvGrpSpPr>
@@ -8585,7 +11314,7 @@
       </p:grpSpPr>
       <p:sp>
         <p:nvSpPr>
-          <p:cNvPr id="144" name="Google Shape;144;p24"/>
+          <p:cNvPr id="151" name="Google Shape;151;p25"/>
           <p:cNvSpPr txBox="1"/>
           <p:nvPr>
             <p:ph type="title"/>
@@ -8768,7 +11497,7 @@
             </a:pPr>
             <a:r>
               <a:rPr lang="en" sz="1700"/>
-              <a:t>Model with all the data (s4) performs best, with 79.89% accuracy (5.1% increase)</a:t>
+              <a:t>Model with all the data (s4) performs the best, with 79.89% accuracy (5.1% increase)</a:t>
             </a:r>
             <a:endParaRPr sz="1700"/>
           </a:p>
@@ -8799,7 +11528,7 @@
             </a:pPr>
             <a:r>
               <a:rPr lang="en" sz="1700"/>
-              <a:t>Model with just demographic and socioeconomic data shows worst performance 57.24% accuracy ( decrease in  17.47%)</a:t>
+              <a:t>Model with just demographic and socioeconomic data shows the worst performance 57.24% accuracy ( decrease in  17.47%)</a:t>
             </a:r>
             <a:endParaRPr sz="1700"/>
           </a:p>
@@ -8829,12 +11558,12 @@
 </p:sld>
 </file>
 
-<file path=ppt/slides/slide13.xml><?xml version="1.0" encoding="utf-8"?>
+<file path=ppt/slides/slide14.xml><?xml version="1.0" encoding="utf-8"?>
 <p:sld xmlns:a="http://schemas.openxmlformats.org/drawingml/2006/main" xmlns:r="http://schemas.openxmlformats.org/officeDocument/2006/relationships" xmlns:mc="http://schemas.openxmlformats.org/markup-compatibility/2006" xmlns:mv="urn:schemas-microsoft-com:mac:vml" xmlns:p="http://schemas.openxmlformats.org/presentationml/2006/main" xmlns:c="http://schemas.openxmlformats.org/drawingml/2006/chart" xmlns:dgm="http://schemas.openxmlformats.org/drawingml/2006/diagram" xmlns:o="urn:schemas-microsoft-com:office:office" xmlns:v="urn:schemas-microsoft-com:vml" xmlns:pvml="urn:schemas-microsoft-com:office:powerpoint" xmlns:com="http://schemas.openxmlformats.org/drawingml/2006/compatibility" xmlns:p14="http://schemas.microsoft.com/office/powerpoint/2010/main" xmlns:p15="http://schemas.microsoft.com/office/powerpoint/2012/main" xmlns:ahyp="http://schemas.microsoft.com/office/drawing/2018/hyperlinkcolor">
   <p:cSld>
     <p:spTree>
       <p:nvGrpSpPr>
-        <p:cNvPr id="148" name="Shape 148"/>
+        <p:cNvPr id="155" name="Shape 155"/>
         <p:cNvGrpSpPr/>
         <p:nvPr/>
       </p:nvGrpSpPr>
@@ -8848,7 +11577,7 @@
       </p:grpSpPr>
       <p:sp>
         <p:nvSpPr>
-          <p:cNvPr id="149" name="Google Shape;149;p25"/>
+          <p:cNvPr id="156" name="Google Shape;156;p26"/>
           <p:cNvSpPr txBox="1"/>
           <p:nvPr>
             <p:ph type="title"/>
@@ -8978,12 +11707,12 @@
 </p:sld>
 </file>
 
-<file path=ppt/slides/slide14.xml><?xml version="1.0" encoding="utf-8"?>
+<file path=ppt/slides/slide15.xml><?xml version="1.0" encoding="utf-8"?>
 <p:sld xmlns:a="http://schemas.openxmlformats.org/drawingml/2006/main" xmlns:r="http://schemas.openxmlformats.org/officeDocument/2006/relationships" xmlns:mc="http://schemas.openxmlformats.org/markup-compatibility/2006" xmlns:mv="urn:schemas-microsoft-com:mac:vml" xmlns:p="http://schemas.openxmlformats.org/presentationml/2006/main" xmlns:c="http://schemas.openxmlformats.org/drawingml/2006/chart" xmlns:dgm="http://schemas.openxmlformats.org/drawingml/2006/diagram" xmlns:o="urn:schemas-microsoft-com:office:office" xmlns:v="urn:schemas-microsoft-com:vml" xmlns:pvml="urn:schemas-microsoft-com:office:powerpoint" xmlns:com="http://schemas.openxmlformats.org/drawingml/2006/compatibility" xmlns:p14="http://schemas.microsoft.com/office/powerpoint/2010/main" xmlns:p15="http://schemas.microsoft.com/office/powerpoint/2012/main" xmlns:ahyp="http://schemas.microsoft.com/office/drawing/2018/hyperlinkcolor">
   <p:cSld>
     <p:spTree>
       <p:nvGrpSpPr>
-        <p:cNvPr id="153" name="Shape 153"/>
+        <p:cNvPr id="160" name="Shape 160"/>
         <p:cNvGrpSpPr/>
         <p:nvPr/>
       </p:nvGrpSpPr>
@@ -8997,7 +11726,7 @@
       </p:grpSpPr>
       <p:sp>
         <p:nvSpPr>
-          <p:cNvPr id="154" name="Google Shape;154;p26"/>
+          <p:cNvPr id="161" name="Google Shape;161;p27"/>
           <p:cNvSpPr txBox="1"/>
           <p:nvPr>
             <p:ph type="title"/>
@@ -9167,12 +11896,12 @@
 </p:sld>
 </file>
 
-<file path=ppt/slides/slide15.xml><?xml version="1.0" encoding="utf-8"?>
+<file path=ppt/slides/slide16.xml><?xml version="1.0" encoding="utf-8"?>
 <p:sld xmlns:a="http://schemas.openxmlformats.org/drawingml/2006/main" xmlns:r="http://schemas.openxmlformats.org/officeDocument/2006/relationships" xmlns:mc="http://schemas.openxmlformats.org/markup-compatibility/2006" xmlns:mv="urn:schemas-microsoft-com:mac:vml" xmlns:p="http://schemas.openxmlformats.org/presentationml/2006/main" xmlns:c="http://schemas.openxmlformats.org/drawingml/2006/chart" xmlns:dgm="http://schemas.openxmlformats.org/drawingml/2006/diagram" xmlns:o="urn:schemas-microsoft-com:office:office" xmlns:v="urn:schemas-microsoft-com:vml" xmlns:pvml="urn:schemas-microsoft-com:office:powerpoint" xmlns:com="http://schemas.openxmlformats.org/drawingml/2006/compatibility" xmlns:p14="http://schemas.microsoft.com/office/powerpoint/2010/main" xmlns:p15="http://schemas.microsoft.com/office/powerpoint/2012/main" xmlns:ahyp="http://schemas.microsoft.com/office/drawing/2018/hyperlinkcolor">
   <p:cSld>
     <p:spTree>
       <p:nvGrpSpPr>
-        <p:cNvPr id="158" name="Shape 158"/>
+        <p:cNvPr id="165" name="Shape 165"/>
         <p:cNvGrpSpPr/>
         <p:nvPr/>
       </p:nvGrpSpPr>
@@ -9186,7 +11915,99 @@
       </p:grpSpPr>
       <p:sp>
         <p:nvSpPr>
-          <p:cNvPr id="159" name="Google Shape;159;p27"/>
+          <p:cNvPr id="166" name="Google Shape;166;p28"/>
+          <p:cNvSpPr txBox="1"/>
+          <p:nvPr>
+            <p:ph type="title"/>
+          </p:nvPr>
+        </p:nvSpPr>
+        <p:spPr>
+          <a:xfrm>
+            <a:off x="210350" y="93825"/>
+            <a:ext cx="8788200" cy="4903800"/>
+          </a:xfrm>
+          <a:prstGeom prst="rect">
+            <a:avLst/>
+          </a:prstGeom>
+        </p:spPr>
+        <p:txBody>
+          <a:bodyPr anchorCtr="0" anchor="ctr" bIns="91425" lIns="91425" spcFirstLastPara="1" rIns="91425" wrap="square" tIns="91425">
+            <a:normAutofit/>
+          </a:bodyPr>
+          <a:lstStyle/>
+          <a:p>
+            <a:pPr indent="0" lvl="0" marL="0" rtl="0" algn="l">
+              <a:spcBef>
+                <a:spcPts val="0"/>
+              </a:spcBef>
+              <a:spcAft>
+                <a:spcPts val="0"/>
+              </a:spcAft>
+              <a:buNone/>
+            </a:pPr>
+            <a:r>
+              <a:t/>
+            </a:r>
+            <a:endParaRPr/>
+          </a:p>
+        </p:txBody>
+      </p:sp>
+      <p:pic>
+        <p:nvPicPr>
+          <p:cNvPr id="167" name="Google Shape;167;p28"/>
+          <p:cNvPicPr preferRelativeResize="0"/>
+          <p:nvPr/>
+        </p:nvPicPr>
+        <p:blipFill>
+          <a:blip r:embed="rId3">
+            <a:alphaModFix/>
+          </a:blip>
+          <a:stretch>
+            <a:fillRect/>
+          </a:stretch>
+        </p:blipFill>
+        <p:spPr>
+          <a:xfrm>
+            <a:off x="210350" y="90500"/>
+            <a:ext cx="8788201" cy="4901199"/>
+          </a:xfrm>
+          <a:prstGeom prst="rect">
+            <a:avLst/>
+          </a:prstGeom>
+          <a:noFill/>
+          <a:ln>
+            <a:noFill/>
+          </a:ln>
+        </p:spPr>
+      </p:pic>
+    </p:spTree>
+  </p:cSld>
+  <p:clrMapOvr>
+    <a:masterClrMapping/>
+  </p:clrMapOvr>
+</p:sld>
+</file>
+
+<file path=ppt/slides/slide17.xml><?xml version="1.0" encoding="utf-8"?>
+<p:sld xmlns:a="http://schemas.openxmlformats.org/drawingml/2006/main" xmlns:r="http://schemas.openxmlformats.org/officeDocument/2006/relationships" xmlns:mc="http://schemas.openxmlformats.org/markup-compatibility/2006" xmlns:mv="urn:schemas-microsoft-com:mac:vml" xmlns:p="http://schemas.openxmlformats.org/presentationml/2006/main" xmlns:c="http://schemas.openxmlformats.org/drawingml/2006/chart" xmlns:dgm="http://schemas.openxmlformats.org/drawingml/2006/diagram" xmlns:o="urn:schemas-microsoft-com:office:office" xmlns:v="urn:schemas-microsoft-com:vml" xmlns:pvml="urn:schemas-microsoft-com:office:powerpoint" xmlns:com="http://schemas.openxmlformats.org/drawingml/2006/compatibility" xmlns:p14="http://schemas.microsoft.com/office/powerpoint/2010/main" xmlns:p15="http://schemas.microsoft.com/office/powerpoint/2012/main" xmlns:ahyp="http://schemas.microsoft.com/office/drawing/2018/hyperlinkcolor">
+  <p:cSld>
+    <p:spTree>
+      <p:nvGrpSpPr>
+        <p:cNvPr id="171" name="Shape 171"/>
+        <p:cNvGrpSpPr/>
+        <p:nvPr/>
+      </p:nvGrpSpPr>
+      <p:grpSpPr>
+        <a:xfrm>
+          <a:off x="0" y="0"/>
+          <a:ext cx="0" cy="0"/>
+          <a:chOff x="0" y="0"/>
+          <a:chExt cx="0" cy="0"/>
+        </a:xfrm>
+      </p:grpSpPr>
+      <p:sp>
+        <p:nvSpPr>
+          <p:cNvPr id="172" name="Google Shape;172;p29"/>
           <p:cNvSpPr txBox="1"/>
           <p:nvPr>
             <p:ph type="title"/>
@@ -9334,7 +12155,7 @@
             </a:pPr>
             <a:r>
               <a:rPr lang="en" sz="1740"/>
-              <a:t>Contributes to study of use of AI Fairness and ML-based decision making in Dropout Prediction and informed decision in the use of sensitive features in dropout prediction.</a:t>
+              <a:t>Contributes to study of AI Fairness and ML-based decision making.</a:t>
             </a:r>
             <a:endParaRPr sz="1740"/>
           </a:p>
@@ -9412,12 +12233,12 @@
 </p:sld>
 </file>
 
-<file path=ppt/slides/slide16.xml><?xml version="1.0" encoding="utf-8"?>
+<file path=ppt/slides/slide18.xml><?xml version="1.0" encoding="utf-8"?>
 <p:sld xmlns:a="http://schemas.openxmlformats.org/drawingml/2006/main" xmlns:r="http://schemas.openxmlformats.org/officeDocument/2006/relationships" xmlns:mc="http://schemas.openxmlformats.org/markup-compatibility/2006" xmlns:mv="urn:schemas-microsoft-com:mac:vml" xmlns:p="http://schemas.openxmlformats.org/presentationml/2006/main" xmlns:c="http://schemas.openxmlformats.org/drawingml/2006/chart" xmlns:dgm="http://schemas.openxmlformats.org/drawingml/2006/diagram" xmlns:o="urn:schemas-microsoft-com:office:office" xmlns:v="urn:schemas-microsoft-com:vml" xmlns:pvml="urn:schemas-microsoft-com:office:powerpoint" xmlns:com="http://schemas.openxmlformats.org/drawingml/2006/compatibility" xmlns:p14="http://schemas.microsoft.com/office/powerpoint/2010/main" xmlns:p15="http://schemas.microsoft.com/office/powerpoint/2012/main" xmlns:ahyp="http://schemas.microsoft.com/office/drawing/2018/hyperlinkcolor">
   <p:cSld>
     <p:spTree>
       <p:nvGrpSpPr>
-        <p:cNvPr id="163" name="Shape 163"/>
+        <p:cNvPr id="176" name="Shape 176"/>
         <p:cNvGrpSpPr/>
         <p:nvPr/>
       </p:nvGrpSpPr>
@@ -9431,7 +12252,7 @@
       </p:grpSpPr>
       <p:sp>
         <p:nvSpPr>
-          <p:cNvPr id="164" name="Google Shape;164;p28"/>
+          <p:cNvPr id="177" name="Google Shape;177;p30"/>
           <p:cNvSpPr txBox="1"/>
           <p:nvPr>
             <p:ph type="title"/>
@@ -9549,9 +12370,74 @@
             </a:r>
             <a:r>
               <a:rPr lang="en" sz="2100"/>
-              <a:t>methodology: three models, 5 subsets and three classes. A simpler approach (two subset and a binary models) would be easier to understand and execute.</a:t>
+              <a:t>methodology: three models, 5 subsets and three classes. A simpler approach (two subset and a binary (graduate, non-graduate models) would be easier to understand and execute.</a:t>
             </a:r>
             <a:endParaRPr sz="2100"/>
+          </a:p>
+        </p:txBody>
+      </p:sp>
+    </p:spTree>
+  </p:cSld>
+  <p:clrMapOvr>
+    <a:masterClrMapping/>
+  </p:clrMapOvr>
+</p:sld>
+</file>
+
+<file path=ppt/slides/slide19.xml><?xml version="1.0" encoding="utf-8"?>
+<p:sld xmlns:a="http://schemas.openxmlformats.org/drawingml/2006/main" xmlns:r="http://schemas.openxmlformats.org/officeDocument/2006/relationships" xmlns:mc="http://schemas.openxmlformats.org/markup-compatibility/2006" xmlns:mv="urn:schemas-microsoft-com:mac:vml" xmlns:p="http://schemas.openxmlformats.org/presentationml/2006/main" xmlns:c="http://schemas.openxmlformats.org/drawingml/2006/chart" xmlns:dgm="http://schemas.openxmlformats.org/drawingml/2006/diagram" xmlns:o="urn:schemas-microsoft-com:office:office" xmlns:v="urn:schemas-microsoft-com:vml" xmlns:pvml="urn:schemas-microsoft-com:office:powerpoint" xmlns:com="http://schemas.openxmlformats.org/drawingml/2006/compatibility" xmlns:p14="http://schemas.microsoft.com/office/powerpoint/2010/main" xmlns:p15="http://schemas.microsoft.com/office/powerpoint/2012/main" xmlns:ahyp="http://schemas.microsoft.com/office/drawing/2018/hyperlinkcolor">
+  <p:cSld>
+    <p:spTree>
+      <p:nvGrpSpPr>
+        <p:cNvPr id="181" name="Shape 181"/>
+        <p:cNvGrpSpPr/>
+        <p:nvPr/>
+      </p:nvGrpSpPr>
+      <p:grpSpPr>
+        <a:xfrm>
+          <a:off x="0" y="0"/>
+          <a:ext cx="0" cy="0"/>
+          <a:chOff x="0" y="0"/>
+          <a:chExt cx="0" cy="0"/>
+        </a:xfrm>
+      </p:grpSpPr>
+      <p:sp>
+        <p:nvSpPr>
+          <p:cNvPr id="182" name="Google Shape;182;p31"/>
+          <p:cNvSpPr txBox="1"/>
+          <p:nvPr>
+            <p:ph type="title"/>
+          </p:nvPr>
+        </p:nvSpPr>
+        <p:spPr>
+          <a:xfrm>
+            <a:off x="283103" y="712141"/>
+            <a:ext cx="6244200" cy="3835500"/>
+          </a:xfrm>
+          <a:prstGeom prst="rect">
+            <a:avLst/>
+          </a:prstGeom>
+        </p:spPr>
+        <p:txBody>
+          <a:bodyPr anchorCtr="0" anchor="ctr" bIns="91425" lIns="91425" spcFirstLastPara="1" rIns="91425" wrap="square" tIns="91425">
+            <a:normAutofit/>
+          </a:bodyPr>
+          <a:lstStyle/>
+          <a:p>
+            <a:pPr indent="0" lvl="0" marL="0" rtl="0" algn="l">
+              <a:spcBef>
+                <a:spcPts val="0"/>
+              </a:spcBef>
+              <a:spcAft>
+                <a:spcPts val="0"/>
+              </a:spcAft>
+              <a:buNone/>
+            </a:pPr>
+            <a:r>
+              <a:rPr lang="en"/>
+              <a:t>Thank you.</a:t>
+            </a:r>
+            <a:endParaRPr/>
           </a:p>
         </p:txBody>
       </p:sp>
@@ -10644,8 +13530,8 @@
         </p:nvSpPr>
         <p:spPr>
           <a:xfrm>
-            <a:off x="292775" y="364950"/>
-            <a:ext cx="8347500" cy="4413600"/>
+            <a:off x="545575" y="364950"/>
+            <a:ext cx="8089200" cy="4413600"/>
           </a:xfrm>
           <a:prstGeom prst="rect">
             <a:avLst/>
@@ -10653,7 +13539,7 @@
         </p:spPr>
         <p:txBody>
           <a:bodyPr anchorCtr="0" anchor="t" bIns="91425" lIns="91425" spcFirstLastPara="1" rIns="91425" wrap="square" tIns="91425">
-            <a:normAutofit fontScale="25000" lnSpcReduction="20000"/>
+            <a:normAutofit fontScale="25000"/>
           </a:bodyPr>
           <a:lstStyle/>
           <a:p>
@@ -10673,52 +13559,7 @@
                 <a:cs typeface="Raleway"/>
                 <a:sym typeface="Raleway"/>
               </a:rPr>
-              <a:t>Two studies </a:t>
-            </a:r>
-            <a:r>
-              <a:rPr b="1" lang="en" sz="6235">
-                <a:latin typeface="Raleway"/>
-                <a:ea typeface="Raleway"/>
-                <a:cs typeface="Raleway"/>
-                <a:sym typeface="Raleway"/>
-              </a:rPr>
-              <a:t>focused</a:t>
-            </a:r>
-            <a:r>
-              <a:rPr b="1" lang="en" sz="6235">
-                <a:latin typeface="Raleway"/>
-                <a:ea typeface="Raleway"/>
-                <a:cs typeface="Raleway"/>
-                <a:sym typeface="Raleway"/>
-              </a:rPr>
-              <a:t> on </a:t>
-            </a:r>
-            <a:r>
-              <a:rPr b="1" lang="en" sz="6235">
-                <a:latin typeface="Raleway"/>
-                <a:ea typeface="Raleway"/>
-                <a:cs typeface="Raleway"/>
-                <a:sym typeface="Raleway"/>
-              </a:rPr>
-              <a:t>Algorithm</a:t>
-            </a:r>
-            <a:r>
-              <a:rPr b="1" lang="en" sz="6235">
-                <a:latin typeface="Raleway"/>
-                <a:ea typeface="Raleway"/>
-                <a:cs typeface="Raleway"/>
-                <a:sym typeface="Raleway"/>
-              </a:rPr>
-              <a:t> Fairness and Model </a:t>
-            </a:r>
-            <a:r>
-              <a:rPr b="1" lang="en" sz="6235">
-                <a:latin typeface="Raleway"/>
-                <a:ea typeface="Raleway"/>
-                <a:cs typeface="Raleway"/>
-                <a:sym typeface="Raleway"/>
-              </a:rPr>
-              <a:t>Performance</a:t>
+              <a:t>Two studies focused on Algorithm Fairness and Model Performance</a:t>
             </a:r>
             <a:endParaRPr b="1" sz="6235">
               <a:latin typeface="Raleway"/>
@@ -10804,6 +13645,62 @@
               <a:spcAft>
                 <a:spcPts val="0"/>
               </a:spcAft>
+              <a:buClr>
+                <a:schemeClr val="dk2"/>
+              </a:buClr>
+              <a:buSzPts val="275"/>
+              <a:buFont typeface="Arial"/>
+              <a:buNone/>
+            </a:pPr>
+            <a:r>
+              <a:t/>
+            </a:r>
+            <a:endParaRPr b="1" sz="5022">
+              <a:highlight>
+                <a:srgbClr val="FFFFFF"/>
+              </a:highlight>
+              <a:latin typeface="Arial"/>
+              <a:ea typeface="Arial"/>
+              <a:cs typeface="Arial"/>
+              <a:sym typeface="Arial"/>
+            </a:endParaRPr>
+          </a:p>
+          <a:p>
+            <a:pPr indent="0" lvl="0" marL="0" rtl="0" algn="l">
+              <a:spcBef>
+                <a:spcPts val="1200"/>
+              </a:spcBef>
+              <a:spcAft>
+                <a:spcPts val="0"/>
+              </a:spcAft>
+              <a:buClr>
+                <a:schemeClr val="dk2"/>
+              </a:buClr>
+              <a:buSzPts val="275"/>
+              <a:buFont typeface="Arial"/>
+              <a:buNone/>
+            </a:pPr>
+            <a:r>
+              <a:t/>
+            </a:r>
+            <a:endParaRPr b="1" sz="5022">
+              <a:highlight>
+                <a:srgbClr val="FFFFFF"/>
+              </a:highlight>
+              <a:latin typeface="Arial"/>
+              <a:ea typeface="Arial"/>
+              <a:cs typeface="Arial"/>
+              <a:sym typeface="Arial"/>
+            </a:endParaRPr>
+          </a:p>
+          <a:p>
+            <a:pPr indent="0" lvl="0" marL="0" rtl="0" algn="l">
+              <a:spcBef>
+                <a:spcPts val="1200"/>
+              </a:spcBef>
+              <a:spcAft>
+                <a:spcPts val="0"/>
+              </a:spcAft>
               <a:buNone/>
             </a:pPr>
             <a:r>
@@ -10826,244 +13723,18 @@
             </a:endParaRPr>
           </a:p>
           <a:p>
-            <a:pPr indent="-250825" lvl="0" marL="457200" rtl="0" algn="l">
+            <a:pPr indent="0" lvl="0" marL="457200" rtl="0" algn="l">
               <a:spcBef>
                 <a:spcPts val="1600"/>
               </a:spcBef>
               <a:spcAft>
                 <a:spcPts val="0"/>
               </a:spcAft>
-              <a:buClr>
-                <a:schemeClr val="accent3"/>
-              </a:buClr>
-              <a:buSzPts val="350"/>
-              <a:buFont typeface="Raleway"/>
-              <a:buChar char="➔"/>
-            </a:pPr>
-            <a:r>
-              <a:rPr b="1" lang="en" sz="5659">
-                <a:solidFill>
-                  <a:schemeClr val="lt2"/>
-                </a:solidFill>
-                <a:latin typeface="Raleway"/>
-                <a:ea typeface="Raleway"/>
-                <a:cs typeface="Raleway"/>
-                <a:sym typeface="Raleway"/>
-              </a:rPr>
-              <a:t>Protected attribute </a:t>
-            </a:r>
-            <a:br>
-              <a:rPr lang="en" sz="5659">
-                <a:latin typeface="Raleway"/>
-                <a:ea typeface="Raleway"/>
-                <a:cs typeface="Raleway"/>
-                <a:sym typeface="Raleway"/>
-              </a:rPr>
-            </a:br>
-            <a:r>
-              <a:rPr lang="en" sz="5459">
-                <a:latin typeface="Raleway"/>
-                <a:ea typeface="Raleway"/>
-                <a:cs typeface="Raleway"/>
-                <a:sym typeface="Raleway"/>
-              </a:rPr>
-              <a:t>Binary = Male, Female, High Income / </a:t>
-            </a:r>
-            <a:r>
-              <a:rPr lang="en" sz="5459">
-                <a:latin typeface="Raleway"/>
-                <a:ea typeface="Raleway"/>
-                <a:cs typeface="Raleway"/>
-                <a:sym typeface="Raleway"/>
-              </a:rPr>
-              <a:t>Low Income, etc</a:t>
-            </a:r>
-            <a:endParaRPr sz="5459">
-              <a:latin typeface="Raleway"/>
-              <a:ea typeface="Raleway"/>
-              <a:cs typeface="Raleway"/>
-              <a:sym typeface="Raleway"/>
-            </a:endParaRPr>
-          </a:p>
-          <a:p>
-            <a:pPr indent="-250825" lvl="0" marL="457200" rtl="0" algn="l">
-              <a:spcBef>
-                <a:spcPts val="1000"/>
-              </a:spcBef>
-              <a:spcAft>
-                <a:spcPts val="0"/>
-              </a:spcAft>
-              <a:buClr>
-                <a:schemeClr val="accent3"/>
-              </a:buClr>
-              <a:buSzPts val="350"/>
-              <a:buFont typeface="Raleway"/>
-              <a:buChar char="➔"/>
-            </a:pPr>
-            <a:r>
-              <a:rPr b="1" lang="en" sz="5659">
-                <a:solidFill>
-                  <a:schemeClr val="lt2"/>
-                </a:solidFill>
-                <a:latin typeface="Raleway"/>
-                <a:ea typeface="Raleway"/>
-                <a:cs typeface="Raleway"/>
-                <a:sym typeface="Raleway"/>
-              </a:rPr>
-              <a:t>Privileged</a:t>
-            </a:r>
-            <a:r>
-              <a:rPr b="1" lang="en" sz="5659">
-                <a:solidFill>
-                  <a:schemeClr val="lt2"/>
-                </a:solidFill>
-                <a:latin typeface="Raleway"/>
-                <a:ea typeface="Raleway"/>
-                <a:cs typeface="Raleway"/>
-                <a:sym typeface="Raleway"/>
-              </a:rPr>
-              <a:t> Class </a:t>
-            </a:r>
-            <a:br>
-              <a:rPr lang="en" sz="5659">
-                <a:latin typeface="Raleway"/>
-                <a:ea typeface="Raleway"/>
-                <a:cs typeface="Raleway"/>
-                <a:sym typeface="Raleway"/>
-              </a:rPr>
-            </a:br>
-            <a:r>
-              <a:rPr lang="en" sz="5459">
-                <a:latin typeface="Raleway"/>
-                <a:ea typeface="Raleway"/>
-                <a:cs typeface="Raleway"/>
-                <a:sym typeface="Raleway"/>
-              </a:rPr>
-              <a:t>Male vs Female</a:t>
-            </a:r>
-            <a:endParaRPr sz="5459">
-              <a:latin typeface="Raleway"/>
-              <a:ea typeface="Raleway"/>
-              <a:cs typeface="Raleway"/>
-              <a:sym typeface="Raleway"/>
-            </a:endParaRPr>
-          </a:p>
-          <a:p>
-            <a:pPr indent="-250825" lvl="0" marL="457200" rtl="0" algn="l">
-              <a:spcBef>
-                <a:spcPts val="1000"/>
-              </a:spcBef>
-              <a:spcAft>
-                <a:spcPts val="0"/>
-              </a:spcAft>
-              <a:buClr>
-                <a:schemeClr val="accent3"/>
-              </a:buClr>
-              <a:buSzPts val="350"/>
-              <a:buFont typeface="Raleway"/>
-              <a:buChar char="➔"/>
-            </a:pPr>
-            <a:r>
-              <a:rPr b="1" lang="en" sz="5659">
-                <a:solidFill>
-                  <a:schemeClr val="lt2"/>
-                </a:solidFill>
-                <a:latin typeface="Raleway"/>
-                <a:ea typeface="Raleway"/>
-                <a:cs typeface="Raleway"/>
-                <a:sym typeface="Raleway"/>
-              </a:rPr>
-              <a:t>Favorite</a:t>
-            </a:r>
-            <a:r>
-              <a:rPr b="1" lang="en" sz="5659">
-                <a:solidFill>
-                  <a:schemeClr val="lt2"/>
-                </a:solidFill>
-                <a:latin typeface="Raleway"/>
-                <a:ea typeface="Raleway"/>
-                <a:cs typeface="Raleway"/>
-                <a:sym typeface="Raleway"/>
-              </a:rPr>
-              <a:t> Outcome</a:t>
-            </a:r>
-            <a:br>
-              <a:rPr lang="en" sz="5659">
-                <a:latin typeface="Raleway"/>
-                <a:ea typeface="Raleway"/>
-                <a:cs typeface="Raleway"/>
-                <a:sym typeface="Raleway"/>
-              </a:rPr>
-            </a:br>
-            <a:r>
-              <a:rPr lang="en" sz="5459">
-                <a:latin typeface="Raleway"/>
-                <a:ea typeface="Raleway"/>
-                <a:cs typeface="Raleway"/>
-                <a:sym typeface="Raleway"/>
-              </a:rPr>
-              <a:t>Likely to Dropout / </a:t>
-            </a:r>
-            <a:r>
-              <a:rPr lang="en" sz="5459">
-                <a:latin typeface="Raleway"/>
-                <a:ea typeface="Raleway"/>
-                <a:cs typeface="Raleway"/>
-                <a:sym typeface="Raleway"/>
-              </a:rPr>
-              <a:t>Graduate</a:t>
-            </a:r>
-            <a:r>
-              <a:rPr lang="en" sz="5459">
-                <a:latin typeface="Raleway"/>
-                <a:ea typeface="Raleway"/>
-                <a:cs typeface="Raleway"/>
-                <a:sym typeface="Raleway"/>
-              </a:rPr>
-              <a:t> </a:t>
-            </a:r>
-            <a:endParaRPr sz="5459">
-              <a:latin typeface="Raleway"/>
-              <a:ea typeface="Raleway"/>
-              <a:cs typeface="Raleway"/>
-              <a:sym typeface="Raleway"/>
-            </a:endParaRPr>
-          </a:p>
-          <a:p>
-            <a:pPr indent="-247650" lvl="0" marL="457200" rtl="0" algn="l">
-              <a:spcBef>
-                <a:spcPts val="1000"/>
-              </a:spcBef>
-              <a:spcAft>
-                <a:spcPts val="0"/>
-              </a:spcAft>
-              <a:buClr>
-                <a:schemeClr val="accent3"/>
-              </a:buClr>
-              <a:buSzPts val="300"/>
-              <a:buFont typeface="Raleway"/>
-              <a:buChar char="➔"/>
-            </a:pPr>
-            <a:r>
-              <a:rPr b="1" lang="en" sz="5659">
-                <a:solidFill>
-                  <a:schemeClr val="lt2"/>
-                </a:solidFill>
-                <a:latin typeface="Raleway"/>
-                <a:ea typeface="Raleway"/>
-                <a:cs typeface="Raleway"/>
-                <a:sym typeface="Raleway"/>
-              </a:rPr>
-              <a:t>Comparison Based on Blind and Aware Dateses</a:t>
-            </a:r>
-            <a:br>
-              <a:rPr lang="en" sz="3659">
-                <a:latin typeface="Raleway"/>
-                <a:ea typeface="Raleway"/>
-                <a:cs typeface="Raleway"/>
-                <a:sym typeface="Raleway"/>
-              </a:rPr>
-            </a:br>
+              <a:buNone/>
+            </a:pPr>
+            <a:r>
+              <a:t/>
+            </a:r>
             <a:endParaRPr sz="2846">
               <a:latin typeface="Raleway"/>
               <a:ea typeface="Raleway"/>
@@ -11082,22 +13753,33 @@
               <a:buNone/>
             </a:pPr>
             <a:r>
+              <a:t/>
+            </a:r>
+            <a:endParaRPr sz="5128">
+              <a:latin typeface="Raleway"/>
+              <a:ea typeface="Raleway"/>
+              <a:cs typeface="Raleway"/>
+              <a:sym typeface="Raleway"/>
+            </a:endParaRPr>
+          </a:p>
+          <a:p>
+            <a:pPr indent="0" lvl="0" marL="0" rtl="0" algn="l">
+              <a:spcBef>
+                <a:spcPts val="1000"/>
+              </a:spcBef>
+              <a:spcAft>
+                <a:spcPts val="0"/>
+              </a:spcAft>
+              <a:buNone/>
+            </a:pPr>
+            <a:r>
               <a:rPr lang="en" sz="5128">
                 <a:latin typeface="Raleway"/>
                 <a:ea typeface="Raleway"/>
                 <a:cs typeface="Raleway"/>
                 <a:sym typeface="Raleway"/>
               </a:rPr>
-              <a:t>Features are </a:t>
-            </a:r>
-            <a:r>
-              <a:rPr lang="en" sz="5128">
-                <a:latin typeface="Raleway"/>
-                <a:ea typeface="Raleway"/>
-                <a:cs typeface="Raleway"/>
-                <a:sym typeface="Raleway"/>
-              </a:rPr>
-              <a:t>considered as isolation instances, rather than part of a cluster.</a:t>
+              <a:t>Features are considered as isolation instances, rather than part of a cluster.</a:t>
             </a:r>
             <a:endParaRPr sz="5128">
               <a:latin typeface="Raleway"/>
@@ -11134,6 +13816,167 @@
           </a:p>
         </p:txBody>
       </p:sp>
+      <p:graphicFrame>
+        <p:nvGraphicFramePr>
+          <p:cNvPr id="106" name="Google Shape;106;p17"/>
+          <p:cNvGraphicFramePr/>
+          <p:nvPr/>
+        </p:nvGraphicFramePr>
+        <p:xfrm>
+          <a:off x="952500" y="2190750"/>
+          <a:ext cx="3000000" cy="3000000"/>
+        </p:xfrm>
+        <a:graphic>
+          <a:graphicData uri="http://schemas.openxmlformats.org/drawingml/2006/table">
+            <a:tbl>
+              <a:tblPr>
+                <a:noFill/>
+                <a:tableStyleId>{EDE1B752-4134-47A3-B221-1D3DB82DECA0}</a:tableStyleId>
+              </a:tblPr>
+              <a:tblGrid>
+                <a:gridCol w="3619500"/>
+                <a:gridCol w="3619500"/>
+              </a:tblGrid>
+              <a:tr h="381000">
+                <a:tc>
+                  <a:txBody>
+                    <a:bodyPr/>
+                    <a:lstStyle/>
+                    <a:p>
+                      <a:pPr indent="0" lvl="0" marL="0" rtl="0" algn="ctr">
+                        <a:spcBef>
+                          <a:spcPts val="0"/>
+                        </a:spcBef>
+                        <a:spcAft>
+                          <a:spcPts val="0"/>
+                        </a:spcAft>
+                        <a:buNone/>
+                      </a:pPr>
+                      <a:r>
+                        <a:rPr lang="en">
+                          <a:latin typeface="Raleway SemiBold"/>
+                          <a:ea typeface="Raleway SemiBold"/>
+                          <a:cs typeface="Raleway SemiBold"/>
+                          <a:sym typeface="Raleway SemiBold"/>
+                        </a:rPr>
+                        <a:t>Aware Model</a:t>
+                      </a:r>
+                      <a:endParaRPr>
+                        <a:latin typeface="Raleway SemiBold"/>
+                        <a:ea typeface="Raleway SemiBold"/>
+                        <a:cs typeface="Raleway SemiBold"/>
+                        <a:sym typeface="Raleway SemiBold"/>
+                      </a:endParaRPr>
+                    </a:p>
+                  </a:txBody>
+                  <a:tcPr marT="91425" marB="91425" marR="91425" marL="91425"/>
+                </a:tc>
+                <a:tc>
+                  <a:txBody>
+                    <a:bodyPr/>
+                    <a:lstStyle/>
+                    <a:p>
+                      <a:pPr indent="0" lvl="0" marL="0" rtl="0" algn="ctr">
+                        <a:spcBef>
+                          <a:spcPts val="0"/>
+                        </a:spcBef>
+                        <a:spcAft>
+                          <a:spcPts val="0"/>
+                        </a:spcAft>
+                        <a:buNone/>
+                      </a:pPr>
+                      <a:r>
+                        <a:rPr lang="en">
+                          <a:latin typeface="Raleway SemiBold"/>
+                          <a:ea typeface="Raleway SemiBold"/>
+                          <a:cs typeface="Raleway SemiBold"/>
+                          <a:sym typeface="Raleway SemiBold"/>
+                        </a:rPr>
+                        <a:t>Blind Model</a:t>
+                      </a:r>
+                      <a:endParaRPr>
+                        <a:latin typeface="Raleway SemiBold"/>
+                        <a:ea typeface="Raleway SemiBold"/>
+                        <a:cs typeface="Raleway SemiBold"/>
+                        <a:sym typeface="Raleway SemiBold"/>
+                      </a:endParaRPr>
+                    </a:p>
+                  </a:txBody>
+                  <a:tcPr marT="91425" marB="91425" marR="91425" marL="91425"/>
+                </a:tc>
+              </a:tr>
+              <a:tr h="381000">
+                <a:tc>
+                  <a:txBody>
+                    <a:bodyPr/>
+                    <a:lstStyle/>
+                    <a:p>
+                      <a:pPr indent="0" lvl="0" marL="0" rtl="0" algn="ctr">
+                        <a:spcBef>
+                          <a:spcPts val="0"/>
+                        </a:spcBef>
+                        <a:spcAft>
+                          <a:spcPts val="0"/>
+                        </a:spcAft>
+                        <a:buNone/>
+                      </a:pPr>
+                      <a:r>
+                        <a:rPr lang="en">
+                          <a:latin typeface="Lato"/>
+                          <a:ea typeface="Lato"/>
+                          <a:cs typeface="Lato"/>
+                          <a:sym typeface="Lato"/>
+                        </a:rPr>
+                        <a:t>All the features </a:t>
+                      </a:r>
+                      <a:endParaRPr>
+                        <a:latin typeface="Lato"/>
+                        <a:ea typeface="Lato"/>
+                        <a:cs typeface="Lato"/>
+                        <a:sym typeface="Lato"/>
+                      </a:endParaRPr>
+                    </a:p>
+                  </a:txBody>
+                  <a:tcPr marT="91425" marB="91425" marR="91425" marL="91425"/>
+                </a:tc>
+                <a:tc>
+                  <a:txBody>
+                    <a:bodyPr/>
+                    <a:lstStyle/>
+                    <a:p>
+                      <a:pPr indent="0" lvl="0" marL="0" rtl="0" algn="ctr">
+                        <a:spcBef>
+                          <a:spcPts val="0"/>
+                        </a:spcBef>
+                        <a:spcAft>
+                          <a:spcPts val="0"/>
+                        </a:spcAft>
+                        <a:buNone/>
+                      </a:pPr>
+                      <a:r>
+                        <a:rPr lang="en">
+                          <a:latin typeface="Lato"/>
+                          <a:ea typeface="Lato"/>
+                          <a:cs typeface="Lato"/>
+                          <a:sym typeface="Lato"/>
+                        </a:rPr>
+                        <a:t>Excluding gender, age, disability, home language </a:t>
+                      </a:r>
+                      <a:endParaRPr>
+                        <a:latin typeface="Lato"/>
+                        <a:ea typeface="Lato"/>
+                        <a:cs typeface="Lato"/>
+                        <a:sym typeface="Lato"/>
+                      </a:endParaRPr>
+                    </a:p>
+                  </a:txBody>
+                  <a:tcPr marT="91425" marB="91425" marR="91425" marL="91425"/>
+                </a:tc>
+              </a:tr>
+            </a:tbl>
+          </a:graphicData>
+        </a:graphic>
+      </p:graphicFrame>
     </p:spTree>
   </p:cSld>
   <p:clrMapOvr>
@@ -11154,7 +13997,7 @@
     </p:bg>
     <p:spTree>
       <p:nvGrpSpPr>
-        <p:cNvPr id="109" name="Shape 109"/>
+        <p:cNvPr id="110" name="Shape 110"/>
         <p:cNvGrpSpPr/>
         <p:nvPr/>
       </p:nvGrpSpPr>
@@ -11168,320 +14011,7 @@
       </p:grpSpPr>
       <p:sp>
         <p:nvSpPr>
-          <p:cNvPr id="110" name="Google Shape;110;p18"/>
-          <p:cNvSpPr txBox="1"/>
-          <p:nvPr>
-            <p:ph type="title"/>
-          </p:nvPr>
-        </p:nvSpPr>
-        <p:spPr>
-          <a:xfrm>
-            <a:off x="283100" y="262975"/>
-            <a:ext cx="8631600" cy="4284900"/>
-          </a:xfrm>
-          <a:prstGeom prst="rect">
-            <a:avLst/>
-          </a:prstGeom>
-        </p:spPr>
-        <p:txBody>
-          <a:bodyPr anchorCtr="0" anchor="t" bIns="91425" lIns="91425" spcFirstLastPara="1" rIns="91425" wrap="square" tIns="91425">
-            <a:normAutofit fontScale="90000"/>
-          </a:bodyPr>
-          <a:lstStyle/>
-          <a:p>
-            <a:pPr indent="0" lvl="0" marL="0" rtl="0" algn="l">
-              <a:spcBef>
-                <a:spcPts val="0"/>
-              </a:spcBef>
-              <a:spcAft>
-                <a:spcPts val="0"/>
-              </a:spcAft>
-              <a:buNone/>
-            </a:pPr>
-            <a:r>
-              <a:rPr lang="en" sz="2411"/>
-              <a:t>Research Question:</a:t>
-            </a:r>
-            <a:endParaRPr sz="2411"/>
-          </a:p>
-          <a:p>
-            <a:pPr indent="0" lvl="0" marL="0" rtl="0" algn="l">
-              <a:spcBef>
-                <a:spcPts val="0"/>
-              </a:spcBef>
-              <a:spcAft>
-                <a:spcPts val="0"/>
-              </a:spcAft>
-              <a:buNone/>
-            </a:pPr>
-            <a:r>
-              <a:t/>
-            </a:r>
-            <a:endParaRPr sz="2411"/>
-          </a:p>
-          <a:p>
-            <a:pPr indent="0" lvl="0" marL="0" rtl="0" algn="l">
-              <a:lnSpc>
-                <a:spcPct val="115000"/>
-              </a:lnSpc>
-              <a:spcBef>
-                <a:spcPts val="0"/>
-              </a:spcBef>
-              <a:spcAft>
-                <a:spcPts val="0"/>
-              </a:spcAft>
-              <a:buNone/>
-            </a:pPr>
-            <a:r>
-              <a:rPr i="1" lang="en" sz="2411"/>
-              <a:t>Attribute Types and Prediction Performance in University Dropout</a:t>
-            </a:r>
-            <a:endParaRPr i="1" sz="2411"/>
-          </a:p>
-          <a:p>
-            <a:pPr indent="0" lvl="0" marL="0" rtl="0" algn="l">
-              <a:lnSpc>
-                <a:spcPct val="115000"/>
-              </a:lnSpc>
-              <a:spcBef>
-                <a:spcPts val="0"/>
-              </a:spcBef>
-              <a:spcAft>
-                <a:spcPts val="0"/>
-              </a:spcAft>
-              <a:buNone/>
-            </a:pPr>
-            <a:r>
-              <a:t/>
-            </a:r>
-            <a:endParaRPr sz="2411"/>
-          </a:p>
-          <a:p>
-            <a:pPr indent="0" lvl="0" marL="0" rtl="0" algn="l">
-              <a:lnSpc>
-                <a:spcPct val="115000"/>
-              </a:lnSpc>
-              <a:spcBef>
-                <a:spcPts val="0"/>
-              </a:spcBef>
-              <a:spcAft>
-                <a:spcPts val="0"/>
-              </a:spcAft>
-              <a:buNone/>
-            </a:pPr>
-            <a:r>
-              <a:rPr lang="en" sz="2411"/>
-              <a:t>How do different types of attributes impact the performance of student dropout prediction models?</a:t>
-            </a:r>
-            <a:endParaRPr sz="2411"/>
-          </a:p>
-          <a:p>
-            <a:pPr indent="0" lvl="0" marL="0" rtl="0" algn="l">
-              <a:lnSpc>
-                <a:spcPct val="115000"/>
-              </a:lnSpc>
-              <a:spcBef>
-                <a:spcPts val="0"/>
-              </a:spcBef>
-              <a:spcAft>
-                <a:spcPts val="0"/>
-              </a:spcAft>
-              <a:buNone/>
-            </a:pPr>
-            <a:r>
-              <a:t/>
-            </a:r>
-            <a:endParaRPr sz="2411"/>
-          </a:p>
-          <a:p>
-            <a:pPr indent="0" lvl="0" marL="0" rtl="0" algn="l">
-              <a:lnSpc>
-                <a:spcPct val="115000"/>
-              </a:lnSpc>
-              <a:spcBef>
-                <a:spcPts val="0"/>
-              </a:spcBef>
-              <a:spcAft>
-                <a:spcPts val="0"/>
-              </a:spcAft>
-              <a:buNone/>
-            </a:pPr>
-            <a:r>
-              <a:rPr lang="en" sz="2411"/>
-              <a:t>What are the consequences of including or excluding specific classes of features on the accuracy of student dropout predictions?</a:t>
-            </a:r>
-            <a:endParaRPr sz="2411"/>
-          </a:p>
-          <a:p>
-            <a:pPr indent="0" lvl="0" marL="0" rtl="0" algn="l">
-              <a:spcBef>
-                <a:spcPts val="0"/>
-              </a:spcBef>
-              <a:spcAft>
-                <a:spcPts val="0"/>
-              </a:spcAft>
-              <a:buNone/>
-            </a:pPr>
-            <a:r>
-              <a:t/>
-            </a:r>
-            <a:endParaRPr sz="3420"/>
-          </a:p>
-          <a:p>
-            <a:pPr indent="0" lvl="0" marL="457200" rtl="0" algn="l">
-              <a:spcBef>
-                <a:spcPts val="0"/>
-              </a:spcBef>
-              <a:spcAft>
-                <a:spcPts val="0"/>
-              </a:spcAft>
-              <a:buNone/>
-            </a:pPr>
-            <a:r>
-              <a:t/>
-            </a:r>
-            <a:endParaRPr sz="3420"/>
-          </a:p>
-          <a:p>
-            <a:pPr indent="0" lvl="0" marL="0" rtl="0" algn="l">
-              <a:spcBef>
-                <a:spcPts val="0"/>
-              </a:spcBef>
-              <a:spcAft>
-                <a:spcPts val="0"/>
-              </a:spcAft>
-              <a:buNone/>
-            </a:pPr>
-            <a:r>
-              <a:t/>
-            </a:r>
-            <a:endParaRPr sz="3420"/>
-          </a:p>
-          <a:p>
-            <a:pPr indent="-424053" lvl="0" marL="457200" rtl="0" algn="l">
-              <a:spcBef>
-                <a:spcPts val="0"/>
-              </a:spcBef>
-              <a:spcAft>
-                <a:spcPts val="0"/>
-              </a:spcAft>
-              <a:buSzPct val="100000"/>
-              <a:buChar char="-"/>
-            </a:pPr>
-            <a:r>
-              <a:rPr lang="en" sz="3420"/>
-              <a:t>Features are </a:t>
-            </a:r>
-            <a:r>
-              <a:rPr lang="en" sz="3420"/>
-              <a:t>considered</a:t>
-            </a:r>
-            <a:r>
-              <a:rPr lang="en" sz="3420"/>
-              <a:t> a </a:t>
-            </a:r>
-            <a:r>
-              <a:rPr lang="en" sz="3420"/>
-              <a:t>clustered</a:t>
-            </a:r>
-            <a:r>
-              <a:rPr lang="en" sz="3420"/>
-              <a:t> set, grouped by their nature. </a:t>
-            </a:r>
-            <a:endParaRPr sz="3420"/>
-          </a:p>
-          <a:p>
-            <a:pPr indent="0" lvl="0" marL="457200" rtl="0" algn="l">
-              <a:spcBef>
-                <a:spcPts val="0"/>
-              </a:spcBef>
-              <a:spcAft>
-                <a:spcPts val="0"/>
-              </a:spcAft>
-              <a:buNone/>
-            </a:pPr>
-            <a:r>
-              <a:t/>
-            </a:r>
-            <a:endParaRPr sz="3420"/>
-          </a:p>
-          <a:p>
-            <a:pPr indent="-424053" lvl="0" marL="457200" rtl="0" algn="l">
-              <a:spcBef>
-                <a:spcPts val="0"/>
-              </a:spcBef>
-              <a:spcAft>
-                <a:spcPts val="0"/>
-              </a:spcAft>
-              <a:buSzPct val="100000"/>
-              <a:buChar char="-"/>
-            </a:pPr>
-            <a:r>
-              <a:rPr lang="en" sz="3420"/>
-              <a:t>Models are trained by different subsets and their </a:t>
-            </a:r>
-            <a:r>
-              <a:rPr lang="en" sz="3420"/>
-              <a:t>performance</a:t>
-            </a:r>
-            <a:r>
-              <a:rPr lang="en" sz="3420"/>
-              <a:t> compared. </a:t>
-            </a:r>
-            <a:endParaRPr sz="3420"/>
-          </a:p>
-          <a:p>
-            <a:pPr indent="0" lvl="0" marL="457200" rtl="0" algn="l">
-              <a:spcBef>
-                <a:spcPts val="0"/>
-              </a:spcBef>
-              <a:spcAft>
-                <a:spcPts val="0"/>
-              </a:spcAft>
-              <a:buNone/>
-            </a:pPr>
-            <a:r>
-              <a:t/>
-            </a:r>
-            <a:endParaRPr sz="3420"/>
-          </a:p>
-        </p:txBody>
-      </p:sp>
-    </p:spTree>
-  </p:cSld>
-  <p:clrMapOvr>
-    <a:masterClrMapping/>
-  </p:clrMapOvr>
-</p:sld>
-</file>
-
-<file path=ppt/slides/slide7.xml><?xml version="1.0" encoding="utf-8"?>
-<p:sld xmlns:a="http://schemas.openxmlformats.org/drawingml/2006/main" xmlns:r="http://schemas.openxmlformats.org/officeDocument/2006/relationships" xmlns:mc="http://schemas.openxmlformats.org/markup-compatibility/2006" xmlns:mv="urn:schemas-microsoft-com:mac:vml" xmlns:p="http://schemas.openxmlformats.org/presentationml/2006/main" xmlns:c="http://schemas.openxmlformats.org/drawingml/2006/chart" xmlns:dgm="http://schemas.openxmlformats.org/drawingml/2006/diagram" xmlns:o="urn:schemas-microsoft-com:office:office" xmlns:v="urn:schemas-microsoft-com:vml" xmlns:pvml="urn:schemas-microsoft-com:office:powerpoint" xmlns:com="http://schemas.openxmlformats.org/drawingml/2006/compatibility" xmlns:p14="http://schemas.microsoft.com/office/powerpoint/2010/main" xmlns:p15="http://schemas.microsoft.com/office/powerpoint/2012/main" xmlns:ahyp="http://schemas.microsoft.com/office/drawing/2018/hyperlinkcolor">
-  <p:cSld>
-    <p:bg>
-      <p:bgPr>
-        <a:solidFill>
-          <a:schemeClr val="lt2"/>
-        </a:solidFill>
-      </p:bgPr>
-    </p:bg>
-    <p:spTree>
-      <p:nvGrpSpPr>
-        <p:cNvPr id="114" name="Shape 114"/>
-        <p:cNvGrpSpPr/>
-        <p:nvPr/>
-      </p:nvGrpSpPr>
-      <p:grpSpPr>
-        <a:xfrm>
-          <a:off x="0" y="0"/>
-          <a:ext cx="0" cy="0"/>
-          <a:chOff x="0" y="0"/>
-          <a:chExt cx="0" cy="0"/>
-        </a:xfrm>
-      </p:grpSpPr>
-      <p:sp>
-        <p:nvSpPr>
-          <p:cNvPr id="115" name="Google Shape;115;p19"/>
+          <p:cNvPr id="111" name="Google Shape;111;p18"/>
           <p:cNvSpPr txBox="1"/>
           <p:nvPr>
             <p:ph type="title"/>
@@ -11535,7 +14065,7 @@
       </p:sp>
       <p:pic>
         <p:nvPicPr>
-          <p:cNvPr id="116" name="Google Shape;116;p19"/>
+          <p:cNvPr id="112" name="Google Shape;112;p18"/>
           <p:cNvPicPr preferRelativeResize="0"/>
           <p:nvPr/>
         </p:nvPicPr>
@@ -11569,12 +14099,19 @@
 </p:sld>
 </file>
 
-<file path=ppt/slides/slide8.xml><?xml version="1.0" encoding="utf-8"?>
+<file path=ppt/slides/slide7.xml><?xml version="1.0" encoding="utf-8"?>
 <p:sld xmlns:a="http://schemas.openxmlformats.org/drawingml/2006/main" xmlns:r="http://schemas.openxmlformats.org/officeDocument/2006/relationships" xmlns:mc="http://schemas.openxmlformats.org/markup-compatibility/2006" xmlns:mv="urn:schemas-microsoft-com:mac:vml" xmlns:p="http://schemas.openxmlformats.org/presentationml/2006/main" xmlns:c="http://schemas.openxmlformats.org/drawingml/2006/chart" xmlns:dgm="http://schemas.openxmlformats.org/drawingml/2006/diagram" xmlns:o="urn:schemas-microsoft-com:office:office" xmlns:v="urn:schemas-microsoft-com:vml" xmlns:pvml="urn:schemas-microsoft-com:office:powerpoint" xmlns:com="http://schemas.openxmlformats.org/drawingml/2006/compatibility" xmlns:p14="http://schemas.microsoft.com/office/powerpoint/2010/main" xmlns:p15="http://schemas.microsoft.com/office/powerpoint/2012/main" xmlns:ahyp="http://schemas.microsoft.com/office/drawing/2018/hyperlinkcolor">
   <p:cSld>
+    <p:bg>
+      <p:bgPr>
+        <a:solidFill>
+          <a:schemeClr val="lt2"/>
+        </a:solidFill>
+      </p:bgPr>
+    </p:bg>
     <p:spTree>
       <p:nvGrpSpPr>
-        <p:cNvPr id="120" name="Shape 120"/>
+        <p:cNvPr id="116" name="Shape 116"/>
         <p:cNvGrpSpPr/>
         <p:nvPr/>
       </p:nvGrpSpPr>
@@ -11588,7 +14125,261 @@
       </p:grpSpPr>
       <p:sp>
         <p:nvSpPr>
-          <p:cNvPr id="121" name="Google Shape;121;p20"/>
+          <p:cNvPr id="117" name="Google Shape;117;p19"/>
+          <p:cNvSpPr txBox="1"/>
+          <p:nvPr>
+            <p:ph type="title"/>
+          </p:nvPr>
+        </p:nvSpPr>
+        <p:spPr>
+          <a:xfrm>
+            <a:off x="283100" y="262975"/>
+            <a:ext cx="8631600" cy="4284900"/>
+          </a:xfrm>
+          <a:prstGeom prst="rect">
+            <a:avLst/>
+          </a:prstGeom>
+        </p:spPr>
+        <p:txBody>
+          <a:bodyPr anchorCtr="0" anchor="t" bIns="91425" lIns="91425" spcFirstLastPara="1" rIns="91425" wrap="square" tIns="91425">
+            <a:normAutofit fontScale="90000"/>
+          </a:bodyPr>
+          <a:lstStyle/>
+          <a:p>
+            <a:pPr indent="0" lvl="0" marL="0" rtl="0" algn="l">
+              <a:spcBef>
+                <a:spcPts val="0"/>
+              </a:spcBef>
+              <a:spcAft>
+                <a:spcPts val="0"/>
+              </a:spcAft>
+              <a:buNone/>
+            </a:pPr>
+            <a:r>
+              <a:rPr lang="en" sz="2411"/>
+              <a:t>Research Question:</a:t>
+            </a:r>
+            <a:endParaRPr sz="2411"/>
+          </a:p>
+          <a:p>
+            <a:pPr indent="0" lvl="0" marL="0" rtl="0" algn="l">
+              <a:spcBef>
+                <a:spcPts val="0"/>
+              </a:spcBef>
+              <a:spcAft>
+                <a:spcPts val="0"/>
+              </a:spcAft>
+              <a:buNone/>
+            </a:pPr>
+            <a:r>
+              <a:t/>
+            </a:r>
+            <a:endParaRPr sz="2411"/>
+          </a:p>
+          <a:p>
+            <a:pPr indent="0" lvl="0" marL="0" rtl="0" algn="l">
+              <a:lnSpc>
+                <a:spcPct val="115000"/>
+              </a:lnSpc>
+              <a:spcBef>
+                <a:spcPts val="0"/>
+              </a:spcBef>
+              <a:spcAft>
+                <a:spcPts val="0"/>
+              </a:spcAft>
+              <a:buNone/>
+            </a:pPr>
+            <a:r>
+              <a:rPr i="1" lang="en" sz="2411"/>
+              <a:t>Attribute Types and Prediction Performance in University Dropout</a:t>
+            </a:r>
+            <a:endParaRPr i="1" sz="2411"/>
+          </a:p>
+          <a:p>
+            <a:pPr indent="0" lvl="0" marL="0" rtl="0" algn="l">
+              <a:lnSpc>
+                <a:spcPct val="115000"/>
+              </a:lnSpc>
+              <a:spcBef>
+                <a:spcPts val="0"/>
+              </a:spcBef>
+              <a:spcAft>
+                <a:spcPts val="0"/>
+              </a:spcAft>
+              <a:buNone/>
+            </a:pPr>
+            <a:r>
+              <a:t/>
+            </a:r>
+            <a:endParaRPr sz="2411"/>
+          </a:p>
+          <a:p>
+            <a:pPr indent="0" lvl="0" marL="0" rtl="0" algn="l">
+              <a:lnSpc>
+                <a:spcPct val="115000"/>
+              </a:lnSpc>
+              <a:spcBef>
+                <a:spcPts val="0"/>
+              </a:spcBef>
+              <a:spcAft>
+                <a:spcPts val="0"/>
+              </a:spcAft>
+              <a:buNone/>
+            </a:pPr>
+            <a:r>
+              <a:t/>
+            </a:r>
+            <a:endParaRPr sz="2411"/>
+          </a:p>
+          <a:p>
+            <a:pPr indent="0" lvl="0" marL="0" rtl="0" algn="l">
+              <a:lnSpc>
+                <a:spcPct val="115000"/>
+              </a:lnSpc>
+              <a:spcBef>
+                <a:spcPts val="0"/>
+              </a:spcBef>
+              <a:spcAft>
+                <a:spcPts val="0"/>
+              </a:spcAft>
+              <a:buNone/>
+            </a:pPr>
+            <a:r>
+              <a:rPr lang="en" sz="2411"/>
+              <a:t>What are the consequences of including or excluding specific classes of features on the accuracy of student dropout predictions?</a:t>
+            </a:r>
+            <a:endParaRPr sz="2411"/>
+          </a:p>
+          <a:p>
+            <a:pPr indent="0" lvl="0" marL="0" rtl="0" algn="l">
+              <a:spcBef>
+                <a:spcPts val="0"/>
+              </a:spcBef>
+              <a:spcAft>
+                <a:spcPts val="0"/>
+              </a:spcAft>
+              <a:buNone/>
+            </a:pPr>
+            <a:r>
+              <a:t/>
+            </a:r>
+            <a:endParaRPr sz="3420"/>
+          </a:p>
+          <a:p>
+            <a:pPr indent="0" lvl="0" marL="457200" rtl="0" algn="l">
+              <a:spcBef>
+                <a:spcPts val="0"/>
+              </a:spcBef>
+              <a:spcAft>
+                <a:spcPts val="0"/>
+              </a:spcAft>
+              <a:buNone/>
+            </a:pPr>
+            <a:r>
+              <a:t/>
+            </a:r>
+            <a:endParaRPr sz="3420"/>
+          </a:p>
+          <a:p>
+            <a:pPr indent="0" lvl="0" marL="0" rtl="0" algn="l">
+              <a:spcBef>
+                <a:spcPts val="0"/>
+              </a:spcBef>
+              <a:spcAft>
+                <a:spcPts val="0"/>
+              </a:spcAft>
+              <a:buNone/>
+            </a:pPr>
+            <a:r>
+              <a:t/>
+            </a:r>
+            <a:endParaRPr sz="3420"/>
+          </a:p>
+          <a:p>
+            <a:pPr indent="0" lvl="0" marL="457200" rtl="0" algn="l">
+              <a:spcBef>
+                <a:spcPts val="0"/>
+              </a:spcBef>
+              <a:spcAft>
+                <a:spcPts val="0"/>
+              </a:spcAft>
+              <a:buNone/>
+            </a:pPr>
+            <a:r>
+              <a:t/>
+            </a:r>
+            <a:endParaRPr sz="3420"/>
+          </a:p>
+          <a:p>
+            <a:pPr indent="-424053" lvl="0" marL="457200" rtl="0" algn="l">
+              <a:spcBef>
+                <a:spcPts val="0"/>
+              </a:spcBef>
+              <a:spcAft>
+                <a:spcPts val="0"/>
+              </a:spcAft>
+              <a:buSzPct val="100000"/>
+              <a:buChar char="-"/>
+            </a:pPr>
+            <a:r>
+              <a:rPr lang="en" sz="3420"/>
+              <a:t>Models are trained by different subsets and their </a:t>
+            </a:r>
+            <a:r>
+              <a:rPr lang="en" sz="3420"/>
+              <a:t>performance</a:t>
+            </a:r>
+            <a:r>
+              <a:rPr lang="en" sz="3420"/>
+              <a:t> compared. </a:t>
+            </a:r>
+            <a:endParaRPr sz="3420"/>
+          </a:p>
+          <a:p>
+            <a:pPr indent="0" lvl="0" marL="457200" rtl="0" algn="l">
+              <a:spcBef>
+                <a:spcPts val="0"/>
+              </a:spcBef>
+              <a:spcAft>
+                <a:spcPts val="0"/>
+              </a:spcAft>
+              <a:buNone/>
+            </a:pPr>
+            <a:r>
+              <a:t/>
+            </a:r>
+            <a:endParaRPr sz="3420"/>
+          </a:p>
+        </p:txBody>
+      </p:sp>
+    </p:spTree>
+  </p:cSld>
+  <p:clrMapOvr>
+    <a:masterClrMapping/>
+  </p:clrMapOvr>
+</p:sld>
+</file>
+
+<file path=ppt/slides/slide8.xml><?xml version="1.0" encoding="utf-8"?>
+<p:sld xmlns:a="http://schemas.openxmlformats.org/drawingml/2006/main" xmlns:r="http://schemas.openxmlformats.org/officeDocument/2006/relationships" xmlns:mc="http://schemas.openxmlformats.org/markup-compatibility/2006" xmlns:mv="urn:schemas-microsoft-com:mac:vml" xmlns:p="http://schemas.openxmlformats.org/presentationml/2006/main" xmlns:c="http://schemas.openxmlformats.org/drawingml/2006/chart" xmlns:dgm="http://schemas.openxmlformats.org/drawingml/2006/diagram" xmlns:o="urn:schemas-microsoft-com:office:office" xmlns:v="urn:schemas-microsoft-com:vml" xmlns:pvml="urn:schemas-microsoft-com:office:powerpoint" xmlns:com="http://schemas.openxmlformats.org/drawingml/2006/compatibility" xmlns:p14="http://schemas.microsoft.com/office/powerpoint/2010/main" xmlns:p15="http://schemas.microsoft.com/office/powerpoint/2012/main" xmlns:ahyp="http://schemas.microsoft.com/office/drawing/2018/hyperlinkcolor">
+  <p:cSld>
+    <p:spTree>
+      <p:nvGrpSpPr>
+        <p:cNvPr id="121" name="Shape 121"/>
+        <p:cNvGrpSpPr/>
+        <p:nvPr/>
+      </p:nvGrpSpPr>
+      <p:grpSpPr>
+        <a:xfrm>
+          <a:off x="0" y="0"/>
+          <a:ext cx="0" cy="0"/>
+          <a:chOff x="0" y="0"/>
+          <a:chExt cx="0" cy="0"/>
+        </a:xfrm>
+      </p:grpSpPr>
+      <p:sp>
+        <p:nvSpPr>
+          <p:cNvPr id="122" name="Google Shape;122;p20"/>
           <p:cNvSpPr txBox="1"/>
           <p:nvPr>
             <p:ph type="title"/>
@@ -11812,7 +14603,7 @@
       </p:sp>
       <p:pic>
         <p:nvPicPr>
-          <p:cNvPr id="122" name="Google Shape;122;p20"/>
+          <p:cNvPr id="123" name="Google Shape;123;p20"/>
           <p:cNvPicPr preferRelativeResize="0"/>
           <p:nvPr/>
         </p:nvPicPr>
@@ -11851,7 +14642,7 @@
   <p:cSld>
     <p:spTree>
       <p:nvGrpSpPr>
-        <p:cNvPr id="126" name="Shape 126"/>
+        <p:cNvPr id="127" name="Shape 127"/>
         <p:cNvGrpSpPr/>
         <p:nvPr/>
       </p:nvGrpSpPr>
@@ -11865,7 +14656,7 @@
       </p:grpSpPr>
       <p:sp>
         <p:nvSpPr>
-          <p:cNvPr id="127" name="Google Shape;127;p21"/>
+          <p:cNvPr id="128" name="Google Shape;128;p21"/>
           <p:cNvSpPr txBox="1"/>
           <p:nvPr>
             <p:ph type="title"/>
@@ -11961,7 +14752,7 @@
             </a:pPr>
             <a:r>
               <a:rPr lang="en" sz="2200"/>
-              <a:t>Algorithm Selection: Cross validation with TV set (Random Forest n=10, RF n=100, Support Vector Machine, SVC kernel linear, Gradient Boosting, XGB Booster)</a:t>
+              <a:t>Algorithm Selection: Cross validation with TV set (Random Forest n=10, RF n=100, Support Vector Machine, SVC kernel linear, Gradient Boosting, XGB Boost)</a:t>
             </a:r>
             <a:endParaRPr sz="2200"/>
           </a:p>
@@ -12023,6 +14814,285 @@
 </file>
 
 <file path=ppt/theme/theme1.xml><?xml version="1.0" encoding="utf-8"?>
+<a:theme xmlns:a="http://schemas.openxmlformats.org/drawingml/2006/main" xmlns:r="http://schemas.openxmlformats.org/officeDocument/2006/relationships" name="Swiss">
+  <a:themeElements>
+    <a:clrScheme name="Swiss">
+      <a:dk1>
+        <a:srgbClr val="F46524"/>
+      </a:dk1>
+      <a:lt1>
+        <a:srgbClr val="FFFFFF"/>
+      </a:lt1>
+      <a:dk2>
+        <a:srgbClr val="000000"/>
+      </a:dk2>
+      <a:lt2>
+        <a:srgbClr val="757575"/>
+      </a:lt2>
+      <a:accent1>
+        <a:srgbClr val="01579B"/>
+      </a:accent1>
+      <a:accent2>
+        <a:srgbClr val="27C7BD"/>
+      </a:accent2>
+      <a:accent3>
+        <a:srgbClr val="0099E8"/>
+      </a:accent3>
+      <a:accent4>
+        <a:srgbClr val="51B9A3"/>
+      </a:accent4>
+      <a:accent5>
+        <a:srgbClr val="FB8C00"/>
+      </a:accent5>
+      <a:accent6>
+        <a:srgbClr val="FFAE88"/>
+      </a:accent6>
+      <a:hlink>
+        <a:srgbClr val="0277BD"/>
+      </a:hlink>
+      <a:folHlink>
+        <a:srgbClr val="0277BD"/>
+      </a:folHlink>
+    </a:clrScheme>
+    <a:fontScheme name="Office">
+      <a:majorFont>
+        <a:latin typeface="Arial"/>
+        <a:ea typeface=""/>
+        <a:cs typeface=""/>
+        <a:font script="Jpan" typeface="ＭＳ Ｐゴシック"/>
+        <a:font script="Hang" typeface="맑은 고딕"/>
+        <a:font script="Hans" typeface="宋体"/>
+        <a:font script="Hant" typeface="新細明體"/>
+        <a:font script="Arab" typeface="Times New Roman"/>
+        <a:font script="Hebr" typeface="Times New Roman"/>
+        <a:font script="Thai" typeface="Angsana New"/>
+        <a:font script="Ethi" typeface="Nyala"/>
+        <a:font script="Beng" typeface="Vrinda"/>
+        <a:font script="Gujr" typeface="Shruti"/>
+        <a:font script="Khmr" typeface="MoolBoran"/>
+        <a:font script="Knda" typeface="Tunga"/>
+        <a:font script="Guru" typeface="Raavi"/>
+        <a:font script="Cans" typeface="Euphemia"/>
+        <a:font script="Cher" typeface="Plantagenet Cherokee"/>
+        <a:font script="Yiii" typeface="Microsoft Yi Baiti"/>
+        <a:font script="Tibt" typeface="Microsoft Himalaya"/>
+        <a:font script="Thaa" typeface="MV Boli"/>
+        <a:font script="Deva" typeface="Mangal"/>
+        <a:font script="Telu" typeface="Gautami"/>
+        <a:font script="Taml" typeface="Latha"/>
+        <a:font script="Syrc" typeface="Estrangelo Edessa"/>
+        <a:font script="Orya" typeface="Kalinga"/>
+        <a:font script="Mlym" typeface="Kartika"/>
+        <a:font script="Laoo" typeface="DokChampa"/>
+        <a:font script="Sinh" typeface="Iskoola Pota"/>
+        <a:font script="Mong" typeface="Mongolian Baiti"/>
+        <a:font script="Viet" typeface="Times New Roman"/>
+        <a:font script="Uigh" typeface="Microsoft Uighur"/>
+        <a:font script="Geor" typeface="Sylfaen"/>
+      </a:majorFont>
+      <a:minorFont>
+        <a:latin typeface="Arial"/>
+        <a:ea typeface=""/>
+        <a:cs typeface=""/>
+        <a:font script="Jpan" typeface="ＭＳ Ｐゴシック"/>
+        <a:font script="Hang" typeface="맑은 고딕"/>
+        <a:font script="Hans" typeface="宋体"/>
+        <a:font script="Hant" typeface="新細明體"/>
+        <a:font script="Arab" typeface="Arial"/>
+        <a:font script="Hebr" typeface="Arial"/>
+        <a:font script="Thai" typeface="Cordia New"/>
+        <a:font script="Ethi" typeface="Nyala"/>
+        <a:font script="Beng" typeface="Vrinda"/>
+        <a:font script="Gujr" typeface="Shruti"/>
+        <a:font script="Khmr" typeface="DaunPenh"/>
+        <a:font script="Knda" typeface="Tunga"/>
+        <a:font script="Guru" typeface="Raavi"/>
+        <a:font script="Cans" typeface="Euphemia"/>
+        <a:font script="Cher" typeface="Plantagenet Cherokee"/>
+        <a:font script="Yiii" typeface="Microsoft Yi Baiti"/>
+        <a:font script="Tibt" typeface="Microsoft Himalaya"/>
+        <a:font script="Thaa" typeface="MV Boli"/>
+        <a:font script="Deva" typeface="Mangal"/>
+        <a:font script="Telu" typeface="Gautami"/>
+        <a:font script="Taml" typeface="Latha"/>
+        <a:font script="Syrc" typeface="Estrangelo Edessa"/>
+        <a:font script="Orya" typeface="Kalinga"/>
+        <a:font script="Mlym" typeface="Kartika"/>
+        <a:font script="Laoo" typeface="DokChampa"/>
+        <a:font script="Sinh" typeface="Iskoola Pota"/>
+        <a:font script="Mong" typeface="Mongolian Baiti"/>
+        <a:font script="Viet" typeface="Arial"/>
+        <a:font script="Uigh" typeface="Microsoft Uighur"/>
+        <a:font script="Geor" typeface="Sylfaen"/>
+      </a:minorFont>
+    </a:fontScheme>
+    <a:fmtScheme name="Office">
+      <a:fillStyleLst>
+        <a:solidFill>
+          <a:schemeClr val="phClr"/>
+        </a:solidFill>
+        <a:gradFill rotWithShape="1">
+          <a:gsLst>
+            <a:gs pos="0">
+              <a:schemeClr val="phClr">
+                <a:tint val="50000"/>
+                <a:satMod val="300000"/>
+              </a:schemeClr>
+            </a:gs>
+            <a:gs pos="35000">
+              <a:schemeClr val="phClr">
+                <a:tint val="37000"/>
+                <a:satMod val="300000"/>
+              </a:schemeClr>
+            </a:gs>
+            <a:gs pos="100000">
+              <a:schemeClr val="phClr">
+                <a:tint val="15000"/>
+                <a:satMod val="350000"/>
+              </a:schemeClr>
+            </a:gs>
+          </a:gsLst>
+          <a:lin ang="16200000" scaled="1"/>
+        </a:gradFill>
+        <a:gradFill rotWithShape="1">
+          <a:gsLst>
+            <a:gs pos="0">
+              <a:schemeClr val="phClr">
+                <a:tint val="100000"/>
+                <a:shade val="100000"/>
+                <a:satMod val="130000"/>
+              </a:schemeClr>
+            </a:gs>
+            <a:gs pos="100000">
+              <a:schemeClr val="phClr">
+                <a:tint val="50000"/>
+                <a:shade val="100000"/>
+                <a:satMod val="350000"/>
+              </a:schemeClr>
+            </a:gs>
+          </a:gsLst>
+          <a:lin ang="16200000" scaled="0"/>
+        </a:gradFill>
+      </a:fillStyleLst>
+      <a:lnStyleLst>
+        <a:ln w="9525" cap="flat" cmpd="sng" algn="ctr">
+          <a:solidFill>
+            <a:schemeClr val="phClr">
+              <a:shade val="95000"/>
+              <a:satMod val="105000"/>
+            </a:schemeClr>
+          </a:solidFill>
+          <a:prstDash val="solid"/>
+        </a:ln>
+        <a:ln w="25400" cap="flat" cmpd="sng" algn="ctr">
+          <a:solidFill>
+            <a:schemeClr val="phClr"/>
+          </a:solidFill>
+          <a:prstDash val="solid"/>
+        </a:ln>
+        <a:ln w="38100" cap="flat" cmpd="sng" algn="ctr">
+          <a:solidFill>
+            <a:schemeClr val="phClr"/>
+          </a:solidFill>
+          <a:prstDash val="solid"/>
+        </a:ln>
+      </a:lnStyleLst>
+      <a:effectStyleLst>
+        <a:effectStyle>
+          <a:effectLst>
+            <a:outerShdw blurRad="40000" dist="20000" dir="5400000" rotWithShape="0">
+              <a:srgbClr val="000000">
+                <a:alpha val="38000"/>
+              </a:srgbClr>
+            </a:outerShdw>
+          </a:effectLst>
+        </a:effectStyle>
+        <a:effectStyle>
+          <a:effectLst>
+            <a:outerShdw blurRad="40000" dist="23000" dir="5400000" rotWithShape="0">
+              <a:srgbClr val="000000">
+                <a:alpha val="35000"/>
+              </a:srgbClr>
+            </a:outerShdw>
+          </a:effectLst>
+        </a:effectStyle>
+        <a:effectStyle>
+          <a:effectLst>
+            <a:outerShdw blurRad="40000" dist="23000" dir="5400000" rotWithShape="0">
+              <a:srgbClr val="000000">
+                <a:alpha val="35000"/>
+              </a:srgbClr>
+            </a:outerShdw>
+          </a:effectLst>
+          <a:scene3d>
+            <a:camera prst="orthographicFront">
+              <a:rot lat="0" lon="0" rev="0"/>
+            </a:camera>
+            <a:lightRig rig="threePt" dir="t">
+              <a:rot lat="0" lon="0" rev="1200000"/>
+            </a:lightRig>
+          </a:scene3d>
+          <a:sp3d>
+            <a:bevelT w="63500" h="25400"/>
+          </a:sp3d>
+        </a:effectStyle>
+      </a:effectStyleLst>
+      <a:bgFillStyleLst>
+        <a:solidFill>
+          <a:schemeClr val="phClr"/>
+        </a:solidFill>
+        <a:gradFill rotWithShape="1">
+          <a:gsLst>
+            <a:gs pos="0">
+              <a:schemeClr val="phClr">
+                <a:tint val="40000"/>
+                <a:satMod val="350000"/>
+              </a:schemeClr>
+            </a:gs>
+            <a:gs pos="40000">
+              <a:schemeClr val="phClr">
+                <a:tint val="45000"/>
+                <a:shade val="99000"/>
+                <a:satMod val="350000"/>
+              </a:schemeClr>
+            </a:gs>
+            <a:gs pos="100000">
+              <a:schemeClr val="phClr">
+                <a:shade val="20000"/>
+                <a:satMod val="255000"/>
+              </a:schemeClr>
+            </a:gs>
+          </a:gsLst>
+          <a:path path="circle">
+            <a:fillToRect l="50000" t="-80000" r="50000" b="180000"/>
+          </a:path>
+        </a:gradFill>
+        <a:gradFill rotWithShape="1">
+          <a:gsLst>
+            <a:gs pos="0">
+              <a:schemeClr val="phClr">
+                <a:tint val="80000"/>
+                <a:satMod val="300000"/>
+              </a:schemeClr>
+            </a:gs>
+            <a:gs pos="100000">
+              <a:schemeClr val="phClr">
+                <a:shade val="30000"/>
+                <a:satMod val="200000"/>
+              </a:schemeClr>
+            </a:gs>
+          </a:gsLst>
+          <a:path path="circle">
+            <a:fillToRect l="50000" t="50000" r="50000" b="50000"/>
+          </a:path>
+        </a:gradFill>
+      </a:bgFillStyleLst>
+    </a:fmtScheme>
+  </a:themeElements>
+</a:theme>
+</file>
+
+<file path=ppt/theme/theme2.xml><?xml version="1.0" encoding="utf-8"?>
 <a:theme xmlns:a="http://schemas.openxmlformats.org/drawingml/2006/main" xmlns:r="http://schemas.openxmlformats.org/officeDocument/2006/relationships">
   <a:themeElements>
     <a:clrScheme name="Default">
@@ -12299,283 +15369,4 @@
     </a:fmtScheme>
   </a:themeElements>
 </a:theme>
-</file>
-
-<file path=ppt/theme/theme2.xml><?xml version="1.0" encoding="utf-8"?>
-<a:theme xmlns:a="http://schemas.openxmlformats.org/drawingml/2006/main" xmlns:r="http://schemas.openxmlformats.org/officeDocument/2006/relationships" name="Swiss">
-  <a:themeElements>
-    <a:clrScheme name="Swiss">
-      <a:dk1>
-        <a:srgbClr val="F46524"/>
-      </a:dk1>
-      <a:lt1>
-        <a:srgbClr val="FFFFFF"/>
-      </a:lt1>
-      <a:dk2>
-        <a:srgbClr val="000000"/>
-      </a:dk2>
-      <a:lt2>
-        <a:srgbClr val="757575"/>
-      </a:lt2>
-      <a:accent1>
-        <a:srgbClr val="01579B"/>
-      </a:accent1>
-      <a:accent2>
-        <a:srgbClr val="27C7BD"/>
-      </a:accent2>
-      <a:accent3>
-        <a:srgbClr val="0099E8"/>
-      </a:accent3>
-      <a:accent4>
-        <a:srgbClr val="51B9A3"/>
-      </a:accent4>
-      <a:accent5>
-        <a:srgbClr val="FB8C00"/>
-      </a:accent5>
-      <a:accent6>
-        <a:srgbClr val="FFAE88"/>
-      </a:accent6>
-      <a:hlink>
-        <a:srgbClr val="0277BD"/>
-      </a:hlink>
-      <a:folHlink>
-        <a:srgbClr val="0277BD"/>
-      </a:folHlink>
-    </a:clrScheme>
-    <a:fontScheme name="Office">
-      <a:majorFont>
-        <a:latin typeface="Arial"/>
-        <a:ea typeface=""/>
-        <a:cs typeface=""/>
-        <a:font script="Jpan" typeface="ＭＳ Ｐゴシック"/>
-        <a:font script="Hang" typeface="맑은 고딕"/>
-        <a:font script="Hans" typeface="宋体"/>
-        <a:font script="Hant" typeface="新細明體"/>
-        <a:font script="Arab" typeface="Times New Roman"/>
-        <a:font script="Hebr" typeface="Times New Roman"/>
-        <a:font script="Thai" typeface="Angsana New"/>
-        <a:font script="Ethi" typeface="Nyala"/>
-        <a:font script="Beng" typeface="Vrinda"/>
-        <a:font script="Gujr" typeface="Shruti"/>
-        <a:font script="Khmr" typeface="MoolBoran"/>
-        <a:font script="Knda" typeface="Tunga"/>
-        <a:font script="Guru" typeface="Raavi"/>
-        <a:font script="Cans" typeface="Euphemia"/>
-        <a:font script="Cher" typeface="Plantagenet Cherokee"/>
-        <a:font script="Yiii" typeface="Microsoft Yi Baiti"/>
-        <a:font script="Tibt" typeface="Microsoft Himalaya"/>
-        <a:font script="Thaa" typeface="MV Boli"/>
-        <a:font script="Deva" typeface="Mangal"/>
-        <a:font script="Telu" typeface="Gautami"/>
-        <a:font script="Taml" typeface="Latha"/>
-        <a:font script="Syrc" typeface="Estrangelo Edessa"/>
-        <a:font script="Orya" typeface="Kalinga"/>
-        <a:font script="Mlym" typeface="Kartika"/>
-        <a:font script="Laoo" typeface="DokChampa"/>
-        <a:font script="Sinh" typeface="Iskoola Pota"/>
-        <a:font script="Mong" typeface="Mongolian Baiti"/>
-        <a:font script="Viet" typeface="Times New Roman"/>
-        <a:font script="Uigh" typeface="Microsoft Uighur"/>
-        <a:font script="Geor" typeface="Sylfaen"/>
-      </a:majorFont>
-      <a:minorFont>
-        <a:latin typeface="Arial"/>
-        <a:ea typeface=""/>
-        <a:cs typeface=""/>
-        <a:font script="Jpan" typeface="ＭＳ Ｐゴシック"/>
-        <a:font script="Hang" typeface="맑은 고딕"/>
-        <a:font script="Hans" typeface="宋体"/>
-        <a:font script="Hant" typeface="新細明體"/>
-        <a:font script="Arab" typeface="Arial"/>
-        <a:font script="Hebr" typeface="Arial"/>
-        <a:font script="Thai" typeface="Cordia New"/>
-        <a:font script="Ethi" typeface="Nyala"/>
-        <a:font script="Beng" typeface="Vrinda"/>
-        <a:font script="Gujr" typeface="Shruti"/>
-        <a:font script="Khmr" typeface="DaunPenh"/>
-        <a:font script="Knda" typeface="Tunga"/>
-        <a:font script="Guru" typeface="Raavi"/>
-        <a:font script="Cans" typeface="Euphemia"/>
-        <a:font script="Cher" typeface="Plantagenet Cherokee"/>
-        <a:font script="Yiii" typeface="Microsoft Yi Baiti"/>
-        <a:font script="Tibt" typeface="Microsoft Himalaya"/>
-        <a:font script="Thaa" typeface="MV Boli"/>
-        <a:font script="Deva" typeface="Mangal"/>
-        <a:font script="Telu" typeface="Gautami"/>
-        <a:font script="Taml" typeface="Latha"/>
-        <a:font script="Syrc" typeface="Estrangelo Edessa"/>
-        <a:font script="Orya" typeface="Kalinga"/>
-        <a:font script="Mlym" typeface="Kartika"/>
-        <a:font script="Laoo" typeface="DokChampa"/>
-        <a:font script="Sinh" typeface="Iskoola Pota"/>
-        <a:font script="Mong" typeface="Mongolian Baiti"/>
-        <a:font script="Viet" typeface="Arial"/>
-        <a:font script="Uigh" typeface="Microsoft Uighur"/>
-        <a:font script="Geor" typeface="Sylfaen"/>
-      </a:minorFont>
-    </a:fontScheme>
-    <a:fmtScheme name="Office">
-      <a:fillStyleLst>
-        <a:solidFill>
-          <a:schemeClr val="phClr"/>
-        </a:solidFill>
-        <a:gradFill rotWithShape="1">
-          <a:gsLst>
-            <a:gs pos="0">
-              <a:schemeClr val="phClr">
-                <a:tint val="50000"/>
-                <a:satMod val="300000"/>
-              </a:schemeClr>
-            </a:gs>
-            <a:gs pos="35000">
-              <a:schemeClr val="phClr">
-                <a:tint val="37000"/>
-                <a:satMod val="300000"/>
-              </a:schemeClr>
-            </a:gs>
-            <a:gs pos="100000">
-              <a:schemeClr val="phClr">
-                <a:tint val="15000"/>
-                <a:satMod val="350000"/>
-              </a:schemeClr>
-            </a:gs>
-          </a:gsLst>
-          <a:lin ang="16200000" scaled="1"/>
-        </a:gradFill>
-        <a:gradFill rotWithShape="1">
-          <a:gsLst>
-            <a:gs pos="0">
-              <a:schemeClr val="phClr">
-                <a:tint val="100000"/>
-                <a:shade val="100000"/>
-                <a:satMod val="130000"/>
-              </a:schemeClr>
-            </a:gs>
-            <a:gs pos="100000">
-              <a:schemeClr val="phClr">
-                <a:tint val="50000"/>
-                <a:shade val="100000"/>
-                <a:satMod val="350000"/>
-              </a:schemeClr>
-            </a:gs>
-          </a:gsLst>
-          <a:lin ang="16200000" scaled="0"/>
-        </a:gradFill>
-      </a:fillStyleLst>
-      <a:lnStyleLst>
-        <a:ln w="9525" cap="flat" cmpd="sng" algn="ctr">
-          <a:solidFill>
-            <a:schemeClr val="phClr">
-              <a:shade val="95000"/>
-              <a:satMod val="105000"/>
-            </a:schemeClr>
-          </a:solidFill>
-          <a:prstDash val="solid"/>
-        </a:ln>
-        <a:ln w="25400" cap="flat" cmpd="sng" algn="ctr">
-          <a:solidFill>
-            <a:schemeClr val="phClr"/>
-          </a:solidFill>
-          <a:prstDash val="solid"/>
-        </a:ln>
-        <a:ln w="38100" cap="flat" cmpd="sng" algn="ctr">
-          <a:solidFill>
-            <a:schemeClr val="phClr"/>
-          </a:solidFill>
-          <a:prstDash val="solid"/>
-        </a:ln>
-      </a:lnStyleLst>
-      <a:effectStyleLst>
-        <a:effectStyle>
-          <a:effectLst>
-            <a:outerShdw blurRad="40000" dist="20000" dir="5400000" rotWithShape="0">
-              <a:srgbClr val="000000">
-                <a:alpha val="38000"/>
-              </a:srgbClr>
-            </a:outerShdw>
-          </a:effectLst>
-        </a:effectStyle>
-        <a:effectStyle>
-          <a:effectLst>
-            <a:outerShdw blurRad="40000" dist="23000" dir="5400000" rotWithShape="0">
-              <a:srgbClr val="000000">
-                <a:alpha val="35000"/>
-              </a:srgbClr>
-            </a:outerShdw>
-          </a:effectLst>
-        </a:effectStyle>
-        <a:effectStyle>
-          <a:effectLst>
-            <a:outerShdw blurRad="40000" dist="23000" dir="5400000" rotWithShape="0">
-              <a:srgbClr val="000000">
-                <a:alpha val="35000"/>
-              </a:srgbClr>
-            </a:outerShdw>
-          </a:effectLst>
-          <a:scene3d>
-            <a:camera prst="orthographicFront">
-              <a:rot lat="0" lon="0" rev="0"/>
-            </a:camera>
-            <a:lightRig rig="threePt" dir="t">
-              <a:rot lat="0" lon="0" rev="1200000"/>
-            </a:lightRig>
-          </a:scene3d>
-          <a:sp3d>
-            <a:bevelT w="63500" h="25400"/>
-          </a:sp3d>
-        </a:effectStyle>
-      </a:effectStyleLst>
-      <a:bgFillStyleLst>
-        <a:solidFill>
-          <a:schemeClr val="phClr"/>
-        </a:solidFill>
-        <a:gradFill rotWithShape="1">
-          <a:gsLst>
-            <a:gs pos="0">
-              <a:schemeClr val="phClr">
-                <a:tint val="40000"/>
-                <a:satMod val="350000"/>
-              </a:schemeClr>
-            </a:gs>
-            <a:gs pos="40000">
-              <a:schemeClr val="phClr">
-                <a:tint val="45000"/>
-                <a:shade val="99000"/>
-                <a:satMod val="350000"/>
-              </a:schemeClr>
-            </a:gs>
-            <a:gs pos="100000">
-              <a:schemeClr val="phClr">
-                <a:shade val="20000"/>
-                <a:satMod val="255000"/>
-              </a:schemeClr>
-            </a:gs>
-          </a:gsLst>
-          <a:path path="circle">
-            <a:fillToRect l="50000" t="-80000" r="50000" b="180000"/>
-          </a:path>
-        </a:gradFill>
-        <a:gradFill rotWithShape="1">
-          <a:gsLst>
-            <a:gs pos="0">
-              <a:schemeClr val="phClr">
-                <a:tint val="80000"/>
-                <a:satMod val="300000"/>
-              </a:schemeClr>
-            </a:gs>
-            <a:gs pos="100000">
-              <a:schemeClr val="phClr">
-                <a:shade val="30000"/>
-                <a:satMod val="200000"/>
-              </a:schemeClr>
-            </a:gs>
-          </a:gsLst>
-          <a:path path="circle">
-            <a:fillToRect l="50000" t="50000" r="50000" b="50000"/>
-          </a:path>
-        </a:gradFill>
-      </a:bgFillStyleLst>
-    </a:fmtScheme>
-  </a:themeElements>
-</a:theme>
 </file>